--- a/Proyecto Final/Uso de Redes Neuronales para medir el tráfico vehicular.pptx
+++ b/Proyecto Final/Uso de Redes Neuronales para medir el tráfico vehicular.pptx
@@ -7,6 +7,8 @@
   <p:sldIdLst>
     <p:sldId id="256" r:id="rId2"/>
     <p:sldId id="257" r:id="rId3"/>
+    <p:sldId id="258" r:id="rId4"/>
+    <p:sldId id="259" r:id="rId5"/>
   </p:sldIdLst>
   <p:sldSz cx="12192000" cy="6858000"/>
   <p:notesSz cx="6858000" cy="9144000"/>
@@ -108,12 +110,17 @@
   <p:extLst>
     <p:ext uri="{EFAFB233-063F-42B5-8137-9DF3F51BA10A}">
       <p15:sldGuideLst xmlns:p15="http://schemas.microsoft.com/office/powerpoint/2012/main">
-        <p15:guide id="1" orient="horz" pos="2160" userDrawn="1">
+        <p15:guide id="1" orient="horz" pos="3072" userDrawn="1">
           <p15:clr>
             <a:srgbClr val="A4A3A4"/>
           </p15:clr>
         </p15:guide>
         <p15:guide id="2" pos="3840" userDrawn="1">
+          <p15:clr>
+            <a:srgbClr val="A4A3A4"/>
+          </p15:clr>
+        </p15:guide>
+        <p15:guide id="3" orient="horz" pos="1968" userDrawn="1">
           <p15:clr>
             <a:srgbClr val="A4A3A4"/>
           </p15:clr>
@@ -273,7 +280,7 @@
           <a:p>
             <a:fld id="{565C6034-5465-4C1D-BEB5-96315F74DDF7}" type="datetimeFigureOut">
               <a:rPr lang="es-MX" smtClean="0"/>
-              <a:t>10/07/2022</a:t>
+              <a:t>16/07/2022</a:t>
             </a:fld>
             <a:endParaRPr lang="es-MX"/>
           </a:p>
@@ -473,7 +480,7 @@
           <a:p>
             <a:fld id="{565C6034-5465-4C1D-BEB5-96315F74DDF7}" type="datetimeFigureOut">
               <a:rPr lang="es-MX" smtClean="0"/>
-              <a:t>10/07/2022</a:t>
+              <a:t>16/07/2022</a:t>
             </a:fld>
             <a:endParaRPr lang="es-MX"/>
           </a:p>
@@ -683,7 +690,7 @@
           <a:p>
             <a:fld id="{565C6034-5465-4C1D-BEB5-96315F74DDF7}" type="datetimeFigureOut">
               <a:rPr lang="es-MX" smtClean="0"/>
-              <a:t>10/07/2022</a:t>
+              <a:t>16/07/2022</a:t>
             </a:fld>
             <a:endParaRPr lang="es-MX"/>
           </a:p>
@@ -883,7 +890,7 @@
           <a:p>
             <a:fld id="{565C6034-5465-4C1D-BEB5-96315F74DDF7}" type="datetimeFigureOut">
               <a:rPr lang="es-MX" smtClean="0"/>
-              <a:t>10/07/2022</a:t>
+              <a:t>16/07/2022</a:t>
             </a:fld>
             <a:endParaRPr lang="es-MX"/>
           </a:p>
@@ -1159,7 +1166,7 @@
           <a:p>
             <a:fld id="{565C6034-5465-4C1D-BEB5-96315F74DDF7}" type="datetimeFigureOut">
               <a:rPr lang="es-MX" smtClean="0"/>
-              <a:t>10/07/2022</a:t>
+              <a:t>16/07/2022</a:t>
             </a:fld>
             <a:endParaRPr lang="es-MX"/>
           </a:p>
@@ -1427,7 +1434,7 @@
           <a:p>
             <a:fld id="{565C6034-5465-4C1D-BEB5-96315F74DDF7}" type="datetimeFigureOut">
               <a:rPr lang="es-MX" smtClean="0"/>
-              <a:t>10/07/2022</a:t>
+              <a:t>16/07/2022</a:t>
             </a:fld>
             <a:endParaRPr lang="es-MX"/>
           </a:p>
@@ -1842,7 +1849,7 @@
           <a:p>
             <a:fld id="{565C6034-5465-4C1D-BEB5-96315F74DDF7}" type="datetimeFigureOut">
               <a:rPr lang="es-MX" smtClean="0"/>
-              <a:t>10/07/2022</a:t>
+              <a:t>16/07/2022</a:t>
             </a:fld>
             <a:endParaRPr lang="es-MX"/>
           </a:p>
@@ -1984,7 +1991,7 @@
           <a:p>
             <a:fld id="{565C6034-5465-4C1D-BEB5-96315F74DDF7}" type="datetimeFigureOut">
               <a:rPr lang="es-MX" smtClean="0"/>
-              <a:t>10/07/2022</a:t>
+              <a:t>16/07/2022</a:t>
             </a:fld>
             <a:endParaRPr lang="es-MX"/>
           </a:p>
@@ -2097,7 +2104,7 @@
           <a:p>
             <a:fld id="{565C6034-5465-4C1D-BEB5-96315F74DDF7}" type="datetimeFigureOut">
               <a:rPr lang="es-MX" smtClean="0"/>
-              <a:t>10/07/2022</a:t>
+              <a:t>16/07/2022</a:t>
             </a:fld>
             <a:endParaRPr lang="es-MX"/>
           </a:p>
@@ -2410,7 +2417,7 @@
           <a:p>
             <a:fld id="{565C6034-5465-4C1D-BEB5-96315F74DDF7}" type="datetimeFigureOut">
               <a:rPr lang="es-MX" smtClean="0"/>
-              <a:t>10/07/2022</a:t>
+              <a:t>16/07/2022</a:t>
             </a:fld>
             <a:endParaRPr lang="es-MX"/>
           </a:p>
@@ -2699,7 +2706,7 @@
           <a:p>
             <a:fld id="{565C6034-5465-4C1D-BEB5-96315F74DDF7}" type="datetimeFigureOut">
               <a:rPr lang="es-MX" smtClean="0"/>
-              <a:t>10/07/2022</a:t>
+              <a:t>16/07/2022</a:t>
             </a:fld>
             <a:endParaRPr lang="es-MX"/>
           </a:p>
@@ -2942,7 +2949,7 @@
           <a:p>
             <a:fld id="{565C6034-5465-4C1D-BEB5-96315F74DDF7}" type="datetimeFigureOut">
               <a:rPr lang="es-MX" smtClean="0"/>
-              <a:t>10/07/2022</a:t>
+              <a:t>16/07/2022</a:t>
             </a:fld>
             <a:endParaRPr lang="es-MX"/>
           </a:p>
@@ -4723,6 +4730,2211 @@
 </p:sld>
 </file>
 
+<file path=ppt/slides/slide3.xml><?xml version="1.0" encoding="utf-8"?>
+<p:sld xmlns:a="http://schemas.openxmlformats.org/drawingml/2006/main" xmlns:r="http://schemas.openxmlformats.org/officeDocument/2006/relationships" xmlns:p="http://schemas.openxmlformats.org/presentationml/2006/main">
+  <p:cSld>
+    <p:spTree>
+      <p:nvGrpSpPr>
+        <p:cNvPr id="1" name=""/>
+        <p:cNvGrpSpPr/>
+        <p:nvPr/>
+      </p:nvGrpSpPr>
+      <p:grpSpPr>
+        <a:xfrm>
+          <a:off x="0" y="0"/>
+          <a:ext cx="0" cy="0"/>
+          <a:chOff x="0" y="0"/>
+          <a:chExt cx="0" cy="0"/>
+        </a:xfrm>
+      </p:grpSpPr>
+      <p:sp>
+        <p:nvSpPr>
+          <p:cNvPr id="2" name="Title 1">
+            <a:extLst>
+              <a:ext uri="{FF2B5EF4-FFF2-40B4-BE49-F238E27FC236}">
+                <a16:creationId xmlns:a16="http://schemas.microsoft.com/office/drawing/2014/main" id="{EA621351-ED45-4920-9D3F-198A37AD6C92}"/>
+              </a:ext>
+            </a:extLst>
+          </p:cNvPr>
+          <p:cNvSpPr>
+            <a:spLocks noGrp="1"/>
+          </p:cNvSpPr>
+          <p:nvPr>
+            <p:ph type="title"/>
+          </p:nvPr>
+        </p:nvSpPr>
+        <p:spPr/>
+        <p:txBody>
+          <a:bodyPr/>
+          <a:lstStyle/>
+          <a:p>
+            <a:endParaRPr lang="es-MX"/>
+          </a:p>
+        </p:txBody>
+      </p:sp>
+      <p:sp>
+        <p:nvSpPr>
+          <p:cNvPr id="3" name="Rectangle 2">
+            <a:extLst>
+              <a:ext uri="{FF2B5EF4-FFF2-40B4-BE49-F238E27FC236}">
+                <a16:creationId xmlns:a16="http://schemas.microsoft.com/office/drawing/2014/main" id="{ED4151D6-FE40-4556-96DA-FF452966392E}"/>
+              </a:ext>
+            </a:extLst>
+          </p:cNvPr>
+          <p:cNvSpPr/>
+          <p:nvPr/>
+        </p:nvSpPr>
+        <p:spPr>
+          <a:xfrm>
+            <a:off x="838200" y="1994581"/>
+            <a:ext cx="3657600" cy="548640"/>
+          </a:xfrm>
+          <a:prstGeom prst="rect">
+            <a:avLst/>
+          </a:prstGeom>
+          <a:solidFill>
+            <a:schemeClr val="bg1">
+              <a:lumMod val="95000"/>
+            </a:schemeClr>
+          </a:solidFill>
+          <a:ln>
+            <a:solidFill>
+              <a:schemeClr val="tx1"/>
+            </a:solidFill>
+          </a:ln>
+        </p:spPr>
+        <p:style>
+          <a:lnRef idx="2">
+            <a:schemeClr val="accent1">
+              <a:shade val="50000"/>
+            </a:schemeClr>
+          </a:lnRef>
+          <a:fillRef idx="1">
+            <a:schemeClr val="accent1"/>
+          </a:fillRef>
+          <a:effectRef idx="0">
+            <a:schemeClr val="accent1"/>
+          </a:effectRef>
+          <a:fontRef idx="minor">
+            <a:schemeClr val="lt1"/>
+          </a:fontRef>
+        </p:style>
+        <p:txBody>
+          <a:bodyPr rtlCol="0" anchor="ctr"/>
+          <a:lstStyle/>
+          <a:p>
+            <a:pPr algn="ctr"/>
+            <a:r>
+              <a:rPr lang="es-MX" sz="1600" b="1" dirty="0" err="1">
+                <a:solidFill>
+                  <a:schemeClr val="tx1"/>
+                </a:solidFill>
+              </a:rPr>
+              <a:t>Dataset</a:t>
+            </a:r>
+            <a:endParaRPr lang="es-MX" sz="1600" b="1" dirty="0">
+              <a:solidFill>
+                <a:schemeClr val="tx1"/>
+              </a:solidFill>
+            </a:endParaRPr>
+          </a:p>
+        </p:txBody>
+      </p:sp>
+      <p:sp>
+        <p:nvSpPr>
+          <p:cNvPr id="4" name="Rectangle 3">
+            <a:extLst>
+              <a:ext uri="{FF2B5EF4-FFF2-40B4-BE49-F238E27FC236}">
+                <a16:creationId xmlns:a16="http://schemas.microsoft.com/office/drawing/2014/main" id="{949E8605-D8C6-4285-B598-F330A7266B4C}"/>
+              </a:ext>
+            </a:extLst>
+          </p:cNvPr>
+          <p:cNvSpPr/>
+          <p:nvPr/>
+        </p:nvSpPr>
+        <p:spPr>
+          <a:xfrm>
+            <a:off x="838200" y="3149488"/>
+            <a:ext cx="2926080" cy="548640"/>
+          </a:xfrm>
+          <a:prstGeom prst="rect">
+            <a:avLst/>
+          </a:prstGeom>
+          <a:solidFill>
+            <a:schemeClr val="accent5">
+              <a:lumMod val="40000"/>
+              <a:lumOff val="60000"/>
+            </a:schemeClr>
+          </a:solidFill>
+          <a:ln>
+            <a:solidFill>
+              <a:schemeClr val="tx1"/>
+            </a:solidFill>
+          </a:ln>
+        </p:spPr>
+        <p:style>
+          <a:lnRef idx="2">
+            <a:schemeClr val="accent1">
+              <a:shade val="50000"/>
+            </a:schemeClr>
+          </a:lnRef>
+          <a:fillRef idx="1">
+            <a:schemeClr val="accent1"/>
+          </a:fillRef>
+          <a:effectRef idx="0">
+            <a:schemeClr val="accent1"/>
+          </a:effectRef>
+          <a:fontRef idx="minor">
+            <a:schemeClr val="lt1"/>
+          </a:fontRef>
+        </p:style>
+        <p:txBody>
+          <a:bodyPr rtlCol="0" anchor="ctr"/>
+          <a:lstStyle/>
+          <a:p>
+            <a:pPr algn="ctr"/>
+            <a:r>
+              <a:rPr lang="es-MX" sz="1400" dirty="0">
+                <a:solidFill>
+                  <a:schemeClr val="tx1"/>
+                </a:solidFill>
+              </a:rPr>
+              <a:t>Train </a:t>
+            </a:r>
+            <a:r>
+              <a:rPr lang="es-MX" sz="1400" dirty="0" err="1">
+                <a:solidFill>
+                  <a:schemeClr val="tx1"/>
+                </a:solidFill>
+              </a:rPr>
+              <a:t>dataset</a:t>
+            </a:r>
+            <a:r>
+              <a:rPr lang="es-MX" sz="1400" dirty="0">
+                <a:solidFill>
+                  <a:schemeClr val="tx1"/>
+                </a:solidFill>
+              </a:rPr>
+              <a:t> (80%)</a:t>
+            </a:r>
+          </a:p>
+        </p:txBody>
+      </p:sp>
+      <p:sp>
+        <p:nvSpPr>
+          <p:cNvPr id="5" name="Rectangle 4">
+            <a:extLst>
+              <a:ext uri="{FF2B5EF4-FFF2-40B4-BE49-F238E27FC236}">
+                <a16:creationId xmlns:a16="http://schemas.microsoft.com/office/drawing/2014/main" id="{28FE7973-5E28-4F89-88EF-A2352D98A443}"/>
+              </a:ext>
+            </a:extLst>
+          </p:cNvPr>
+          <p:cNvSpPr/>
+          <p:nvPr/>
+        </p:nvSpPr>
+        <p:spPr>
+          <a:xfrm>
+            <a:off x="3764281" y="3149489"/>
+            <a:ext cx="731520" cy="548640"/>
+          </a:xfrm>
+          <a:prstGeom prst="rect">
+            <a:avLst/>
+          </a:prstGeom>
+          <a:solidFill>
+            <a:schemeClr val="accent2">
+              <a:lumMod val="60000"/>
+              <a:lumOff val="40000"/>
+            </a:schemeClr>
+          </a:solidFill>
+          <a:ln>
+            <a:solidFill>
+              <a:schemeClr val="tx1"/>
+            </a:solidFill>
+          </a:ln>
+        </p:spPr>
+        <p:style>
+          <a:lnRef idx="2">
+            <a:schemeClr val="accent1">
+              <a:shade val="50000"/>
+            </a:schemeClr>
+          </a:lnRef>
+          <a:fillRef idx="1">
+            <a:schemeClr val="accent1"/>
+          </a:fillRef>
+          <a:effectRef idx="0">
+            <a:schemeClr val="accent1"/>
+          </a:effectRef>
+          <a:fontRef idx="minor">
+            <a:schemeClr val="lt1"/>
+          </a:fontRef>
+        </p:style>
+        <p:txBody>
+          <a:bodyPr rtlCol="0" anchor="ctr"/>
+          <a:lstStyle/>
+          <a:p>
+            <a:pPr algn="ctr"/>
+            <a:r>
+              <a:rPr lang="es-MX" sz="1100" dirty="0">
+                <a:solidFill>
+                  <a:schemeClr val="tx1"/>
+                </a:solidFill>
+              </a:rPr>
+              <a:t>Test </a:t>
+            </a:r>
+            <a:r>
+              <a:rPr lang="es-MX" sz="1100" dirty="0" err="1">
+                <a:solidFill>
+                  <a:schemeClr val="tx1"/>
+                </a:solidFill>
+              </a:rPr>
+              <a:t>dataset</a:t>
+            </a:r>
+            <a:r>
+              <a:rPr lang="es-MX" sz="1100" dirty="0">
+                <a:solidFill>
+                  <a:schemeClr val="tx1"/>
+                </a:solidFill>
+              </a:rPr>
+              <a:t> (20%)</a:t>
+            </a:r>
+          </a:p>
+        </p:txBody>
+      </p:sp>
+      <p:sp>
+        <p:nvSpPr>
+          <p:cNvPr id="6" name="Rectangle 5">
+            <a:extLst>
+              <a:ext uri="{FF2B5EF4-FFF2-40B4-BE49-F238E27FC236}">
+                <a16:creationId xmlns:a16="http://schemas.microsoft.com/office/drawing/2014/main" id="{6EB3D060-1205-4252-8251-A57BDF82EF78}"/>
+              </a:ext>
+            </a:extLst>
+          </p:cNvPr>
+          <p:cNvSpPr/>
+          <p:nvPr/>
+        </p:nvSpPr>
+        <p:spPr>
+          <a:xfrm>
+            <a:off x="838199" y="4314780"/>
+            <a:ext cx="2235926" cy="548640"/>
+          </a:xfrm>
+          <a:prstGeom prst="rect">
+            <a:avLst/>
+          </a:prstGeom>
+          <a:solidFill>
+            <a:schemeClr val="accent5">
+              <a:lumMod val="40000"/>
+              <a:lumOff val="60000"/>
+            </a:schemeClr>
+          </a:solidFill>
+          <a:ln>
+            <a:solidFill>
+              <a:schemeClr val="tx1"/>
+            </a:solidFill>
+          </a:ln>
+        </p:spPr>
+        <p:style>
+          <a:lnRef idx="2">
+            <a:schemeClr val="accent1">
+              <a:shade val="50000"/>
+            </a:schemeClr>
+          </a:lnRef>
+          <a:fillRef idx="1">
+            <a:schemeClr val="accent1"/>
+          </a:fillRef>
+          <a:effectRef idx="0">
+            <a:schemeClr val="accent1"/>
+          </a:effectRef>
+          <a:fontRef idx="minor">
+            <a:schemeClr val="lt1"/>
+          </a:fontRef>
+        </p:style>
+        <p:txBody>
+          <a:bodyPr rtlCol="0" anchor="ctr"/>
+          <a:lstStyle/>
+          <a:p>
+            <a:pPr algn="ctr"/>
+            <a:r>
+              <a:rPr lang="es-MX" sz="1400" dirty="0">
+                <a:solidFill>
+                  <a:schemeClr val="tx1"/>
+                </a:solidFill>
+              </a:rPr>
+              <a:t>CV Train </a:t>
+            </a:r>
+            <a:r>
+              <a:rPr lang="es-MX" sz="1400" dirty="0" err="1">
+                <a:solidFill>
+                  <a:schemeClr val="tx1"/>
+                </a:solidFill>
+              </a:rPr>
+              <a:t>dataset</a:t>
+            </a:r>
+            <a:r>
+              <a:rPr lang="es-MX" sz="1400" dirty="0">
+                <a:solidFill>
+                  <a:schemeClr val="tx1"/>
+                </a:solidFill>
+              </a:rPr>
+              <a:t> (64%)</a:t>
+            </a:r>
+          </a:p>
+        </p:txBody>
+      </p:sp>
+      <p:sp>
+        <p:nvSpPr>
+          <p:cNvPr id="7" name="Rectangle 6">
+            <a:extLst>
+              <a:ext uri="{FF2B5EF4-FFF2-40B4-BE49-F238E27FC236}">
+                <a16:creationId xmlns:a16="http://schemas.microsoft.com/office/drawing/2014/main" id="{6DE3E9B9-870E-4732-8684-157F0BC85C10}"/>
+              </a:ext>
+            </a:extLst>
+          </p:cNvPr>
+          <p:cNvSpPr/>
+          <p:nvPr/>
+        </p:nvSpPr>
+        <p:spPr>
+          <a:xfrm>
+            <a:off x="3074125" y="4314780"/>
+            <a:ext cx="690154" cy="548640"/>
+          </a:xfrm>
+          <a:prstGeom prst="rect">
+            <a:avLst/>
+          </a:prstGeom>
+          <a:solidFill>
+            <a:schemeClr val="accent4">
+              <a:lumMod val="60000"/>
+              <a:lumOff val="40000"/>
+            </a:schemeClr>
+          </a:solidFill>
+          <a:ln>
+            <a:solidFill>
+              <a:schemeClr val="tx1"/>
+            </a:solidFill>
+          </a:ln>
+        </p:spPr>
+        <p:style>
+          <a:lnRef idx="2">
+            <a:schemeClr val="accent1">
+              <a:shade val="50000"/>
+            </a:schemeClr>
+          </a:lnRef>
+          <a:fillRef idx="1">
+            <a:schemeClr val="accent1"/>
+          </a:fillRef>
+          <a:effectRef idx="0">
+            <a:schemeClr val="accent1"/>
+          </a:effectRef>
+          <a:fontRef idx="minor">
+            <a:schemeClr val="lt1"/>
+          </a:fontRef>
+        </p:style>
+        <p:txBody>
+          <a:bodyPr rtlCol="0" anchor="ctr"/>
+          <a:lstStyle/>
+          <a:p>
+            <a:pPr algn="ctr"/>
+            <a:r>
+              <a:rPr lang="es-MX" sz="1200" dirty="0">
+                <a:solidFill>
+                  <a:schemeClr val="tx1"/>
+                </a:solidFill>
+              </a:rPr>
+              <a:t>CV Test </a:t>
+            </a:r>
+            <a:r>
+              <a:rPr lang="es-MX" sz="1200" dirty="0" err="1">
+                <a:solidFill>
+                  <a:schemeClr val="tx1"/>
+                </a:solidFill>
+              </a:rPr>
+              <a:t>dataset</a:t>
+            </a:r>
+            <a:r>
+              <a:rPr lang="es-MX" sz="1200" dirty="0">
+                <a:solidFill>
+                  <a:schemeClr val="tx1"/>
+                </a:solidFill>
+              </a:rPr>
+              <a:t> (16%)</a:t>
+            </a:r>
+          </a:p>
+        </p:txBody>
+      </p:sp>
+      <p:sp>
+        <p:nvSpPr>
+          <p:cNvPr id="8" name="Arrow: Right 7">
+            <a:extLst>
+              <a:ext uri="{FF2B5EF4-FFF2-40B4-BE49-F238E27FC236}">
+                <a16:creationId xmlns:a16="http://schemas.microsoft.com/office/drawing/2014/main" id="{55D56978-D548-4117-BE18-D9557F24694E}"/>
+              </a:ext>
+            </a:extLst>
+          </p:cNvPr>
+          <p:cNvSpPr/>
+          <p:nvPr/>
+        </p:nvSpPr>
+        <p:spPr>
+          <a:xfrm rot="5400000">
+            <a:off x="2438400" y="3703322"/>
+            <a:ext cx="457200" cy="594360"/>
+          </a:xfrm>
+          <a:prstGeom prst="rightArrow">
+            <a:avLst/>
+          </a:prstGeom>
+          <a:solidFill>
+            <a:schemeClr val="bg2">
+              <a:lumMod val="25000"/>
+            </a:schemeClr>
+          </a:solidFill>
+          <a:ln>
+            <a:solidFill>
+              <a:schemeClr val="tx1"/>
+            </a:solidFill>
+          </a:ln>
+        </p:spPr>
+        <p:style>
+          <a:lnRef idx="2">
+            <a:schemeClr val="accent1">
+              <a:shade val="50000"/>
+            </a:schemeClr>
+          </a:lnRef>
+          <a:fillRef idx="1">
+            <a:schemeClr val="accent1"/>
+          </a:fillRef>
+          <a:effectRef idx="0">
+            <a:schemeClr val="accent1"/>
+          </a:effectRef>
+          <a:fontRef idx="minor">
+            <a:schemeClr val="lt1"/>
+          </a:fontRef>
+        </p:style>
+        <p:txBody>
+          <a:bodyPr rtlCol="0" anchor="ctr"/>
+          <a:lstStyle/>
+          <a:p>
+            <a:pPr algn="ctr"/>
+            <a:endParaRPr lang="es-MX"/>
+          </a:p>
+        </p:txBody>
+      </p:sp>
+      <p:sp>
+        <p:nvSpPr>
+          <p:cNvPr id="9" name="Arrow: Right 8">
+            <a:extLst>
+              <a:ext uri="{FF2B5EF4-FFF2-40B4-BE49-F238E27FC236}">
+                <a16:creationId xmlns:a16="http://schemas.microsoft.com/office/drawing/2014/main" id="{56AB8482-1CC2-4D7D-A74C-04E4AD7E7E72}"/>
+              </a:ext>
+            </a:extLst>
+          </p:cNvPr>
+          <p:cNvSpPr/>
+          <p:nvPr/>
+        </p:nvSpPr>
+        <p:spPr>
+          <a:xfrm rot="5400000">
+            <a:off x="2438400" y="2549934"/>
+            <a:ext cx="457200" cy="594360"/>
+          </a:xfrm>
+          <a:prstGeom prst="rightArrow">
+            <a:avLst/>
+          </a:prstGeom>
+          <a:solidFill>
+            <a:schemeClr val="bg2">
+              <a:lumMod val="25000"/>
+            </a:schemeClr>
+          </a:solidFill>
+          <a:ln>
+            <a:solidFill>
+              <a:schemeClr val="tx1"/>
+            </a:solidFill>
+          </a:ln>
+        </p:spPr>
+        <p:style>
+          <a:lnRef idx="2">
+            <a:schemeClr val="accent1">
+              <a:shade val="50000"/>
+            </a:schemeClr>
+          </a:lnRef>
+          <a:fillRef idx="1">
+            <a:schemeClr val="accent1"/>
+          </a:fillRef>
+          <a:effectRef idx="0">
+            <a:schemeClr val="accent1"/>
+          </a:effectRef>
+          <a:fontRef idx="minor">
+            <a:schemeClr val="lt1"/>
+          </a:fontRef>
+        </p:style>
+        <p:txBody>
+          <a:bodyPr rtlCol="0" anchor="ctr"/>
+          <a:lstStyle/>
+          <a:p>
+            <a:pPr algn="ctr"/>
+            <a:endParaRPr lang="es-MX"/>
+          </a:p>
+        </p:txBody>
+      </p:sp>
+      <p:sp>
+        <p:nvSpPr>
+          <p:cNvPr id="10" name="Rectangle 9">
+            <a:extLst>
+              <a:ext uri="{FF2B5EF4-FFF2-40B4-BE49-F238E27FC236}">
+                <a16:creationId xmlns:a16="http://schemas.microsoft.com/office/drawing/2014/main" id="{BA928598-5660-4C85-9FFC-A788D6FCF313}"/>
+              </a:ext>
+            </a:extLst>
+          </p:cNvPr>
+          <p:cNvSpPr/>
+          <p:nvPr/>
+        </p:nvSpPr>
+        <p:spPr>
+          <a:xfrm>
+            <a:off x="3764280" y="4314779"/>
+            <a:ext cx="731520" cy="548640"/>
+          </a:xfrm>
+          <a:prstGeom prst="rect">
+            <a:avLst/>
+          </a:prstGeom>
+          <a:solidFill>
+            <a:schemeClr val="accent2">
+              <a:lumMod val="60000"/>
+              <a:lumOff val="40000"/>
+            </a:schemeClr>
+          </a:solidFill>
+          <a:ln>
+            <a:solidFill>
+              <a:schemeClr val="tx1"/>
+            </a:solidFill>
+          </a:ln>
+        </p:spPr>
+        <p:style>
+          <a:lnRef idx="2">
+            <a:schemeClr val="accent1">
+              <a:shade val="50000"/>
+            </a:schemeClr>
+          </a:lnRef>
+          <a:fillRef idx="1">
+            <a:schemeClr val="accent1"/>
+          </a:fillRef>
+          <a:effectRef idx="0">
+            <a:schemeClr val="accent1"/>
+          </a:effectRef>
+          <a:fontRef idx="minor">
+            <a:schemeClr val="lt1"/>
+          </a:fontRef>
+        </p:style>
+        <p:txBody>
+          <a:bodyPr rtlCol="0" anchor="ctr"/>
+          <a:lstStyle/>
+          <a:p>
+            <a:pPr algn="ctr"/>
+            <a:r>
+              <a:rPr lang="es-MX" sz="1200" dirty="0">
+                <a:solidFill>
+                  <a:schemeClr val="tx1"/>
+                </a:solidFill>
+              </a:rPr>
+              <a:t>Test </a:t>
+            </a:r>
+            <a:r>
+              <a:rPr lang="es-MX" sz="1200" dirty="0" err="1">
+                <a:solidFill>
+                  <a:schemeClr val="tx1"/>
+                </a:solidFill>
+              </a:rPr>
+              <a:t>dataset</a:t>
+            </a:r>
+            <a:r>
+              <a:rPr lang="es-MX" sz="1200" dirty="0">
+                <a:solidFill>
+                  <a:schemeClr val="tx1"/>
+                </a:solidFill>
+              </a:rPr>
+              <a:t> (20%)</a:t>
+            </a:r>
+          </a:p>
+        </p:txBody>
+      </p:sp>
+      <p:pic>
+        <p:nvPicPr>
+          <p:cNvPr id="12" name="Picture 11">
+            <a:extLst>
+              <a:ext uri="{FF2B5EF4-FFF2-40B4-BE49-F238E27FC236}">
+                <a16:creationId xmlns:a16="http://schemas.microsoft.com/office/drawing/2014/main" id="{0A134F57-B112-48B4-8AF4-C8847169D4B4}"/>
+              </a:ext>
+            </a:extLst>
+          </p:cNvPr>
+          <p:cNvPicPr>
+            <a:picLocks noChangeAspect="1"/>
+          </p:cNvPicPr>
+          <p:nvPr/>
+        </p:nvPicPr>
+        <p:blipFill>
+          <a:blip r:embed="rId2">
+            <a:extLst>
+              <a:ext uri="{28A0092B-C50C-407E-A947-70E740481C1C}">
+                <a14:useLocalDpi xmlns:a14="http://schemas.microsoft.com/office/drawing/2010/main" val="0"/>
+              </a:ext>
+            </a:extLst>
+          </a:blip>
+          <a:stretch>
+            <a:fillRect/>
+          </a:stretch>
+        </p:blipFill>
+        <p:spPr>
+          <a:xfrm>
+            <a:off x="5936286" y="2543221"/>
+            <a:ext cx="403554" cy="403554"/>
+          </a:xfrm>
+          <a:prstGeom prst="rect">
+            <a:avLst/>
+          </a:prstGeom>
+        </p:spPr>
+      </p:pic>
+      <p:sp>
+        <p:nvSpPr>
+          <p:cNvPr id="13" name="TextBox 12">
+            <a:extLst>
+              <a:ext uri="{FF2B5EF4-FFF2-40B4-BE49-F238E27FC236}">
+                <a16:creationId xmlns:a16="http://schemas.microsoft.com/office/drawing/2014/main" id="{254000B1-B855-49D7-88C8-F80AD7F99953}"/>
+              </a:ext>
+            </a:extLst>
+          </p:cNvPr>
+          <p:cNvSpPr txBox="1"/>
+          <p:nvPr/>
+        </p:nvSpPr>
+        <p:spPr>
+          <a:xfrm>
+            <a:off x="7121448" y="3566742"/>
+            <a:ext cx="871537" cy="261610"/>
+          </a:xfrm>
+          <a:prstGeom prst="rect">
+            <a:avLst/>
+          </a:prstGeom>
+          <a:noFill/>
+        </p:spPr>
+        <p:txBody>
+          <a:bodyPr wrap="square" rtlCol="0">
+            <a:spAutoFit/>
+          </a:bodyPr>
+          <a:lstStyle/>
+          <a:p>
+            <a:pPr algn="ctr"/>
+            <a:r>
+              <a:rPr lang="es-MX" sz="1050" dirty="0"/>
+              <a:t>non-</a:t>
+            </a:r>
+            <a:r>
+              <a:rPr lang="es-MX" sz="1050" dirty="0" err="1"/>
+              <a:t>vehicles</a:t>
+            </a:r>
+            <a:endParaRPr lang="es-MX" sz="1050" dirty="0"/>
+          </a:p>
+        </p:txBody>
+      </p:sp>
+      <p:sp>
+        <p:nvSpPr>
+          <p:cNvPr id="14" name="TextBox 13">
+            <a:extLst>
+              <a:ext uri="{FF2B5EF4-FFF2-40B4-BE49-F238E27FC236}">
+                <a16:creationId xmlns:a16="http://schemas.microsoft.com/office/drawing/2014/main" id="{0BD29A6F-4950-4BB4-9BC2-CA79B820C9A1}"/>
+              </a:ext>
+            </a:extLst>
+          </p:cNvPr>
+          <p:cNvSpPr txBox="1"/>
+          <p:nvPr/>
+        </p:nvSpPr>
+        <p:spPr>
+          <a:xfrm>
+            <a:off x="7121448" y="3088732"/>
+            <a:ext cx="871537" cy="261610"/>
+          </a:xfrm>
+          <a:prstGeom prst="rect">
+            <a:avLst/>
+          </a:prstGeom>
+          <a:noFill/>
+        </p:spPr>
+        <p:txBody>
+          <a:bodyPr wrap="square" rtlCol="0">
+            <a:spAutoFit/>
+          </a:bodyPr>
+          <a:lstStyle/>
+          <a:p>
+            <a:pPr algn="ctr"/>
+            <a:r>
+              <a:rPr lang="es-MX" sz="1050" dirty="0" err="1"/>
+              <a:t>vehicles</a:t>
+            </a:r>
+            <a:endParaRPr lang="es-MX" sz="1050" dirty="0"/>
+          </a:p>
+        </p:txBody>
+      </p:sp>
+      <p:cxnSp>
+        <p:nvCxnSpPr>
+          <p:cNvPr id="16" name="Connector: Elbow 15">
+            <a:extLst>
+              <a:ext uri="{FF2B5EF4-FFF2-40B4-BE49-F238E27FC236}">
+                <a16:creationId xmlns:a16="http://schemas.microsoft.com/office/drawing/2014/main" id="{AB3D122B-73EC-4927-8D81-66A5C321ACE7}"/>
+              </a:ext>
+            </a:extLst>
+          </p:cNvPr>
+          <p:cNvCxnSpPr>
+            <a:cxnSpLocks/>
+            <a:stCxn id="12" idx="2"/>
+            <a:endCxn id="33" idx="1"/>
+          </p:cNvCxnSpPr>
+          <p:nvPr/>
+        </p:nvCxnSpPr>
+        <p:spPr>
+          <a:xfrm rot="16200000" flipH="1">
+            <a:off x="6064022" y="3020815"/>
+            <a:ext cx="750772" cy="602691"/>
+          </a:xfrm>
+          <a:prstGeom prst="bentConnector2">
+            <a:avLst/>
+          </a:prstGeom>
+          <a:ln w="19050">
+            <a:solidFill>
+              <a:schemeClr val="tx1"/>
+            </a:solidFill>
+          </a:ln>
+        </p:spPr>
+        <p:style>
+          <a:lnRef idx="1">
+            <a:schemeClr val="accent1"/>
+          </a:lnRef>
+          <a:fillRef idx="0">
+            <a:schemeClr val="accent1"/>
+          </a:fillRef>
+          <a:effectRef idx="0">
+            <a:schemeClr val="accent1"/>
+          </a:effectRef>
+          <a:fontRef idx="minor">
+            <a:schemeClr val="tx1"/>
+          </a:fontRef>
+        </p:style>
+      </p:cxnSp>
+      <p:cxnSp>
+        <p:nvCxnSpPr>
+          <p:cNvPr id="17" name="Connector: Elbow 16">
+            <a:extLst>
+              <a:ext uri="{FF2B5EF4-FFF2-40B4-BE49-F238E27FC236}">
+                <a16:creationId xmlns:a16="http://schemas.microsoft.com/office/drawing/2014/main" id="{94B2C53B-00B7-4C12-9EFE-F6C8A0232972}"/>
+              </a:ext>
+            </a:extLst>
+          </p:cNvPr>
+          <p:cNvCxnSpPr>
+            <a:cxnSpLocks/>
+            <a:stCxn id="12" idx="2"/>
+            <a:endCxn id="31" idx="1"/>
+          </p:cNvCxnSpPr>
+          <p:nvPr/>
+        </p:nvCxnSpPr>
+        <p:spPr>
+          <a:xfrm rot="16200000" flipH="1">
+            <a:off x="6321250" y="2763587"/>
+            <a:ext cx="236316" cy="602691"/>
+          </a:xfrm>
+          <a:prstGeom prst="bentConnector2">
+            <a:avLst/>
+          </a:prstGeom>
+          <a:ln w="19050">
+            <a:solidFill>
+              <a:schemeClr val="tx1"/>
+            </a:solidFill>
+          </a:ln>
+        </p:spPr>
+        <p:style>
+          <a:lnRef idx="1">
+            <a:schemeClr val="accent1"/>
+          </a:lnRef>
+          <a:fillRef idx="0">
+            <a:schemeClr val="accent1"/>
+          </a:fillRef>
+          <a:effectRef idx="0">
+            <a:schemeClr val="accent1"/>
+          </a:effectRef>
+          <a:fontRef idx="minor">
+            <a:schemeClr val="tx1"/>
+          </a:fontRef>
+        </p:style>
+      </p:cxnSp>
+      <p:sp>
+        <p:nvSpPr>
+          <p:cNvPr id="20" name="TextBox 19">
+            <a:extLst>
+              <a:ext uri="{FF2B5EF4-FFF2-40B4-BE49-F238E27FC236}">
+                <a16:creationId xmlns:a16="http://schemas.microsoft.com/office/drawing/2014/main" id="{3D8A9CA6-509C-4165-812D-639E97583342}"/>
+              </a:ext>
+            </a:extLst>
+          </p:cNvPr>
+          <p:cNvSpPr txBox="1"/>
+          <p:nvPr/>
+        </p:nvSpPr>
+        <p:spPr>
+          <a:xfrm>
+            <a:off x="6215219" y="2575534"/>
+            <a:ext cx="871537" cy="261610"/>
+          </a:xfrm>
+          <a:prstGeom prst="rect">
+            <a:avLst/>
+          </a:prstGeom>
+          <a:noFill/>
+        </p:spPr>
+        <p:txBody>
+          <a:bodyPr wrap="square" rtlCol="0">
+            <a:spAutoFit/>
+          </a:bodyPr>
+          <a:lstStyle/>
+          <a:p>
+            <a:pPr algn="ctr"/>
+            <a:r>
+              <a:rPr lang="es-MX" sz="1050" b="1" dirty="0" err="1"/>
+              <a:t>dataset</a:t>
+            </a:r>
+            <a:endParaRPr lang="es-MX" sz="1050" b="1" dirty="0"/>
+          </a:p>
+        </p:txBody>
+      </p:sp>
+      <p:pic>
+        <p:nvPicPr>
+          <p:cNvPr id="31" name="Picture 30">
+            <a:extLst>
+              <a:ext uri="{FF2B5EF4-FFF2-40B4-BE49-F238E27FC236}">
+                <a16:creationId xmlns:a16="http://schemas.microsoft.com/office/drawing/2014/main" id="{3FCD83DA-C39E-4115-9A61-382241AEA6D4}"/>
+              </a:ext>
+            </a:extLst>
+          </p:cNvPr>
+          <p:cNvPicPr>
+            <a:picLocks noChangeAspect="1"/>
+          </p:cNvPicPr>
+          <p:nvPr/>
+        </p:nvPicPr>
+        <p:blipFill>
+          <a:blip r:embed="rId2">
+            <a:extLst>
+              <a:ext uri="{28A0092B-C50C-407E-A947-70E740481C1C}">
+                <a14:useLocalDpi xmlns:a14="http://schemas.microsoft.com/office/drawing/2010/main" val="0"/>
+              </a:ext>
+            </a:extLst>
+          </a:blip>
+          <a:stretch>
+            <a:fillRect/>
+          </a:stretch>
+        </p:blipFill>
+        <p:spPr>
+          <a:xfrm>
+            <a:off x="6740754" y="2981314"/>
+            <a:ext cx="403554" cy="403554"/>
+          </a:xfrm>
+          <a:prstGeom prst="rect">
+            <a:avLst/>
+          </a:prstGeom>
+        </p:spPr>
+      </p:pic>
+      <p:pic>
+        <p:nvPicPr>
+          <p:cNvPr id="33" name="Picture 32">
+            <a:extLst>
+              <a:ext uri="{FF2B5EF4-FFF2-40B4-BE49-F238E27FC236}">
+                <a16:creationId xmlns:a16="http://schemas.microsoft.com/office/drawing/2014/main" id="{8B4646AA-3C74-40F5-A615-A0ABF666CEBF}"/>
+              </a:ext>
+            </a:extLst>
+          </p:cNvPr>
+          <p:cNvPicPr>
+            <a:picLocks noChangeAspect="1"/>
+          </p:cNvPicPr>
+          <p:nvPr/>
+        </p:nvPicPr>
+        <p:blipFill>
+          <a:blip r:embed="rId2">
+            <a:extLst>
+              <a:ext uri="{28A0092B-C50C-407E-A947-70E740481C1C}">
+                <a14:useLocalDpi xmlns:a14="http://schemas.microsoft.com/office/drawing/2010/main" val="0"/>
+              </a:ext>
+            </a:extLst>
+          </a:blip>
+          <a:stretch>
+            <a:fillRect/>
+          </a:stretch>
+        </p:blipFill>
+        <p:spPr>
+          <a:xfrm>
+            <a:off x="6740754" y="3495770"/>
+            <a:ext cx="403554" cy="403554"/>
+          </a:xfrm>
+          <a:prstGeom prst="rect">
+            <a:avLst/>
+          </a:prstGeom>
+        </p:spPr>
+      </p:pic>
+      <p:pic>
+        <p:nvPicPr>
+          <p:cNvPr id="30" name="Picture 29">
+            <a:extLst>
+              <a:ext uri="{FF2B5EF4-FFF2-40B4-BE49-F238E27FC236}">
+                <a16:creationId xmlns:a16="http://schemas.microsoft.com/office/drawing/2014/main" id="{81024CCA-2999-4B14-81EE-CB6D3B1C486E}"/>
+              </a:ext>
+            </a:extLst>
+          </p:cNvPr>
+          <p:cNvPicPr>
+            <a:picLocks noChangeAspect="1"/>
+          </p:cNvPicPr>
+          <p:nvPr/>
+        </p:nvPicPr>
+        <p:blipFill>
+          <a:blip r:embed="rId3">
+            <a:extLst>
+              <a:ext uri="{28A0092B-C50C-407E-A947-70E740481C1C}">
+                <a14:useLocalDpi xmlns:a14="http://schemas.microsoft.com/office/drawing/2010/main" val="0"/>
+              </a:ext>
+            </a:extLst>
+          </a:blip>
+          <a:stretch>
+            <a:fillRect/>
+          </a:stretch>
+        </p:blipFill>
+        <p:spPr>
+          <a:xfrm>
+            <a:off x="6836264" y="3670003"/>
+            <a:ext cx="203795" cy="203795"/>
+          </a:xfrm>
+          <a:prstGeom prst="rect">
+            <a:avLst/>
+          </a:prstGeom>
+        </p:spPr>
+      </p:pic>
+      <p:pic>
+        <p:nvPicPr>
+          <p:cNvPr id="35" name="Picture 34">
+            <a:extLst>
+              <a:ext uri="{FF2B5EF4-FFF2-40B4-BE49-F238E27FC236}">
+                <a16:creationId xmlns:a16="http://schemas.microsoft.com/office/drawing/2014/main" id="{54C9C785-6C67-460C-944F-06E14536A7C3}"/>
+              </a:ext>
+            </a:extLst>
+          </p:cNvPr>
+          <p:cNvPicPr>
+            <a:picLocks noChangeAspect="1"/>
+          </p:cNvPicPr>
+          <p:nvPr/>
+        </p:nvPicPr>
+        <p:blipFill>
+          <a:blip r:embed="rId3">
+            <a:extLst>
+              <a:ext uri="{28A0092B-C50C-407E-A947-70E740481C1C}">
+                <a14:useLocalDpi xmlns:a14="http://schemas.microsoft.com/office/drawing/2010/main" val="0"/>
+              </a:ext>
+            </a:extLst>
+          </a:blip>
+          <a:stretch>
+            <a:fillRect/>
+          </a:stretch>
+        </p:blipFill>
+        <p:spPr>
+          <a:xfrm>
+            <a:off x="6836263" y="3149488"/>
+            <a:ext cx="203795" cy="203795"/>
+          </a:xfrm>
+          <a:prstGeom prst="rect">
+            <a:avLst/>
+          </a:prstGeom>
+        </p:spPr>
+      </p:pic>
+    </p:spTree>
+    <p:extLst>
+      <p:ext uri="{BB962C8B-B14F-4D97-AF65-F5344CB8AC3E}">
+        <p14:creationId xmlns:p14="http://schemas.microsoft.com/office/powerpoint/2010/main" val="1695888151"/>
+      </p:ext>
+    </p:extLst>
+  </p:cSld>
+  <p:clrMapOvr>
+    <a:masterClrMapping/>
+  </p:clrMapOvr>
+</p:sld>
+</file>
+
+<file path=ppt/slides/slide4.xml><?xml version="1.0" encoding="utf-8"?>
+<p:sld xmlns:a="http://schemas.openxmlformats.org/drawingml/2006/main" xmlns:r="http://schemas.openxmlformats.org/officeDocument/2006/relationships" xmlns:p="http://schemas.openxmlformats.org/presentationml/2006/main">
+  <p:cSld>
+    <p:spTree>
+      <p:nvGrpSpPr>
+        <p:cNvPr id="1" name=""/>
+        <p:cNvGrpSpPr/>
+        <p:nvPr/>
+      </p:nvGrpSpPr>
+      <p:grpSpPr>
+        <a:xfrm>
+          <a:off x="0" y="0"/>
+          <a:ext cx="0" cy="0"/>
+          <a:chOff x="0" y="0"/>
+          <a:chExt cx="0" cy="0"/>
+        </a:xfrm>
+      </p:grpSpPr>
+      <p:sp>
+        <p:nvSpPr>
+          <p:cNvPr id="2" name="Title 1">
+            <a:extLst>
+              <a:ext uri="{FF2B5EF4-FFF2-40B4-BE49-F238E27FC236}">
+                <a16:creationId xmlns:a16="http://schemas.microsoft.com/office/drawing/2014/main" id="{6C739333-5B16-47BE-A30A-E8DCA1F6614A}"/>
+              </a:ext>
+            </a:extLst>
+          </p:cNvPr>
+          <p:cNvSpPr>
+            <a:spLocks noGrp="1"/>
+          </p:cNvSpPr>
+          <p:nvPr>
+            <p:ph type="title"/>
+          </p:nvPr>
+        </p:nvSpPr>
+        <p:spPr/>
+        <p:txBody>
+          <a:bodyPr/>
+          <a:lstStyle/>
+          <a:p>
+            <a:endParaRPr lang="es-MX"/>
+          </a:p>
+        </p:txBody>
+      </p:sp>
+      <p:sp>
+        <p:nvSpPr>
+          <p:cNvPr id="4" name="Cube 3">
+            <a:extLst>
+              <a:ext uri="{FF2B5EF4-FFF2-40B4-BE49-F238E27FC236}">
+                <a16:creationId xmlns:a16="http://schemas.microsoft.com/office/drawing/2014/main" id="{8ED45B6C-59AB-4CEA-9D5A-67E7ACB15037}"/>
+              </a:ext>
+            </a:extLst>
+          </p:cNvPr>
+          <p:cNvSpPr/>
+          <p:nvPr/>
+        </p:nvSpPr>
+        <p:spPr>
+          <a:xfrm>
+            <a:off x="990600" y="2429614"/>
+            <a:ext cx="754380" cy="2435756"/>
+          </a:xfrm>
+          <a:prstGeom prst="cube">
+            <a:avLst>
+              <a:gd name="adj" fmla="val 88131"/>
+            </a:avLst>
+          </a:prstGeom>
+          <a:solidFill>
+            <a:schemeClr val="accent5"/>
+          </a:solidFill>
+          <a:ln>
+            <a:solidFill>
+              <a:schemeClr val="tx1"/>
+            </a:solidFill>
+          </a:ln>
+        </p:spPr>
+        <p:style>
+          <a:lnRef idx="2">
+            <a:schemeClr val="accent1">
+              <a:shade val="50000"/>
+            </a:schemeClr>
+          </a:lnRef>
+          <a:fillRef idx="1">
+            <a:schemeClr val="accent1"/>
+          </a:fillRef>
+          <a:effectRef idx="0">
+            <a:schemeClr val="accent1"/>
+          </a:effectRef>
+          <a:fontRef idx="minor">
+            <a:schemeClr val="lt1"/>
+          </a:fontRef>
+        </p:style>
+        <p:txBody>
+          <a:bodyPr rtlCol="0" anchor="ctr"/>
+          <a:lstStyle/>
+          <a:p>
+            <a:pPr algn="ctr"/>
+            <a:endParaRPr lang="es-MX" dirty="0"/>
+          </a:p>
+        </p:txBody>
+      </p:sp>
+      <p:sp>
+        <p:nvSpPr>
+          <p:cNvPr id="6" name="Cube 5">
+            <a:extLst>
+              <a:ext uri="{FF2B5EF4-FFF2-40B4-BE49-F238E27FC236}">
+                <a16:creationId xmlns:a16="http://schemas.microsoft.com/office/drawing/2014/main" id="{2F5FE921-B896-4D71-8D33-F98FBC8A9F02}"/>
+              </a:ext>
+            </a:extLst>
+          </p:cNvPr>
+          <p:cNvSpPr/>
+          <p:nvPr/>
+        </p:nvSpPr>
+        <p:spPr>
+          <a:xfrm>
+            <a:off x="1250042" y="2429613"/>
+            <a:ext cx="754380" cy="2444213"/>
+          </a:xfrm>
+          <a:prstGeom prst="cube">
+            <a:avLst>
+              <a:gd name="adj" fmla="val 88131"/>
+            </a:avLst>
+          </a:prstGeom>
+          <a:solidFill>
+            <a:schemeClr val="bg1">
+              <a:lumMod val="95000"/>
+            </a:schemeClr>
+          </a:solidFill>
+          <a:ln>
+            <a:solidFill>
+              <a:schemeClr val="tx1"/>
+            </a:solidFill>
+          </a:ln>
+        </p:spPr>
+        <p:style>
+          <a:lnRef idx="2">
+            <a:schemeClr val="accent1">
+              <a:shade val="50000"/>
+            </a:schemeClr>
+          </a:lnRef>
+          <a:fillRef idx="1">
+            <a:schemeClr val="accent1"/>
+          </a:fillRef>
+          <a:effectRef idx="0">
+            <a:schemeClr val="accent1"/>
+          </a:effectRef>
+          <a:fontRef idx="minor">
+            <a:schemeClr val="lt1"/>
+          </a:fontRef>
+        </p:style>
+        <p:txBody>
+          <a:bodyPr rtlCol="0" anchor="ctr"/>
+          <a:lstStyle/>
+          <a:p>
+            <a:pPr algn="ctr"/>
+            <a:endParaRPr lang="es-MX" dirty="0"/>
+          </a:p>
+        </p:txBody>
+      </p:sp>
+      <p:sp>
+        <p:nvSpPr>
+          <p:cNvPr id="7" name="Cube 6">
+            <a:extLst>
+              <a:ext uri="{FF2B5EF4-FFF2-40B4-BE49-F238E27FC236}">
+                <a16:creationId xmlns:a16="http://schemas.microsoft.com/office/drawing/2014/main" id="{550F52E2-DC6A-43B1-8048-48F55F079DC3}"/>
+              </a:ext>
+            </a:extLst>
+          </p:cNvPr>
+          <p:cNvSpPr/>
+          <p:nvPr/>
+        </p:nvSpPr>
+        <p:spPr>
+          <a:xfrm>
+            <a:off x="1420816" y="2965017"/>
+            <a:ext cx="548640" cy="1908810"/>
+          </a:xfrm>
+          <a:prstGeom prst="cube">
+            <a:avLst>
+              <a:gd name="adj" fmla="val 87579"/>
+            </a:avLst>
+          </a:prstGeom>
+          <a:solidFill>
+            <a:schemeClr val="accent2"/>
+          </a:solidFill>
+          <a:ln>
+            <a:solidFill>
+              <a:schemeClr val="tx1"/>
+            </a:solidFill>
+          </a:ln>
+        </p:spPr>
+        <p:style>
+          <a:lnRef idx="2">
+            <a:schemeClr val="accent1">
+              <a:shade val="50000"/>
+            </a:schemeClr>
+          </a:lnRef>
+          <a:fillRef idx="1">
+            <a:schemeClr val="accent1"/>
+          </a:fillRef>
+          <a:effectRef idx="0">
+            <a:schemeClr val="accent1"/>
+          </a:effectRef>
+          <a:fontRef idx="minor">
+            <a:schemeClr val="lt1"/>
+          </a:fontRef>
+        </p:style>
+        <p:txBody>
+          <a:bodyPr rtlCol="0" anchor="ctr"/>
+          <a:lstStyle/>
+          <a:p>
+            <a:pPr algn="ctr"/>
+            <a:endParaRPr lang="es-MX" dirty="0"/>
+          </a:p>
+        </p:txBody>
+      </p:sp>
+      <p:sp>
+        <p:nvSpPr>
+          <p:cNvPr id="8" name="Cube 7">
+            <a:extLst>
+              <a:ext uri="{FF2B5EF4-FFF2-40B4-BE49-F238E27FC236}">
+                <a16:creationId xmlns:a16="http://schemas.microsoft.com/office/drawing/2014/main" id="{9CA1045E-E6FB-4806-9219-29B33CE65ED0}"/>
+              </a:ext>
+            </a:extLst>
+          </p:cNvPr>
+          <p:cNvSpPr/>
+          <p:nvPr/>
+        </p:nvSpPr>
+        <p:spPr>
+          <a:xfrm>
+            <a:off x="1575775" y="2965017"/>
+            <a:ext cx="548640" cy="1908810"/>
+          </a:xfrm>
+          <a:prstGeom prst="cube">
+            <a:avLst>
+              <a:gd name="adj" fmla="val 87579"/>
+            </a:avLst>
+          </a:prstGeom>
+          <a:solidFill>
+            <a:schemeClr val="bg1">
+              <a:lumMod val="95000"/>
+            </a:schemeClr>
+          </a:solidFill>
+          <a:ln>
+            <a:solidFill>
+              <a:schemeClr val="tx1"/>
+            </a:solidFill>
+          </a:ln>
+        </p:spPr>
+        <p:style>
+          <a:lnRef idx="2">
+            <a:schemeClr val="accent1">
+              <a:shade val="50000"/>
+            </a:schemeClr>
+          </a:lnRef>
+          <a:fillRef idx="1">
+            <a:schemeClr val="accent1"/>
+          </a:fillRef>
+          <a:effectRef idx="0">
+            <a:schemeClr val="accent1"/>
+          </a:effectRef>
+          <a:fontRef idx="minor">
+            <a:schemeClr val="lt1"/>
+          </a:fontRef>
+        </p:style>
+        <p:txBody>
+          <a:bodyPr rtlCol="0" anchor="ctr"/>
+          <a:lstStyle/>
+          <a:p>
+            <a:pPr algn="ctr"/>
+            <a:endParaRPr lang="es-MX" dirty="0"/>
+          </a:p>
+        </p:txBody>
+      </p:sp>
+      <p:sp>
+        <p:nvSpPr>
+          <p:cNvPr id="9" name="Cube 8">
+            <a:extLst>
+              <a:ext uri="{FF2B5EF4-FFF2-40B4-BE49-F238E27FC236}">
+                <a16:creationId xmlns:a16="http://schemas.microsoft.com/office/drawing/2014/main" id="{4E3C9C65-EBA4-40BC-8D8A-6E235582FAD7}"/>
+              </a:ext>
+            </a:extLst>
+          </p:cNvPr>
+          <p:cNvSpPr/>
+          <p:nvPr/>
+        </p:nvSpPr>
+        <p:spPr>
+          <a:xfrm>
+            <a:off x="1992516" y="3389948"/>
+            <a:ext cx="492443" cy="1475422"/>
+          </a:xfrm>
+          <a:prstGeom prst="cube">
+            <a:avLst>
+              <a:gd name="adj" fmla="val 89985"/>
+            </a:avLst>
+          </a:prstGeom>
+          <a:solidFill>
+            <a:schemeClr val="accent2"/>
+          </a:solidFill>
+          <a:ln>
+            <a:solidFill>
+              <a:schemeClr val="tx1"/>
+            </a:solidFill>
+          </a:ln>
+        </p:spPr>
+        <p:style>
+          <a:lnRef idx="2">
+            <a:schemeClr val="accent1">
+              <a:shade val="50000"/>
+            </a:schemeClr>
+          </a:lnRef>
+          <a:fillRef idx="1">
+            <a:schemeClr val="accent1"/>
+          </a:fillRef>
+          <a:effectRef idx="0">
+            <a:schemeClr val="accent1"/>
+          </a:effectRef>
+          <a:fontRef idx="minor">
+            <a:schemeClr val="lt1"/>
+          </a:fontRef>
+        </p:style>
+        <p:txBody>
+          <a:bodyPr rtlCol="0" anchor="ctr"/>
+          <a:lstStyle/>
+          <a:p>
+            <a:pPr algn="ctr"/>
+            <a:endParaRPr lang="es-MX" dirty="0"/>
+          </a:p>
+        </p:txBody>
+      </p:sp>
+      <p:sp>
+        <p:nvSpPr>
+          <p:cNvPr id="11" name="Cube 10">
+            <a:extLst>
+              <a:ext uri="{FF2B5EF4-FFF2-40B4-BE49-F238E27FC236}">
+                <a16:creationId xmlns:a16="http://schemas.microsoft.com/office/drawing/2014/main" id="{D4DB3BCD-D426-4C82-A411-5C6C9671F0E1}"/>
+              </a:ext>
+            </a:extLst>
+          </p:cNvPr>
+          <p:cNvSpPr/>
+          <p:nvPr/>
+        </p:nvSpPr>
+        <p:spPr>
+          <a:xfrm>
+            <a:off x="2100517" y="3389948"/>
+            <a:ext cx="492443" cy="1475422"/>
+          </a:xfrm>
+          <a:prstGeom prst="cube">
+            <a:avLst>
+              <a:gd name="adj" fmla="val 88051"/>
+            </a:avLst>
+          </a:prstGeom>
+          <a:solidFill>
+            <a:schemeClr val="bg1">
+              <a:lumMod val="95000"/>
+            </a:schemeClr>
+          </a:solidFill>
+          <a:ln>
+            <a:solidFill>
+              <a:schemeClr val="tx1"/>
+            </a:solidFill>
+          </a:ln>
+        </p:spPr>
+        <p:style>
+          <a:lnRef idx="2">
+            <a:schemeClr val="accent1">
+              <a:shade val="50000"/>
+            </a:schemeClr>
+          </a:lnRef>
+          <a:fillRef idx="1">
+            <a:schemeClr val="accent1"/>
+          </a:fillRef>
+          <a:effectRef idx="0">
+            <a:schemeClr val="accent1"/>
+          </a:effectRef>
+          <a:fontRef idx="minor">
+            <a:schemeClr val="lt1"/>
+          </a:fontRef>
+        </p:style>
+        <p:txBody>
+          <a:bodyPr rtlCol="0" anchor="ctr"/>
+          <a:lstStyle/>
+          <a:p>
+            <a:pPr algn="ctr"/>
+            <a:endParaRPr lang="es-MX" dirty="0"/>
+          </a:p>
+        </p:txBody>
+      </p:sp>
+      <p:sp>
+        <p:nvSpPr>
+          <p:cNvPr id="12" name="TextBox 11">
+            <a:extLst>
+              <a:ext uri="{FF2B5EF4-FFF2-40B4-BE49-F238E27FC236}">
+                <a16:creationId xmlns:a16="http://schemas.microsoft.com/office/drawing/2014/main" id="{7B9447C9-3A0F-46B2-8C32-A0819898BB57}"/>
+              </a:ext>
+            </a:extLst>
+          </p:cNvPr>
+          <p:cNvSpPr txBox="1"/>
+          <p:nvPr/>
+        </p:nvSpPr>
+        <p:spPr>
+          <a:xfrm rot="-2700000">
+            <a:off x="798770" y="4964334"/>
+            <a:ext cx="626773" cy="261610"/>
+          </a:xfrm>
+          <a:prstGeom prst="rect">
+            <a:avLst/>
+          </a:prstGeom>
+          <a:noFill/>
+        </p:spPr>
+        <p:txBody>
+          <a:bodyPr wrap="square" rtlCol="0">
+            <a:spAutoFit/>
+          </a:bodyPr>
+          <a:lstStyle/>
+          <a:p>
+            <a:pPr algn="ctr"/>
+            <a:r>
+              <a:rPr lang="es-MX" sz="1100" dirty="0"/>
+              <a:t>Conv2D</a:t>
+            </a:r>
+          </a:p>
+        </p:txBody>
+      </p:sp>
+      <p:sp>
+        <p:nvSpPr>
+          <p:cNvPr id="13" name="TextBox 12">
+            <a:extLst>
+              <a:ext uri="{FF2B5EF4-FFF2-40B4-BE49-F238E27FC236}">
+                <a16:creationId xmlns:a16="http://schemas.microsoft.com/office/drawing/2014/main" id="{F99516D2-A35A-485F-8011-009E77A682C8}"/>
+              </a:ext>
+            </a:extLst>
+          </p:cNvPr>
+          <p:cNvSpPr txBox="1"/>
+          <p:nvPr/>
+        </p:nvSpPr>
+        <p:spPr>
+          <a:xfrm rot="-2700000">
+            <a:off x="635712" y="5115336"/>
+            <a:ext cx="1053870" cy="261610"/>
+          </a:xfrm>
+          <a:prstGeom prst="rect">
+            <a:avLst/>
+          </a:prstGeom>
+          <a:noFill/>
+        </p:spPr>
+        <p:txBody>
+          <a:bodyPr wrap="square" rtlCol="0">
+            <a:spAutoFit/>
+          </a:bodyPr>
+          <a:lstStyle/>
+          <a:p>
+            <a:pPr algn="ctr"/>
+            <a:r>
+              <a:rPr lang="es-MX" sz="1100" dirty="0"/>
+              <a:t>MaxPooling2D</a:t>
+            </a:r>
+          </a:p>
+        </p:txBody>
+      </p:sp>
+      <p:sp>
+        <p:nvSpPr>
+          <p:cNvPr id="14" name="TextBox 13">
+            <a:extLst>
+              <a:ext uri="{FF2B5EF4-FFF2-40B4-BE49-F238E27FC236}">
+                <a16:creationId xmlns:a16="http://schemas.microsoft.com/office/drawing/2014/main" id="{E5BB0B48-59BD-41FE-9B0F-AD2ACEE15EBF}"/>
+              </a:ext>
+            </a:extLst>
+          </p:cNvPr>
+          <p:cNvSpPr txBox="1"/>
+          <p:nvPr/>
+        </p:nvSpPr>
+        <p:spPr>
+          <a:xfrm rot="-2700000">
+            <a:off x="582714" y="4918141"/>
+            <a:ext cx="572808" cy="261610"/>
+          </a:xfrm>
+          <a:prstGeom prst="rect">
+            <a:avLst/>
+          </a:prstGeom>
+          <a:noFill/>
+        </p:spPr>
+        <p:txBody>
+          <a:bodyPr wrap="square" rtlCol="0">
+            <a:spAutoFit/>
+          </a:bodyPr>
+          <a:lstStyle/>
+          <a:p>
+            <a:pPr algn="ctr"/>
+            <a:r>
+              <a:rPr lang="es-MX" sz="1100" dirty="0"/>
+              <a:t>Input</a:t>
+            </a:r>
+          </a:p>
+        </p:txBody>
+      </p:sp>
+      <p:sp>
+        <p:nvSpPr>
+          <p:cNvPr id="15" name="Cube 14">
+            <a:extLst>
+              <a:ext uri="{FF2B5EF4-FFF2-40B4-BE49-F238E27FC236}">
+                <a16:creationId xmlns:a16="http://schemas.microsoft.com/office/drawing/2014/main" id="{23C72C4A-1E0F-4F45-A478-30F02C9E16A2}"/>
+              </a:ext>
+            </a:extLst>
+          </p:cNvPr>
+          <p:cNvSpPr/>
+          <p:nvPr/>
+        </p:nvSpPr>
+        <p:spPr>
+          <a:xfrm>
+            <a:off x="2495235" y="3398405"/>
+            <a:ext cx="230136" cy="1475422"/>
+          </a:xfrm>
+          <a:prstGeom prst="cube">
+            <a:avLst>
+              <a:gd name="adj" fmla="val 81843"/>
+            </a:avLst>
+          </a:prstGeom>
+          <a:solidFill>
+            <a:schemeClr val="accent4"/>
+          </a:solidFill>
+          <a:ln>
+            <a:solidFill>
+              <a:schemeClr val="tx1"/>
+            </a:solidFill>
+          </a:ln>
+        </p:spPr>
+        <p:style>
+          <a:lnRef idx="2">
+            <a:schemeClr val="accent1">
+              <a:shade val="50000"/>
+            </a:schemeClr>
+          </a:lnRef>
+          <a:fillRef idx="1">
+            <a:schemeClr val="accent1"/>
+          </a:fillRef>
+          <a:effectRef idx="0">
+            <a:schemeClr val="accent1"/>
+          </a:effectRef>
+          <a:fontRef idx="minor">
+            <a:schemeClr val="lt1"/>
+          </a:fontRef>
+        </p:style>
+        <p:txBody>
+          <a:bodyPr rtlCol="0" anchor="ctr"/>
+          <a:lstStyle/>
+          <a:p>
+            <a:pPr algn="ctr"/>
+            <a:endParaRPr lang="es-MX" dirty="0"/>
+          </a:p>
+        </p:txBody>
+      </p:sp>
+      <p:sp>
+        <p:nvSpPr>
+          <p:cNvPr id="16" name="Cube 15">
+            <a:extLst>
+              <a:ext uri="{FF2B5EF4-FFF2-40B4-BE49-F238E27FC236}">
+                <a16:creationId xmlns:a16="http://schemas.microsoft.com/office/drawing/2014/main" id="{897342CA-E540-4AC7-835A-8ABBAFC6A827}"/>
+              </a:ext>
+            </a:extLst>
+          </p:cNvPr>
+          <p:cNvSpPr/>
+          <p:nvPr/>
+        </p:nvSpPr>
+        <p:spPr>
+          <a:xfrm>
+            <a:off x="2802594" y="3389948"/>
+            <a:ext cx="230136" cy="1475422"/>
+          </a:xfrm>
+          <a:prstGeom prst="cube">
+            <a:avLst>
+              <a:gd name="adj" fmla="val 75634"/>
+            </a:avLst>
+          </a:prstGeom>
+          <a:solidFill>
+            <a:schemeClr val="bg1">
+              <a:lumMod val="95000"/>
+            </a:schemeClr>
+          </a:solidFill>
+          <a:ln>
+            <a:solidFill>
+              <a:schemeClr val="tx1"/>
+            </a:solidFill>
+          </a:ln>
+        </p:spPr>
+        <p:style>
+          <a:lnRef idx="2">
+            <a:schemeClr val="accent1">
+              <a:shade val="50000"/>
+            </a:schemeClr>
+          </a:lnRef>
+          <a:fillRef idx="1">
+            <a:schemeClr val="accent1"/>
+          </a:fillRef>
+          <a:effectRef idx="0">
+            <a:schemeClr val="accent1"/>
+          </a:effectRef>
+          <a:fontRef idx="minor">
+            <a:schemeClr val="lt1"/>
+          </a:fontRef>
+        </p:style>
+        <p:txBody>
+          <a:bodyPr rtlCol="0" anchor="ctr"/>
+          <a:lstStyle/>
+          <a:p>
+            <a:pPr algn="ctr"/>
+            <a:endParaRPr lang="es-MX" dirty="0"/>
+          </a:p>
+        </p:txBody>
+      </p:sp>
+      <p:sp>
+        <p:nvSpPr>
+          <p:cNvPr id="17" name="Cube 16">
+            <a:extLst>
+              <a:ext uri="{FF2B5EF4-FFF2-40B4-BE49-F238E27FC236}">
+                <a16:creationId xmlns:a16="http://schemas.microsoft.com/office/drawing/2014/main" id="{442C00D0-9B04-4777-A854-71F61E8B0B93}"/>
+              </a:ext>
+            </a:extLst>
+          </p:cNvPr>
+          <p:cNvSpPr/>
+          <p:nvPr/>
+        </p:nvSpPr>
+        <p:spPr>
+          <a:xfrm>
+            <a:off x="2935188" y="3398405"/>
+            <a:ext cx="230136" cy="1475422"/>
+          </a:xfrm>
+          <a:prstGeom prst="cube">
+            <a:avLst>
+              <a:gd name="adj" fmla="val 75634"/>
+            </a:avLst>
+          </a:prstGeom>
+          <a:solidFill>
+            <a:schemeClr val="bg1">
+              <a:lumMod val="50000"/>
+            </a:schemeClr>
+          </a:solidFill>
+          <a:ln>
+            <a:solidFill>
+              <a:schemeClr val="tx1"/>
+            </a:solidFill>
+          </a:ln>
+        </p:spPr>
+        <p:style>
+          <a:lnRef idx="2">
+            <a:schemeClr val="accent1">
+              <a:shade val="50000"/>
+            </a:schemeClr>
+          </a:lnRef>
+          <a:fillRef idx="1">
+            <a:schemeClr val="accent1"/>
+          </a:fillRef>
+          <a:effectRef idx="0">
+            <a:schemeClr val="accent1"/>
+          </a:effectRef>
+          <a:fontRef idx="minor">
+            <a:schemeClr val="lt1"/>
+          </a:fontRef>
+        </p:style>
+        <p:txBody>
+          <a:bodyPr rtlCol="0" anchor="ctr"/>
+          <a:lstStyle/>
+          <a:p>
+            <a:pPr algn="ctr"/>
+            <a:endParaRPr lang="es-MX" dirty="0"/>
+          </a:p>
+        </p:txBody>
+      </p:sp>
+      <p:sp>
+        <p:nvSpPr>
+          <p:cNvPr id="20" name="Cube 19">
+            <a:extLst>
+              <a:ext uri="{FF2B5EF4-FFF2-40B4-BE49-F238E27FC236}">
+                <a16:creationId xmlns:a16="http://schemas.microsoft.com/office/drawing/2014/main" id="{B2B67D9E-F984-4764-8B3E-E18E3F757C32}"/>
+              </a:ext>
+            </a:extLst>
+          </p:cNvPr>
+          <p:cNvSpPr/>
+          <p:nvPr/>
+        </p:nvSpPr>
+        <p:spPr>
+          <a:xfrm>
+            <a:off x="3313412" y="2965015"/>
+            <a:ext cx="230136" cy="1908811"/>
+          </a:xfrm>
+          <a:prstGeom prst="cube">
+            <a:avLst>
+              <a:gd name="adj" fmla="val 79773"/>
+            </a:avLst>
+          </a:prstGeom>
+          <a:solidFill>
+            <a:schemeClr val="bg1">
+              <a:lumMod val="95000"/>
+            </a:schemeClr>
+          </a:solidFill>
+          <a:ln>
+            <a:solidFill>
+              <a:schemeClr val="tx1"/>
+            </a:solidFill>
+          </a:ln>
+        </p:spPr>
+        <p:style>
+          <a:lnRef idx="2">
+            <a:schemeClr val="accent1">
+              <a:shade val="50000"/>
+            </a:schemeClr>
+          </a:lnRef>
+          <a:fillRef idx="1">
+            <a:schemeClr val="accent1"/>
+          </a:fillRef>
+          <a:effectRef idx="0">
+            <a:schemeClr val="accent1"/>
+          </a:effectRef>
+          <a:fontRef idx="minor">
+            <a:schemeClr val="lt1"/>
+          </a:fontRef>
+        </p:style>
+        <p:txBody>
+          <a:bodyPr rtlCol="0" anchor="ctr"/>
+          <a:lstStyle/>
+          <a:p>
+            <a:pPr algn="ctr"/>
+            <a:endParaRPr lang="es-MX" dirty="0"/>
+          </a:p>
+        </p:txBody>
+      </p:sp>
+      <p:sp>
+        <p:nvSpPr>
+          <p:cNvPr id="21" name="Cube 20">
+            <a:extLst>
+              <a:ext uri="{FF2B5EF4-FFF2-40B4-BE49-F238E27FC236}">
+                <a16:creationId xmlns:a16="http://schemas.microsoft.com/office/drawing/2014/main" id="{FE3AC7E2-8976-471C-8414-7A91B366FFD5}"/>
+              </a:ext>
+            </a:extLst>
+          </p:cNvPr>
+          <p:cNvSpPr/>
+          <p:nvPr/>
+        </p:nvSpPr>
+        <p:spPr>
+          <a:xfrm>
+            <a:off x="3420787" y="2965014"/>
+            <a:ext cx="230136" cy="1900356"/>
+          </a:xfrm>
+          <a:prstGeom prst="cube">
+            <a:avLst>
+              <a:gd name="adj" fmla="val 79773"/>
+            </a:avLst>
+          </a:prstGeom>
+          <a:solidFill>
+            <a:schemeClr val="bg1">
+              <a:lumMod val="50000"/>
+            </a:schemeClr>
+          </a:solidFill>
+          <a:ln>
+            <a:solidFill>
+              <a:schemeClr val="tx1"/>
+            </a:solidFill>
+          </a:ln>
+        </p:spPr>
+        <p:style>
+          <a:lnRef idx="2">
+            <a:schemeClr val="accent1">
+              <a:shade val="50000"/>
+            </a:schemeClr>
+          </a:lnRef>
+          <a:fillRef idx="1">
+            <a:schemeClr val="accent1"/>
+          </a:fillRef>
+          <a:effectRef idx="0">
+            <a:schemeClr val="accent1"/>
+          </a:effectRef>
+          <a:fontRef idx="minor">
+            <a:schemeClr val="lt1"/>
+          </a:fontRef>
+        </p:style>
+        <p:txBody>
+          <a:bodyPr rtlCol="0" anchor="ctr"/>
+          <a:lstStyle/>
+          <a:p>
+            <a:pPr algn="ctr"/>
+            <a:endParaRPr lang="es-MX" dirty="0"/>
+          </a:p>
+        </p:txBody>
+      </p:sp>
+      <p:sp>
+        <p:nvSpPr>
+          <p:cNvPr id="22" name="Cube 21">
+            <a:extLst>
+              <a:ext uri="{FF2B5EF4-FFF2-40B4-BE49-F238E27FC236}">
+                <a16:creationId xmlns:a16="http://schemas.microsoft.com/office/drawing/2014/main" id="{BC3B6BC4-ABA8-4E5D-9D38-2233140F71CA}"/>
+              </a:ext>
+            </a:extLst>
+          </p:cNvPr>
+          <p:cNvSpPr/>
+          <p:nvPr/>
+        </p:nvSpPr>
+        <p:spPr>
+          <a:xfrm>
+            <a:off x="3788386" y="3398405"/>
+            <a:ext cx="230136" cy="1475422"/>
+          </a:xfrm>
+          <a:prstGeom prst="cube">
+            <a:avLst>
+              <a:gd name="adj" fmla="val 73565"/>
+            </a:avLst>
+          </a:prstGeom>
+          <a:solidFill>
+            <a:schemeClr val="bg1">
+              <a:lumMod val="95000"/>
+            </a:schemeClr>
+          </a:solidFill>
+          <a:ln>
+            <a:solidFill>
+              <a:schemeClr val="tx1"/>
+            </a:solidFill>
+          </a:ln>
+        </p:spPr>
+        <p:style>
+          <a:lnRef idx="2">
+            <a:schemeClr val="accent1">
+              <a:shade val="50000"/>
+            </a:schemeClr>
+          </a:lnRef>
+          <a:fillRef idx="1">
+            <a:schemeClr val="accent1"/>
+          </a:fillRef>
+          <a:effectRef idx="0">
+            <a:schemeClr val="accent1"/>
+          </a:effectRef>
+          <a:fontRef idx="minor">
+            <a:schemeClr val="lt1"/>
+          </a:fontRef>
+        </p:style>
+        <p:txBody>
+          <a:bodyPr rtlCol="0" anchor="ctr"/>
+          <a:lstStyle/>
+          <a:p>
+            <a:pPr algn="ctr"/>
+            <a:endParaRPr lang="es-MX" dirty="0"/>
+          </a:p>
+        </p:txBody>
+      </p:sp>
+      <p:sp>
+        <p:nvSpPr>
+          <p:cNvPr id="23" name="TextBox 22">
+            <a:extLst>
+              <a:ext uri="{FF2B5EF4-FFF2-40B4-BE49-F238E27FC236}">
+                <a16:creationId xmlns:a16="http://schemas.microsoft.com/office/drawing/2014/main" id="{F146DB1F-E109-499E-B2A1-48C22E9B10C7}"/>
+              </a:ext>
+            </a:extLst>
+          </p:cNvPr>
+          <p:cNvSpPr txBox="1"/>
+          <p:nvPr/>
+        </p:nvSpPr>
+        <p:spPr>
+          <a:xfrm rot="-2700000">
+            <a:off x="1179111" y="5006495"/>
+            <a:ext cx="626773" cy="261610"/>
+          </a:xfrm>
+          <a:prstGeom prst="rect">
+            <a:avLst/>
+          </a:prstGeom>
+          <a:noFill/>
+        </p:spPr>
+        <p:txBody>
+          <a:bodyPr wrap="square" rtlCol="0">
+            <a:spAutoFit/>
+          </a:bodyPr>
+          <a:lstStyle/>
+          <a:p>
+            <a:pPr algn="ctr"/>
+            <a:r>
+              <a:rPr lang="es-MX" sz="1100" dirty="0"/>
+              <a:t>Conv2D</a:t>
+            </a:r>
+          </a:p>
+        </p:txBody>
+      </p:sp>
+      <p:sp>
+        <p:nvSpPr>
+          <p:cNvPr id="24" name="TextBox 23">
+            <a:extLst>
+              <a:ext uri="{FF2B5EF4-FFF2-40B4-BE49-F238E27FC236}">
+                <a16:creationId xmlns:a16="http://schemas.microsoft.com/office/drawing/2014/main" id="{D2367415-14C3-4CAE-8DD4-B2E841507992}"/>
+              </a:ext>
+            </a:extLst>
+          </p:cNvPr>
+          <p:cNvSpPr txBox="1"/>
+          <p:nvPr/>
+        </p:nvSpPr>
+        <p:spPr>
+          <a:xfrm rot="-2700000">
+            <a:off x="1140838" y="5127971"/>
+            <a:ext cx="1053870" cy="261610"/>
+          </a:xfrm>
+          <a:prstGeom prst="rect">
+            <a:avLst/>
+          </a:prstGeom>
+          <a:noFill/>
+        </p:spPr>
+        <p:txBody>
+          <a:bodyPr wrap="square" rtlCol="0">
+            <a:spAutoFit/>
+          </a:bodyPr>
+          <a:lstStyle/>
+          <a:p>
+            <a:pPr algn="ctr"/>
+            <a:r>
+              <a:rPr lang="es-MX" sz="1100" dirty="0"/>
+              <a:t>MaxPooling2D</a:t>
+            </a:r>
+          </a:p>
+        </p:txBody>
+      </p:sp>
+      <p:sp>
+        <p:nvSpPr>
+          <p:cNvPr id="25" name="TextBox 24">
+            <a:extLst>
+              <a:ext uri="{FF2B5EF4-FFF2-40B4-BE49-F238E27FC236}">
+                <a16:creationId xmlns:a16="http://schemas.microsoft.com/office/drawing/2014/main" id="{D2E166EE-8F37-4D6C-A2FC-466A396AF3CA}"/>
+              </a:ext>
+            </a:extLst>
+          </p:cNvPr>
+          <p:cNvSpPr txBox="1"/>
+          <p:nvPr/>
+        </p:nvSpPr>
+        <p:spPr>
+          <a:xfrm rot="-2700000">
+            <a:off x="1684237" y="5019130"/>
+            <a:ext cx="626773" cy="261610"/>
+          </a:xfrm>
+          <a:prstGeom prst="rect">
+            <a:avLst/>
+          </a:prstGeom>
+          <a:noFill/>
+        </p:spPr>
+        <p:txBody>
+          <a:bodyPr wrap="square" rtlCol="0">
+            <a:spAutoFit/>
+          </a:bodyPr>
+          <a:lstStyle/>
+          <a:p>
+            <a:pPr algn="ctr"/>
+            <a:r>
+              <a:rPr lang="es-MX" sz="1100" dirty="0"/>
+              <a:t>Conv2D</a:t>
+            </a:r>
+          </a:p>
+        </p:txBody>
+      </p:sp>
+      <p:sp>
+        <p:nvSpPr>
+          <p:cNvPr id="26" name="TextBox 25">
+            <a:extLst>
+              <a:ext uri="{FF2B5EF4-FFF2-40B4-BE49-F238E27FC236}">
+                <a16:creationId xmlns:a16="http://schemas.microsoft.com/office/drawing/2014/main" id="{C9A30071-E455-4E7D-BFFC-1CD8BA71C48A}"/>
+              </a:ext>
+            </a:extLst>
+          </p:cNvPr>
+          <p:cNvSpPr txBox="1"/>
+          <p:nvPr/>
+        </p:nvSpPr>
+        <p:spPr>
+          <a:xfrm rot="-2700000">
+            <a:off x="2011247" y="4976132"/>
+            <a:ext cx="626773" cy="261610"/>
+          </a:xfrm>
+          <a:prstGeom prst="rect">
+            <a:avLst/>
+          </a:prstGeom>
+          <a:noFill/>
+        </p:spPr>
+        <p:txBody>
+          <a:bodyPr wrap="square" rtlCol="0">
+            <a:spAutoFit/>
+          </a:bodyPr>
+          <a:lstStyle/>
+          <a:p>
+            <a:pPr algn="ctr"/>
+            <a:r>
+              <a:rPr lang="es-MX" sz="1100" dirty="0" err="1"/>
+              <a:t>Flatten</a:t>
+            </a:r>
+            <a:endParaRPr lang="es-MX" sz="1100" dirty="0"/>
+          </a:p>
+        </p:txBody>
+      </p:sp>
+      <p:sp>
+        <p:nvSpPr>
+          <p:cNvPr id="27" name="TextBox 26">
+            <a:extLst>
+              <a:ext uri="{FF2B5EF4-FFF2-40B4-BE49-F238E27FC236}">
+                <a16:creationId xmlns:a16="http://schemas.microsoft.com/office/drawing/2014/main" id="{68E52706-8458-4581-AD2D-EA6109C6918B}"/>
+              </a:ext>
+            </a:extLst>
+          </p:cNvPr>
+          <p:cNvSpPr txBox="1"/>
+          <p:nvPr/>
+        </p:nvSpPr>
+        <p:spPr>
+          <a:xfrm rot="-2700000">
+            <a:off x="2222437" y="5055389"/>
+            <a:ext cx="756559" cy="261610"/>
+          </a:xfrm>
+          <a:prstGeom prst="rect">
+            <a:avLst/>
+          </a:prstGeom>
+          <a:noFill/>
+        </p:spPr>
+        <p:txBody>
+          <a:bodyPr wrap="square" rtlCol="0">
+            <a:spAutoFit/>
+          </a:bodyPr>
+          <a:lstStyle/>
+          <a:p>
+            <a:pPr algn="ctr"/>
+            <a:r>
+              <a:rPr lang="es-MX" sz="1100" dirty="0"/>
+              <a:t>Dense 32</a:t>
+            </a:r>
+          </a:p>
+        </p:txBody>
+      </p:sp>
+      <p:sp>
+        <p:nvSpPr>
+          <p:cNvPr id="28" name="TextBox 27">
+            <a:extLst>
+              <a:ext uri="{FF2B5EF4-FFF2-40B4-BE49-F238E27FC236}">
+                <a16:creationId xmlns:a16="http://schemas.microsoft.com/office/drawing/2014/main" id="{22F47016-856D-45A5-919E-19A292864E4F}"/>
+              </a:ext>
+            </a:extLst>
+          </p:cNvPr>
+          <p:cNvSpPr txBox="1"/>
+          <p:nvPr/>
+        </p:nvSpPr>
+        <p:spPr>
+          <a:xfrm rot="-2700000">
+            <a:off x="2281159" y="5144703"/>
+            <a:ext cx="898439" cy="261610"/>
+          </a:xfrm>
+          <a:prstGeom prst="rect">
+            <a:avLst/>
+          </a:prstGeom>
+          <a:noFill/>
+        </p:spPr>
+        <p:txBody>
+          <a:bodyPr wrap="square" rtlCol="0">
+            <a:spAutoFit/>
+          </a:bodyPr>
+          <a:lstStyle/>
+          <a:p>
+            <a:pPr algn="ctr"/>
+            <a:r>
+              <a:rPr lang="es-MX" sz="1100" dirty="0" err="1"/>
+              <a:t>Dropout</a:t>
+            </a:r>
+            <a:r>
+              <a:rPr lang="es-MX" sz="1100" dirty="0"/>
+              <a:t> 0.1</a:t>
+            </a:r>
+          </a:p>
+        </p:txBody>
+      </p:sp>
+      <p:sp>
+        <p:nvSpPr>
+          <p:cNvPr id="29" name="TextBox 28">
+            <a:extLst>
+              <a:ext uri="{FF2B5EF4-FFF2-40B4-BE49-F238E27FC236}">
+                <a16:creationId xmlns:a16="http://schemas.microsoft.com/office/drawing/2014/main" id="{F9B8EC9E-0D3F-4BF2-8690-165B24EE0986}"/>
+              </a:ext>
+            </a:extLst>
+          </p:cNvPr>
+          <p:cNvSpPr txBox="1"/>
+          <p:nvPr/>
+        </p:nvSpPr>
+        <p:spPr>
+          <a:xfrm rot="-2700000">
+            <a:off x="2694516" y="5055389"/>
+            <a:ext cx="756559" cy="261610"/>
+          </a:xfrm>
+          <a:prstGeom prst="rect">
+            <a:avLst/>
+          </a:prstGeom>
+          <a:noFill/>
+        </p:spPr>
+        <p:txBody>
+          <a:bodyPr wrap="square" rtlCol="0">
+            <a:spAutoFit/>
+          </a:bodyPr>
+          <a:lstStyle/>
+          <a:p>
+            <a:pPr algn="ctr"/>
+            <a:r>
+              <a:rPr lang="es-MX" sz="1100" dirty="0"/>
+              <a:t>Dense 64</a:t>
+            </a:r>
+          </a:p>
+        </p:txBody>
+      </p:sp>
+      <p:sp>
+        <p:nvSpPr>
+          <p:cNvPr id="30" name="TextBox 29">
+            <a:extLst>
+              <a:ext uri="{FF2B5EF4-FFF2-40B4-BE49-F238E27FC236}">
+                <a16:creationId xmlns:a16="http://schemas.microsoft.com/office/drawing/2014/main" id="{52A80086-30F1-4F23-A170-22E01601A56D}"/>
+              </a:ext>
+            </a:extLst>
+          </p:cNvPr>
+          <p:cNvSpPr txBox="1"/>
+          <p:nvPr/>
+        </p:nvSpPr>
+        <p:spPr>
+          <a:xfrm rot="-2700000">
+            <a:off x="2753238" y="5144703"/>
+            <a:ext cx="898439" cy="261610"/>
+          </a:xfrm>
+          <a:prstGeom prst="rect">
+            <a:avLst/>
+          </a:prstGeom>
+          <a:noFill/>
+        </p:spPr>
+        <p:txBody>
+          <a:bodyPr wrap="square" rtlCol="0">
+            <a:spAutoFit/>
+          </a:bodyPr>
+          <a:lstStyle/>
+          <a:p>
+            <a:pPr algn="ctr"/>
+            <a:r>
+              <a:rPr lang="es-MX" sz="1100" dirty="0" err="1"/>
+              <a:t>Dropout</a:t>
+            </a:r>
+            <a:r>
+              <a:rPr lang="es-MX" sz="1100" dirty="0"/>
+              <a:t> 0.2</a:t>
+            </a:r>
+          </a:p>
+        </p:txBody>
+      </p:sp>
+      <p:sp>
+        <p:nvSpPr>
+          <p:cNvPr id="31" name="TextBox 30">
+            <a:extLst>
+              <a:ext uri="{FF2B5EF4-FFF2-40B4-BE49-F238E27FC236}">
+                <a16:creationId xmlns:a16="http://schemas.microsoft.com/office/drawing/2014/main" id="{FC32C4CC-07AD-4A2B-BF78-BCB20E24C092}"/>
+              </a:ext>
+            </a:extLst>
+          </p:cNvPr>
+          <p:cNvSpPr txBox="1"/>
+          <p:nvPr/>
+        </p:nvSpPr>
+        <p:spPr>
+          <a:xfrm rot="-2700000">
+            <a:off x="3262600" y="5102999"/>
+            <a:ext cx="756559" cy="261610"/>
+          </a:xfrm>
+          <a:prstGeom prst="rect">
+            <a:avLst/>
+          </a:prstGeom>
+          <a:noFill/>
+        </p:spPr>
+        <p:txBody>
+          <a:bodyPr wrap="square" rtlCol="0">
+            <a:spAutoFit/>
+          </a:bodyPr>
+          <a:lstStyle/>
+          <a:p>
+            <a:pPr algn="ctr"/>
+            <a:r>
+              <a:rPr lang="es-MX" sz="1100" dirty="0" err="1"/>
+              <a:t>Softmax</a:t>
+            </a:r>
+            <a:endParaRPr lang="es-MX" sz="1100" dirty="0"/>
+          </a:p>
+        </p:txBody>
+      </p:sp>
+    </p:spTree>
+    <p:extLst>
+      <p:ext uri="{BB962C8B-B14F-4D97-AF65-F5344CB8AC3E}">
+        <p14:creationId xmlns:p14="http://schemas.microsoft.com/office/powerpoint/2010/main" val="3982250473"/>
+      </p:ext>
+    </p:extLst>
+  </p:cSld>
+  <p:clrMapOvr>
+    <a:masterClrMapping/>
+  </p:clrMapOvr>
+</p:sld>
+</file>
+
 <file path=ppt/theme/theme1.xml><?xml version="1.0" encoding="utf-8"?>
 <a:theme xmlns:a="http://schemas.openxmlformats.org/drawingml/2006/main" name="Office Theme">
   <a:themeElements>

--- a/Proyecto Final/Uso de Redes Neuronales para medir el tráfico vehicular.pptx
+++ b/Proyecto Final/Uso de Redes Neuronales para medir el tráfico vehicular.pptx
@@ -280,7 +280,7 @@
           <a:p>
             <a:fld id="{565C6034-5465-4C1D-BEB5-96315F74DDF7}" type="datetimeFigureOut">
               <a:rPr lang="es-MX" smtClean="0"/>
-              <a:t>16/07/2022</a:t>
+              <a:t>20/07/2022</a:t>
             </a:fld>
             <a:endParaRPr lang="es-MX"/>
           </a:p>
@@ -480,7 +480,7 @@
           <a:p>
             <a:fld id="{565C6034-5465-4C1D-BEB5-96315F74DDF7}" type="datetimeFigureOut">
               <a:rPr lang="es-MX" smtClean="0"/>
-              <a:t>16/07/2022</a:t>
+              <a:t>20/07/2022</a:t>
             </a:fld>
             <a:endParaRPr lang="es-MX"/>
           </a:p>
@@ -690,7 +690,7 @@
           <a:p>
             <a:fld id="{565C6034-5465-4C1D-BEB5-96315F74DDF7}" type="datetimeFigureOut">
               <a:rPr lang="es-MX" smtClean="0"/>
-              <a:t>16/07/2022</a:t>
+              <a:t>20/07/2022</a:t>
             </a:fld>
             <a:endParaRPr lang="es-MX"/>
           </a:p>
@@ -890,7 +890,7 @@
           <a:p>
             <a:fld id="{565C6034-5465-4C1D-BEB5-96315F74DDF7}" type="datetimeFigureOut">
               <a:rPr lang="es-MX" smtClean="0"/>
-              <a:t>16/07/2022</a:t>
+              <a:t>20/07/2022</a:t>
             </a:fld>
             <a:endParaRPr lang="es-MX"/>
           </a:p>
@@ -1166,7 +1166,7 @@
           <a:p>
             <a:fld id="{565C6034-5465-4C1D-BEB5-96315F74DDF7}" type="datetimeFigureOut">
               <a:rPr lang="es-MX" smtClean="0"/>
-              <a:t>16/07/2022</a:t>
+              <a:t>20/07/2022</a:t>
             </a:fld>
             <a:endParaRPr lang="es-MX"/>
           </a:p>
@@ -1434,7 +1434,7 @@
           <a:p>
             <a:fld id="{565C6034-5465-4C1D-BEB5-96315F74DDF7}" type="datetimeFigureOut">
               <a:rPr lang="es-MX" smtClean="0"/>
-              <a:t>16/07/2022</a:t>
+              <a:t>20/07/2022</a:t>
             </a:fld>
             <a:endParaRPr lang="es-MX"/>
           </a:p>
@@ -1849,7 +1849,7 @@
           <a:p>
             <a:fld id="{565C6034-5465-4C1D-BEB5-96315F74DDF7}" type="datetimeFigureOut">
               <a:rPr lang="es-MX" smtClean="0"/>
-              <a:t>16/07/2022</a:t>
+              <a:t>20/07/2022</a:t>
             </a:fld>
             <a:endParaRPr lang="es-MX"/>
           </a:p>
@@ -1991,7 +1991,7 @@
           <a:p>
             <a:fld id="{565C6034-5465-4C1D-BEB5-96315F74DDF7}" type="datetimeFigureOut">
               <a:rPr lang="es-MX" smtClean="0"/>
-              <a:t>16/07/2022</a:t>
+              <a:t>20/07/2022</a:t>
             </a:fld>
             <a:endParaRPr lang="es-MX"/>
           </a:p>
@@ -2104,7 +2104,7 @@
           <a:p>
             <a:fld id="{565C6034-5465-4C1D-BEB5-96315F74DDF7}" type="datetimeFigureOut">
               <a:rPr lang="es-MX" smtClean="0"/>
-              <a:t>16/07/2022</a:t>
+              <a:t>20/07/2022</a:t>
             </a:fld>
             <a:endParaRPr lang="es-MX"/>
           </a:p>
@@ -2417,7 +2417,7 @@
           <a:p>
             <a:fld id="{565C6034-5465-4C1D-BEB5-96315F74DDF7}" type="datetimeFigureOut">
               <a:rPr lang="es-MX" smtClean="0"/>
-              <a:t>16/07/2022</a:t>
+              <a:t>20/07/2022</a:t>
             </a:fld>
             <a:endParaRPr lang="es-MX"/>
           </a:p>
@@ -2706,7 +2706,7 @@
           <a:p>
             <a:fld id="{565C6034-5465-4C1D-BEB5-96315F74DDF7}" type="datetimeFigureOut">
               <a:rPr lang="es-MX" smtClean="0"/>
-              <a:t>16/07/2022</a:t>
+              <a:t>20/07/2022</a:t>
             </a:fld>
             <a:endParaRPr lang="es-MX"/>
           </a:p>
@@ -2949,7 +2949,7 @@
           <a:p>
             <a:fld id="{565C6034-5465-4C1D-BEB5-96315F74DDF7}" type="datetimeFigureOut">
               <a:rPr lang="es-MX" smtClean="0"/>
-              <a:t>16/07/2022</a:t>
+              <a:t>20/07/2022</a:t>
             </a:fld>
             <a:endParaRPr lang="es-MX"/>
           </a:p>
@@ -4438,7 +4438,7 @@
         <p:spPr>
           <a:xfrm>
             <a:off x="5878129" y="5622375"/>
-            <a:ext cx="1265225" cy="523220"/>
+            <a:ext cx="1265225" cy="307777"/>
           </a:xfrm>
           <a:prstGeom prst="rect">
             <a:avLst/>
@@ -4454,13 +4454,8 @@
             <a:pPr algn="ctr"/>
             <a:r>
               <a:rPr lang="es-MX" sz="1400" b="1" dirty="0"/>
-              <a:t>CNN-VGG16 </a:t>
-            </a:r>
-            <a:r>
-              <a:rPr lang="es-MX" sz="1400" b="1" dirty="0" err="1"/>
-              <a:t>Dropout</a:t>
-            </a:r>
-            <a:endParaRPr lang="es-MX" sz="1400" b="1" dirty="0"/>
+              <a:t>CNN</a:t>
+            </a:r>
           </a:p>
         </p:txBody>
       </p:sp>

--- a/Proyecto Final/Uso de Redes Neuronales para medir el tráfico vehicular.pptx
+++ b/Proyecto Final/Uso de Redes Neuronales para medir el tráfico vehicular.pptx
@@ -280,7 +280,7 @@
           <a:p>
             <a:fld id="{565C6034-5465-4C1D-BEB5-96315F74DDF7}" type="datetimeFigureOut">
               <a:rPr lang="es-MX" smtClean="0"/>
-              <a:t>20/07/2022</a:t>
+              <a:t>23/07/2022</a:t>
             </a:fld>
             <a:endParaRPr lang="es-MX"/>
           </a:p>
@@ -480,7 +480,7 @@
           <a:p>
             <a:fld id="{565C6034-5465-4C1D-BEB5-96315F74DDF7}" type="datetimeFigureOut">
               <a:rPr lang="es-MX" smtClean="0"/>
-              <a:t>20/07/2022</a:t>
+              <a:t>23/07/2022</a:t>
             </a:fld>
             <a:endParaRPr lang="es-MX"/>
           </a:p>
@@ -690,7 +690,7 @@
           <a:p>
             <a:fld id="{565C6034-5465-4C1D-BEB5-96315F74DDF7}" type="datetimeFigureOut">
               <a:rPr lang="es-MX" smtClean="0"/>
-              <a:t>20/07/2022</a:t>
+              <a:t>23/07/2022</a:t>
             </a:fld>
             <a:endParaRPr lang="es-MX"/>
           </a:p>
@@ -890,7 +890,7 @@
           <a:p>
             <a:fld id="{565C6034-5465-4C1D-BEB5-96315F74DDF7}" type="datetimeFigureOut">
               <a:rPr lang="es-MX" smtClean="0"/>
-              <a:t>20/07/2022</a:t>
+              <a:t>23/07/2022</a:t>
             </a:fld>
             <a:endParaRPr lang="es-MX"/>
           </a:p>
@@ -1166,7 +1166,7 @@
           <a:p>
             <a:fld id="{565C6034-5465-4C1D-BEB5-96315F74DDF7}" type="datetimeFigureOut">
               <a:rPr lang="es-MX" smtClean="0"/>
-              <a:t>20/07/2022</a:t>
+              <a:t>23/07/2022</a:t>
             </a:fld>
             <a:endParaRPr lang="es-MX"/>
           </a:p>
@@ -1434,7 +1434,7 @@
           <a:p>
             <a:fld id="{565C6034-5465-4C1D-BEB5-96315F74DDF7}" type="datetimeFigureOut">
               <a:rPr lang="es-MX" smtClean="0"/>
-              <a:t>20/07/2022</a:t>
+              <a:t>23/07/2022</a:t>
             </a:fld>
             <a:endParaRPr lang="es-MX"/>
           </a:p>
@@ -1849,7 +1849,7 @@
           <a:p>
             <a:fld id="{565C6034-5465-4C1D-BEB5-96315F74DDF7}" type="datetimeFigureOut">
               <a:rPr lang="es-MX" smtClean="0"/>
-              <a:t>20/07/2022</a:t>
+              <a:t>23/07/2022</a:t>
             </a:fld>
             <a:endParaRPr lang="es-MX"/>
           </a:p>
@@ -1991,7 +1991,7 @@
           <a:p>
             <a:fld id="{565C6034-5465-4C1D-BEB5-96315F74DDF7}" type="datetimeFigureOut">
               <a:rPr lang="es-MX" smtClean="0"/>
-              <a:t>20/07/2022</a:t>
+              <a:t>23/07/2022</a:t>
             </a:fld>
             <a:endParaRPr lang="es-MX"/>
           </a:p>
@@ -2104,7 +2104,7 @@
           <a:p>
             <a:fld id="{565C6034-5465-4C1D-BEB5-96315F74DDF7}" type="datetimeFigureOut">
               <a:rPr lang="es-MX" smtClean="0"/>
-              <a:t>20/07/2022</a:t>
+              <a:t>23/07/2022</a:t>
             </a:fld>
             <a:endParaRPr lang="es-MX"/>
           </a:p>
@@ -2417,7 +2417,7 @@
           <a:p>
             <a:fld id="{565C6034-5465-4C1D-BEB5-96315F74DDF7}" type="datetimeFigureOut">
               <a:rPr lang="es-MX" smtClean="0"/>
-              <a:t>20/07/2022</a:t>
+              <a:t>23/07/2022</a:t>
             </a:fld>
             <a:endParaRPr lang="es-MX"/>
           </a:p>
@@ -2706,7 +2706,7 @@
           <a:p>
             <a:fld id="{565C6034-5465-4C1D-BEB5-96315F74DDF7}" type="datetimeFigureOut">
               <a:rPr lang="es-MX" smtClean="0"/>
-              <a:t>20/07/2022</a:t>
+              <a:t>23/07/2022</a:t>
             </a:fld>
             <a:endParaRPr lang="es-MX"/>
           </a:p>
@@ -2949,7 +2949,7 @@
           <a:p>
             <a:fld id="{565C6034-5465-4C1D-BEB5-96315F74DDF7}" type="datetimeFigureOut">
               <a:rPr lang="es-MX" smtClean="0"/>
-              <a:t>20/07/2022</a:t>
+              <a:t>23/07/2022</a:t>
             </a:fld>
             <a:endParaRPr lang="es-MX"/>
           </a:p>
@@ -3502,7 +3502,7 @@
         </p:blipFill>
         <p:spPr>
           <a:xfrm>
-            <a:off x="1778725" y="2032604"/>
+            <a:off x="934615" y="1717869"/>
             <a:ext cx="640080" cy="640080"/>
           </a:xfrm>
           <a:prstGeom prst="rect">
@@ -3538,7 +3538,7 @@
         </p:blipFill>
         <p:spPr>
           <a:xfrm>
-            <a:off x="3093719" y="2032604"/>
+            <a:off x="2249609" y="1717869"/>
             <a:ext cx="640080" cy="640080"/>
           </a:xfrm>
           <a:prstGeom prst="rect">
@@ -3574,7 +3574,7 @@
         </p:blipFill>
         <p:spPr>
           <a:xfrm>
-            <a:off x="4408713" y="2032604"/>
+            <a:off x="3564603" y="1717869"/>
             <a:ext cx="640080" cy="640080"/>
           </a:xfrm>
           <a:prstGeom prst="rect">
@@ -3610,7 +3610,7 @@
         </p:blipFill>
         <p:spPr>
           <a:xfrm>
-            <a:off x="5723707" y="3394270"/>
+            <a:off x="4879597" y="3079535"/>
             <a:ext cx="640080" cy="640080"/>
           </a:xfrm>
           <a:prstGeom prst="rect">
@@ -3646,7 +3646,7 @@
         </p:blipFill>
         <p:spPr>
           <a:xfrm>
-            <a:off x="6117769" y="3662056"/>
+            <a:off x="5273659" y="3347321"/>
             <a:ext cx="457200" cy="457200"/>
           </a:xfrm>
           <a:prstGeom prst="rect">
@@ -3682,7 +3682,7 @@
         </p:blipFill>
         <p:spPr>
           <a:xfrm>
-            <a:off x="5723707" y="2032604"/>
+            <a:off x="4879597" y="1717869"/>
             <a:ext cx="640080" cy="640080"/>
           </a:xfrm>
           <a:prstGeom prst="rect">
@@ -3719,7 +3719,7 @@
         </p:blipFill>
         <p:spPr bwMode="auto">
           <a:xfrm>
-            <a:off x="7038701" y="2032604"/>
+            <a:off x="6194591" y="1717869"/>
             <a:ext cx="640080" cy="640080"/>
           </a:xfrm>
           <a:prstGeom prst="rect">
@@ -3754,7 +3754,7 @@
         </p:nvCxnSpPr>
         <p:spPr>
           <a:xfrm flipV="1">
-            <a:off x="6043747" y="2672684"/>
+            <a:off x="5199637" y="2357949"/>
             <a:ext cx="0" cy="721586"/>
           </a:xfrm>
           <a:prstGeom prst="straightConnector1">
@@ -3800,7 +3800,7 @@
         </p:nvCxnSpPr>
         <p:spPr>
           <a:xfrm>
-            <a:off x="2418805" y="2352644"/>
+            <a:off x="1574695" y="2037909"/>
             <a:ext cx="674914" cy="0"/>
           </a:xfrm>
           <a:prstGeom prst="straightConnector1">
@@ -3846,7 +3846,7 @@
         </p:nvCxnSpPr>
         <p:spPr>
           <a:xfrm>
-            <a:off x="3733799" y="2352644"/>
+            <a:off x="2889689" y="2037909"/>
             <a:ext cx="674914" cy="0"/>
           </a:xfrm>
           <a:prstGeom prst="straightConnector1">
@@ -3892,7 +3892,7 @@
         </p:nvCxnSpPr>
         <p:spPr>
           <a:xfrm>
-            <a:off x="5048793" y="2352644"/>
+            <a:off x="4204683" y="2037909"/>
             <a:ext cx="674914" cy="0"/>
           </a:xfrm>
           <a:prstGeom prst="straightConnector1">
@@ -3938,7 +3938,7 @@
         </p:nvCxnSpPr>
         <p:spPr>
           <a:xfrm>
-            <a:off x="6363787" y="2352644"/>
+            <a:off x="5519677" y="2037909"/>
             <a:ext cx="674914" cy="0"/>
           </a:xfrm>
           <a:prstGeom prst="straightConnector1">
@@ -3980,7 +3980,7 @@
         </p:nvSpPr>
         <p:spPr>
           <a:xfrm>
-            <a:off x="5412374" y="4115856"/>
+            <a:off x="4568264" y="3801121"/>
             <a:ext cx="1410789" cy="307777"/>
           </a:xfrm>
           <a:prstGeom prst="rect">
@@ -4017,7 +4017,7 @@
         </p:nvSpPr>
         <p:spPr>
           <a:xfrm>
-            <a:off x="4096140" y="2654170"/>
+            <a:off x="3252030" y="2339435"/>
             <a:ext cx="1265225" cy="307777"/>
           </a:xfrm>
           <a:prstGeom prst="rect">
@@ -4053,7 +4053,7 @@
         </p:nvSpPr>
         <p:spPr>
           <a:xfrm>
-            <a:off x="2802297" y="2652533"/>
+            <a:off x="1958187" y="2337798"/>
             <a:ext cx="1265225" cy="307777"/>
           </a:xfrm>
           <a:prstGeom prst="rect">
@@ -4089,7 +4089,7 @@
         </p:nvSpPr>
         <p:spPr>
           <a:xfrm>
-            <a:off x="1682310" y="2652533"/>
+            <a:off x="838200" y="2337798"/>
             <a:ext cx="832909" cy="307777"/>
           </a:xfrm>
           <a:prstGeom prst="rect">
@@ -4125,7 +4125,7 @@
         </p:nvSpPr>
         <p:spPr>
           <a:xfrm>
-            <a:off x="6653346" y="2672773"/>
+            <a:off x="5809236" y="2358038"/>
             <a:ext cx="1410789" cy="523220"/>
           </a:xfrm>
           <a:prstGeom prst="rect">
@@ -4210,7 +4210,7 @@
         </p:blipFill>
         <p:spPr bwMode="auto">
           <a:xfrm>
-            <a:off x="2974465" y="4916690"/>
+            <a:off x="3564603" y="4585248"/>
             <a:ext cx="640080" cy="712439"/>
           </a:xfrm>
           <a:prstGeom prst="rect">
@@ -4256,7 +4256,7 @@
         </p:blipFill>
         <p:spPr>
           <a:xfrm>
-            <a:off x="1621346" y="4954213"/>
+            <a:off x="1064777" y="4622771"/>
             <a:ext cx="640080" cy="640080"/>
           </a:xfrm>
           <a:prstGeom prst="rect">
@@ -4278,7 +4278,7 @@
         </p:nvSpPr>
         <p:spPr>
           <a:xfrm>
-            <a:off x="1394769" y="5621474"/>
+            <a:off x="838200" y="5290032"/>
             <a:ext cx="1093234" cy="307777"/>
           </a:xfrm>
           <a:prstGeom prst="rect">
@@ -4315,7 +4315,7 @@
         </p:nvSpPr>
         <p:spPr>
           <a:xfrm>
-            <a:off x="2769038" y="5621474"/>
+            <a:off x="3359176" y="5290032"/>
             <a:ext cx="1093234" cy="523220"/>
           </a:xfrm>
           <a:prstGeom prst="rect">
@@ -4359,8 +4359,8 @@
         </p:nvCxnSpPr>
         <p:spPr>
           <a:xfrm flipV="1">
-            <a:off x="2261426" y="5272910"/>
-            <a:ext cx="713039" cy="1343"/>
+            <a:off x="1704857" y="4941468"/>
+            <a:ext cx="1859746" cy="1343"/>
           </a:xfrm>
           <a:prstGeom prst="straightConnector1">
             <a:avLst/>
@@ -4415,7 +4415,7 @@
         </p:blipFill>
         <p:spPr>
           <a:xfrm>
-            <a:off x="6190703" y="4953770"/>
+            <a:off x="6780841" y="4622328"/>
             <a:ext cx="640080" cy="640080"/>
           </a:xfrm>
           <a:prstGeom prst="rect">
@@ -4437,7 +4437,7 @@
         </p:nvSpPr>
         <p:spPr>
           <a:xfrm>
-            <a:off x="5878129" y="5622375"/>
+            <a:off x="6468267" y="5290933"/>
             <a:ext cx="1265225" cy="307777"/>
           </a:xfrm>
           <a:prstGeom prst="rect">
@@ -4477,7 +4477,7 @@
         </p:nvCxnSpPr>
         <p:spPr>
           <a:xfrm>
-            <a:off x="5379819" y="5270778"/>
+            <a:off x="5969957" y="4939336"/>
             <a:ext cx="810884" cy="3032"/>
           </a:xfrm>
           <a:prstGeom prst="straightConnector1">
@@ -4519,7 +4519,7 @@
         </p:nvSpPr>
         <p:spPr>
           <a:xfrm>
-            <a:off x="4234229" y="5629129"/>
+            <a:off x="4824367" y="5297687"/>
             <a:ext cx="1218576" cy="523220"/>
           </a:xfrm>
           <a:prstGeom prst="rect">
@@ -4555,7 +4555,7 @@
         </p:nvGrpSpPr>
         <p:grpSpPr>
           <a:xfrm>
-            <a:off x="4307215" y="5009681"/>
+            <a:off x="4897353" y="4678239"/>
             <a:ext cx="1072604" cy="522193"/>
             <a:chOff x="8412480" y="3901439"/>
             <a:chExt cx="1072604" cy="522193"/>
@@ -4684,7 +4684,7 @@
         </p:nvCxnSpPr>
         <p:spPr>
           <a:xfrm flipV="1">
-            <a:off x="3614545" y="5270778"/>
+            <a:off x="4204683" y="4939336"/>
             <a:ext cx="692670" cy="2132"/>
           </a:xfrm>
           <a:prstGeom prst="straightConnector1">
@@ -4712,6 +4712,114 @@
           </a:fontRef>
         </p:style>
       </p:cxnSp>
+      <p:pic>
+        <p:nvPicPr>
+          <p:cNvPr id="6" name="Picture 5">
+            <a:extLst>
+              <a:ext uri="{FF2B5EF4-FFF2-40B4-BE49-F238E27FC236}">
+                <a16:creationId xmlns:a16="http://schemas.microsoft.com/office/drawing/2014/main" id="{320847E2-8B6A-4FCE-9B7E-1A31DEB1E816}"/>
+              </a:ext>
+            </a:extLst>
+          </p:cNvPr>
+          <p:cNvPicPr>
+            <a:picLocks noChangeAspect="1"/>
+          </p:cNvPicPr>
+          <p:nvPr/>
+        </p:nvPicPr>
+        <p:blipFill>
+          <a:blip r:embed="rId10">
+            <a:extLst>
+              <a:ext uri="{28A0092B-C50C-407E-A947-70E740481C1C}">
+                <a14:useLocalDpi xmlns:a14="http://schemas.microsoft.com/office/drawing/2010/main" val="0"/>
+              </a:ext>
+            </a:extLst>
+          </a:blip>
+          <a:stretch>
+            <a:fillRect/>
+          </a:stretch>
+        </p:blipFill>
+        <p:spPr>
+          <a:xfrm>
+            <a:off x="2204165" y="4487993"/>
+            <a:ext cx="712439" cy="712439"/>
+          </a:xfrm>
+          <a:prstGeom prst="rect">
+            <a:avLst/>
+          </a:prstGeom>
+        </p:spPr>
+      </p:pic>
+      <p:pic>
+        <p:nvPicPr>
+          <p:cNvPr id="39" name="Picture 38">
+            <a:extLst>
+              <a:ext uri="{FF2B5EF4-FFF2-40B4-BE49-F238E27FC236}">
+                <a16:creationId xmlns:a16="http://schemas.microsoft.com/office/drawing/2014/main" id="{E99CC52B-0E7A-43D8-BD89-4EFF87CE6656}"/>
+              </a:ext>
+            </a:extLst>
+          </p:cNvPr>
+          <p:cNvPicPr>
+            <a:picLocks noChangeAspect="1"/>
+          </p:cNvPicPr>
+          <p:nvPr/>
+        </p:nvPicPr>
+        <p:blipFill>
+          <a:blip r:embed="rId10">
+            <a:extLst>
+              <a:ext uri="{28A0092B-C50C-407E-A947-70E740481C1C}">
+                <a14:useLocalDpi xmlns:a14="http://schemas.microsoft.com/office/drawing/2010/main" val="0"/>
+              </a:ext>
+            </a:extLst>
+          </a:blip>
+          <a:stretch>
+            <a:fillRect/>
+          </a:stretch>
+        </p:blipFill>
+        <p:spPr>
+          <a:xfrm>
+            <a:off x="2599697" y="4893906"/>
+            <a:ext cx="523220" cy="523220"/>
+          </a:xfrm>
+          <a:prstGeom prst="rect">
+            <a:avLst/>
+          </a:prstGeom>
+        </p:spPr>
+      </p:pic>
+      <p:sp>
+        <p:nvSpPr>
+          <p:cNvPr id="41" name="TextBox 40">
+            <a:extLst>
+              <a:ext uri="{FF2B5EF4-FFF2-40B4-BE49-F238E27FC236}">
+                <a16:creationId xmlns:a16="http://schemas.microsoft.com/office/drawing/2014/main" id="{18098D2A-A983-4B26-872D-B65753C8B4A3}"/>
+              </a:ext>
+            </a:extLst>
+          </p:cNvPr>
+          <p:cNvSpPr txBox="1"/>
+          <p:nvPr/>
+        </p:nvSpPr>
+        <p:spPr>
+          <a:xfrm>
+            <a:off x="2109648" y="5290032"/>
+            <a:ext cx="1249528" cy="523220"/>
+          </a:xfrm>
+          <a:prstGeom prst="rect">
+            <a:avLst/>
+          </a:prstGeom>
+          <a:noFill/>
+        </p:spPr>
+        <p:txBody>
+          <a:bodyPr wrap="square" rtlCol="0">
+            <a:spAutoFit/>
+          </a:bodyPr>
+          <a:lstStyle/>
+          <a:p>
+            <a:pPr algn="ctr"/>
+            <a:r>
+              <a:rPr lang="es-MX" sz="1400" b="1" dirty="0"/>
+              <a:t>Redimensión de imagen</a:t>
+            </a:r>
+          </a:p>
+        </p:txBody>
+      </p:sp>
     </p:spTree>
     <p:extLst>
       <p:ext uri="{BB962C8B-B14F-4D97-AF65-F5344CB8AC3E}">
@@ -5375,7 +5483,7 @@
         </p:blipFill>
         <p:spPr>
           <a:xfrm>
-            <a:off x="5936286" y="2543221"/>
+            <a:off x="5014266" y="1994581"/>
             <a:ext cx="403554" cy="403554"/>
           </a:xfrm>
           <a:prstGeom prst="rect">
@@ -5397,7 +5505,7 @@
         </p:nvSpPr>
         <p:spPr>
           <a:xfrm>
-            <a:off x="7121448" y="3566742"/>
+            <a:off x="6199428" y="3018102"/>
             <a:ext cx="871537" cy="261610"/>
           </a:xfrm>
           <a:prstGeom prst="rect">
@@ -5438,7 +5546,7 @@
         </p:nvSpPr>
         <p:spPr>
           <a:xfrm>
-            <a:off x="7121448" y="3088732"/>
+            <a:off x="6199428" y="2540092"/>
             <a:ext cx="871537" cy="261610"/>
           </a:xfrm>
           <a:prstGeom prst="rect">
@@ -5479,7 +5587,7 @@
         </p:nvCxnSpPr>
         <p:spPr>
           <a:xfrm rot="16200000" flipH="1">
-            <a:off x="6064022" y="3020815"/>
+            <a:off x="5142002" y="2472175"/>
             <a:ext cx="750772" cy="602691"/>
           </a:xfrm>
           <a:prstGeom prst="bentConnector2">
@@ -5524,7 +5632,7 @@
         </p:nvCxnSpPr>
         <p:spPr>
           <a:xfrm rot="16200000" flipH="1">
-            <a:off x="6321250" y="2763587"/>
+            <a:off x="5399230" y="2214947"/>
             <a:ext cx="236316" cy="602691"/>
           </a:xfrm>
           <a:prstGeom prst="bentConnector2">
@@ -5565,7 +5673,7 @@
         </p:nvSpPr>
         <p:spPr>
           <a:xfrm>
-            <a:off x="6215219" y="2575534"/>
+            <a:off x="5293199" y="2026894"/>
             <a:ext cx="871537" cy="261610"/>
           </a:xfrm>
           <a:prstGeom prst="rect">
@@ -5616,7 +5724,7 @@
         </p:blipFill>
         <p:spPr>
           <a:xfrm>
-            <a:off x="6740754" y="2981314"/>
+            <a:off x="5818734" y="2432674"/>
             <a:ext cx="403554" cy="403554"/>
           </a:xfrm>
           <a:prstGeom prst="rect">
@@ -5652,7 +5760,7 @@
         </p:blipFill>
         <p:spPr>
           <a:xfrm>
-            <a:off x="6740754" y="3495770"/>
+            <a:off x="5818734" y="2947130"/>
             <a:ext cx="403554" cy="403554"/>
           </a:xfrm>
           <a:prstGeom prst="rect">
@@ -5688,7 +5796,7 @@
         </p:blipFill>
         <p:spPr>
           <a:xfrm>
-            <a:off x="6836264" y="3670003"/>
+            <a:off x="5914244" y="3121363"/>
             <a:ext cx="203795" cy="203795"/>
           </a:xfrm>
           <a:prstGeom prst="rect">
@@ -5724,8 +5832,525 @@
         </p:blipFill>
         <p:spPr>
           <a:xfrm>
-            <a:off x="6836263" y="3149488"/>
+            <a:off x="5914243" y="2600848"/>
             <a:ext cx="203795" cy="203795"/>
+          </a:xfrm>
+          <a:prstGeom prst="rect">
+            <a:avLst/>
+          </a:prstGeom>
+        </p:spPr>
+      </p:pic>
+      <p:pic>
+        <p:nvPicPr>
+          <p:cNvPr id="21" name="Picture 4">
+            <a:extLst>
+              <a:ext uri="{FF2B5EF4-FFF2-40B4-BE49-F238E27FC236}">
+                <a16:creationId xmlns:a16="http://schemas.microsoft.com/office/drawing/2014/main" id="{A486947E-A06E-4401-B542-ECF8413829B7}"/>
+              </a:ext>
+            </a:extLst>
+          </p:cNvPr>
+          <p:cNvPicPr>
+            <a:picLocks noChangeAspect="1" noChangeArrowheads="1"/>
+          </p:cNvPicPr>
+          <p:nvPr/>
+        </p:nvPicPr>
+        <p:blipFill rotWithShape="1">
+          <a:blip r:embed="rId4">
+            <a:extLst>
+              <a:ext uri="{28A0092B-C50C-407E-A947-70E740481C1C}">
+                <a14:useLocalDpi xmlns:a14="http://schemas.microsoft.com/office/drawing/2010/main" val="0"/>
+              </a:ext>
+            </a:extLst>
+          </a:blip>
+          <a:srcRect b="20850"/>
+          <a:stretch/>
+        </p:blipFill>
+        <p:spPr bwMode="auto">
+          <a:xfrm>
+            <a:off x="7344123" y="5248195"/>
+            <a:ext cx="640080" cy="712439"/>
+          </a:xfrm>
+          <a:prstGeom prst="rect">
+            <a:avLst/>
+          </a:prstGeom>
+          <a:noFill/>
+          <a:extLst>
+            <a:ext uri="{909E8E84-426E-40DD-AFC4-6F175D3DCCD1}">
+              <a14:hiddenFill xmlns:a14="http://schemas.microsoft.com/office/drawing/2010/main">
+                <a:solidFill>
+                  <a:srgbClr val="FFFFFF"/>
+                </a:solidFill>
+              </a14:hiddenFill>
+            </a:ext>
+          </a:extLst>
+        </p:spPr>
+      </p:pic>
+      <p:pic>
+        <p:nvPicPr>
+          <p:cNvPr id="22" name="Picture 21">
+            <a:extLst>
+              <a:ext uri="{FF2B5EF4-FFF2-40B4-BE49-F238E27FC236}">
+                <a16:creationId xmlns:a16="http://schemas.microsoft.com/office/drawing/2014/main" id="{2395E36C-9B74-495C-885A-0EC2BC9A3E62}"/>
+              </a:ext>
+            </a:extLst>
+          </p:cNvPr>
+          <p:cNvPicPr>
+            <a:picLocks noChangeAspect="1"/>
+          </p:cNvPicPr>
+          <p:nvPr/>
+        </p:nvPicPr>
+        <p:blipFill>
+          <a:blip r:embed="rId3">
+            <a:extLst>
+              <a:ext uri="{28A0092B-C50C-407E-A947-70E740481C1C}">
+                <a14:useLocalDpi xmlns:a14="http://schemas.microsoft.com/office/drawing/2010/main" val="0"/>
+              </a:ext>
+            </a:extLst>
+          </a:blip>
+          <a:stretch>
+            <a:fillRect/>
+          </a:stretch>
+        </p:blipFill>
+        <p:spPr>
+          <a:xfrm>
+            <a:off x="4844297" y="5285718"/>
+            <a:ext cx="640080" cy="640080"/>
+          </a:xfrm>
+          <a:prstGeom prst="rect">
+            <a:avLst/>
+          </a:prstGeom>
+        </p:spPr>
+      </p:pic>
+      <p:sp>
+        <p:nvSpPr>
+          <p:cNvPr id="23" name="TextBox 22">
+            <a:extLst>
+              <a:ext uri="{FF2B5EF4-FFF2-40B4-BE49-F238E27FC236}">
+                <a16:creationId xmlns:a16="http://schemas.microsoft.com/office/drawing/2014/main" id="{3AB58F2C-CDFE-4169-B799-6EC3501C0AA3}"/>
+              </a:ext>
+            </a:extLst>
+          </p:cNvPr>
+          <p:cNvSpPr txBox="1"/>
+          <p:nvPr/>
+        </p:nvSpPr>
+        <p:spPr>
+          <a:xfrm>
+            <a:off x="4617720" y="5952979"/>
+            <a:ext cx="1093234" cy="307777"/>
+          </a:xfrm>
+          <a:prstGeom prst="rect">
+            <a:avLst/>
+          </a:prstGeom>
+          <a:noFill/>
+        </p:spPr>
+        <p:txBody>
+          <a:bodyPr wrap="square" rtlCol="0">
+            <a:spAutoFit/>
+          </a:bodyPr>
+          <a:lstStyle/>
+          <a:p>
+            <a:pPr algn="ctr"/>
+            <a:r>
+              <a:rPr lang="es-MX" sz="1400" b="1" dirty="0" err="1"/>
+              <a:t>ImageNet</a:t>
+            </a:r>
+            <a:endParaRPr lang="es-MX" sz="1400" b="1" dirty="0"/>
+          </a:p>
+        </p:txBody>
+      </p:sp>
+      <p:sp>
+        <p:nvSpPr>
+          <p:cNvPr id="24" name="TextBox 23">
+            <a:extLst>
+              <a:ext uri="{FF2B5EF4-FFF2-40B4-BE49-F238E27FC236}">
+                <a16:creationId xmlns:a16="http://schemas.microsoft.com/office/drawing/2014/main" id="{07D96786-449D-488E-9B98-D278C652C7FC}"/>
+              </a:ext>
+            </a:extLst>
+          </p:cNvPr>
+          <p:cNvSpPr txBox="1"/>
+          <p:nvPr/>
+        </p:nvSpPr>
+        <p:spPr>
+          <a:xfrm>
+            <a:off x="7138696" y="5952979"/>
+            <a:ext cx="1093234" cy="523220"/>
+          </a:xfrm>
+          <a:prstGeom prst="rect">
+            <a:avLst/>
+          </a:prstGeom>
+          <a:noFill/>
+        </p:spPr>
+        <p:txBody>
+          <a:bodyPr wrap="square" rtlCol="0">
+            <a:spAutoFit/>
+          </a:bodyPr>
+          <a:lstStyle/>
+          <a:p>
+            <a:pPr algn="ctr"/>
+            <a:r>
+              <a:rPr lang="es-MX" sz="1400" b="1" dirty="0" err="1"/>
+              <a:t>Numpy</a:t>
+            </a:r>
+            <a:r>
+              <a:rPr lang="es-MX" sz="1400" b="1" dirty="0"/>
+              <a:t> array</a:t>
+            </a:r>
+          </a:p>
+        </p:txBody>
+      </p:sp>
+      <p:cxnSp>
+        <p:nvCxnSpPr>
+          <p:cNvPr id="25" name="Straight Arrow Connector 24">
+            <a:extLst>
+              <a:ext uri="{FF2B5EF4-FFF2-40B4-BE49-F238E27FC236}">
+                <a16:creationId xmlns:a16="http://schemas.microsoft.com/office/drawing/2014/main" id="{2FAF1A9C-55DD-415C-B0C9-5BECF518158F}"/>
+              </a:ext>
+            </a:extLst>
+          </p:cNvPr>
+          <p:cNvCxnSpPr>
+            <a:cxnSpLocks/>
+            <a:stCxn id="22" idx="3"/>
+            <a:endCxn id="21" idx="1"/>
+          </p:cNvCxnSpPr>
+          <p:nvPr/>
+        </p:nvCxnSpPr>
+        <p:spPr>
+          <a:xfrm flipV="1">
+            <a:off x="5484377" y="5604415"/>
+            <a:ext cx="1859746" cy="1343"/>
+          </a:xfrm>
+          <a:prstGeom prst="straightConnector1">
+            <a:avLst/>
+          </a:prstGeom>
+          <a:ln w="38100">
+            <a:solidFill>
+              <a:schemeClr val="tx1"/>
+            </a:solidFill>
+            <a:tailEnd type="triangle"/>
+          </a:ln>
+        </p:spPr>
+        <p:style>
+          <a:lnRef idx="1">
+            <a:schemeClr val="accent1"/>
+          </a:lnRef>
+          <a:fillRef idx="0">
+            <a:schemeClr val="accent1"/>
+          </a:fillRef>
+          <a:effectRef idx="0">
+            <a:schemeClr val="accent1"/>
+          </a:effectRef>
+          <a:fontRef idx="minor">
+            <a:schemeClr val="tx1"/>
+          </a:fontRef>
+        </p:style>
+      </p:cxnSp>
+      <p:pic>
+        <p:nvPicPr>
+          <p:cNvPr id="26" name="Picture 25">
+            <a:extLst>
+              <a:ext uri="{FF2B5EF4-FFF2-40B4-BE49-F238E27FC236}">
+                <a16:creationId xmlns:a16="http://schemas.microsoft.com/office/drawing/2014/main" id="{04CB84FA-86D3-4420-AF0F-992B128907A7}"/>
+              </a:ext>
+            </a:extLst>
+          </p:cNvPr>
+          <p:cNvPicPr>
+            <a:picLocks noChangeAspect="1"/>
+          </p:cNvPicPr>
+          <p:nvPr/>
+        </p:nvPicPr>
+        <p:blipFill>
+          <a:blip r:embed="rId5">
+            <a:extLst>
+              <a:ext uri="{28A0092B-C50C-407E-A947-70E740481C1C}">
+                <a14:useLocalDpi xmlns:a14="http://schemas.microsoft.com/office/drawing/2010/main" val="0"/>
+              </a:ext>
+            </a:extLst>
+          </a:blip>
+          <a:stretch>
+            <a:fillRect/>
+          </a:stretch>
+        </p:blipFill>
+        <p:spPr>
+          <a:xfrm>
+            <a:off x="10560361" y="5285275"/>
+            <a:ext cx="640080" cy="640080"/>
+          </a:xfrm>
+          <a:prstGeom prst="rect">
+            <a:avLst/>
+          </a:prstGeom>
+        </p:spPr>
+      </p:pic>
+      <p:sp>
+        <p:nvSpPr>
+          <p:cNvPr id="27" name="TextBox 26">
+            <a:extLst>
+              <a:ext uri="{FF2B5EF4-FFF2-40B4-BE49-F238E27FC236}">
+                <a16:creationId xmlns:a16="http://schemas.microsoft.com/office/drawing/2014/main" id="{946376E3-2C15-4EED-8971-3D98D3074A1B}"/>
+              </a:ext>
+            </a:extLst>
+          </p:cNvPr>
+          <p:cNvSpPr txBox="1"/>
+          <p:nvPr/>
+        </p:nvSpPr>
+        <p:spPr>
+          <a:xfrm>
+            <a:off x="8463028" y="5960634"/>
+            <a:ext cx="1265225" cy="307777"/>
+          </a:xfrm>
+          <a:prstGeom prst="rect">
+            <a:avLst/>
+          </a:prstGeom>
+          <a:noFill/>
+        </p:spPr>
+        <p:txBody>
+          <a:bodyPr wrap="square" rtlCol="0">
+            <a:spAutoFit/>
+          </a:bodyPr>
+          <a:lstStyle/>
+          <a:p>
+            <a:pPr algn="ctr"/>
+            <a:r>
+              <a:rPr lang="es-MX" sz="1400" b="1" dirty="0"/>
+              <a:t>ML </a:t>
+            </a:r>
+            <a:r>
+              <a:rPr lang="es-MX" sz="1400" b="1" dirty="0" err="1"/>
+              <a:t>Model</a:t>
+            </a:r>
+            <a:endParaRPr lang="es-MX" sz="1400" b="1" dirty="0"/>
+          </a:p>
+        </p:txBody>
+      </p:sp>
+      <p:cxnSp>
+        <p:nvCxnSpPr>
+          <p:cNvPr id="28" name="Straight Arrow Connector 27">
+            <a:extLst>
+              <a:ext uri="{FF2B5EF4-FFF2-40B4-BE49-F238E27FC236}">
+                <a16:creationId xmlns:a16="http://schemas.microsoft.com/office/drawing/2014/main" id="{0DEEDFEA-A6E0-44EE-A0A1-BD55F97023E2}"/>
+              </a:ext>
+            </a:extLst>
+          </p:cNvPr>
+          <p:cNvCxnSpPr>
+            <a:cxnSpLocks/>
+            <a:stCxn id="36" idx="1"/>
+            <a:endCxn id="26" idx="1"/>
+          </p:cNvCxnSpPr>
+          <p:nvPr/>
+        </p:nvCxnSpPr>
+        <p:spPr>
+          <a:xfrm>
+            <a:off x="9749477" y="5602283"/>
+            <a:ext cx="810884" cy="3032"/>
+          </a:xfrm>
+          <a:prstGeom prst="straightConnector1">
+            <a:avLst/>
+          </a:prstGeom>
+          <a:ln w="38100">
+            <a:solidFill>
+              <a:schemeClr val="tx1"/>
+            </a:solidFill>
+            <a:tailEnd type="triangle"/>
+          </a:ln>
+        </p:spPr>
+        <p:style>
+          <a:lnRef idx="1">
+            <a:schemeClr val="accent1"/>
+          </a:lnRef>
+          <a:fillRef idx="0">
+            <a:schemeClr val="accent1"/>
+          </a:fillRef>
+          <a:effectRef idx="0">
+            <a:schemeClr val="accent1"/>
+          </a:effectRef>
+          <a:fontRef idx="minor">
+            <a:schemeClr val="tx1"/>
+          </a:fontRef>
+        </p:style>
+      </p:cxnSp>
+      <p:cxnSp>
+        <p:nvCxnSpPr>
+          <p:cNvPr id="37" name="Straight Arrow Connector 36">
+            <a:extLst>
+              <a:ext uri="{FF2B5EF4-FFF2-40B4-BE49-F238E27FC236}">
+                <a16:creationId xmlns:a16="http://schemas.microsoft.com/office/drawing/2014/main" id="{0F461E99-DA10-43C4-9662-463E5A50E613}"/>
+              </a:ext>
+            </a:extLst>
+          </p:cNvPr>
+          <p:cNvCxnSpPr>
+            <a:cxnSpLocks/>
+            <a:stCxn id="21" idx="3"/>
+            <a:endCxn id="15" idx="1"/>
+          </p:cNvCxnSpPr>
+          <p:nvPr/>
+        </p:nvCxnSpPr>
+        <p:spPr>
+          <a:xfrm flipV="1">
+            <a:off x="7984203" y="5599975"/>
+            <a:ext cx="790832" cy="4440"/>
+          </a:xfrm>
+          <a:prstGeom prst="straightConnector1">
+            <a:avLst/>
+          </a:prstGeom>
+          <a:ln w="38100">
+            <a:solidFill>
+              <a:schemeClr val="tx1"/>
+            </a:solidFill>
+            <a:tailEnd type="triangle"/>
+          </a:ln>
+        </p:spPr>
+        <p:style>
+          <a:lnRef idx="1">
+            <a:schemeClr val="accent1"/>
+          </a:lnRef>
+          <a:fillRef idx="0">
+            <a:schemeClr val="accent1"/>
+          </a:fillRef>
+          <a:effectRef idx="0">
+            <a:schemeClr val="accent1"/>
+          </a:effectRef>
+          <a:fontRef idx="minor">
+            <a:schemeClr val="tx1"/>
+          </a:fontRef>
+        </p:style>
+      </p:cxnSp>
+      <p:pic>
+        <p:nvPicPr>
+          <p:cNvPr id="38" name="Picture 37">
+            <a:extLst>
+              <a:ext uri="{FF2B5EF4-FFF2-40B4-BE49-F238E27FC236}">
+                <a16:creationId xmlns:a16="http://schemas.microsoft.com/office/drawing/2014/main" id="{E4E90B32-5039-4A98-BDDA-824C3EB298F7}"/>
+              </a:ext>
+            </a:extLst>
+          </p:cNvPr>
+          <p:cNvPicPr>
+            <a:picLocks noChangeAspect="1"/>
+          </p:cNvPicPr>
+          <p:nvPr/>
+        </p:nvPicPr>
+        <p:blipFill>
+          <a:blip r:embed="rId6">
+            <a:extLst>
+              <a:ext uri="{28A0092B-C50C-407E-A947-70E740481C1C}">
+                <a14:useLocalDpi xmlns:a14="http://schemas.microsoft.com/office/drawing/2010/main" val="0"/>
+              </a:ext>
+            </a:extLst>
+          </a:blip>
+          <a:stretch>
+            <a:fillRect/>
+          </a:stretch>
+        </p:blipFill>
+        <p:spPr>
+          <a:xfrm>
+            <a:off x="5983685" y="5150940"/>
+            <a:ext cx="712439" cy="712439"/>
+          </a:xfrm>
+          <a:prstGeom prst="rect">
+            <a:avLst/>
+          </a:prstGeom>
+        </p:spPr>
+      </p:pic>
+      <p:pic>
+        <p:nvPicPr>
+          <p:cNvPr id="39" name="Picture 38">
+            <a:extLst>
+              <a:ext uri="{FF2B5EF4-FFF2-40B4-BE49-F238E27FC236}">
+                <a16:creationId xmlns:a16="http://schemas.microsoft.com/office/drawing/2014/main" id="{03B53FD6-62FE-4E68-AF49-6024618993FD}"/>
+              </a:ext>
+            </a:extLst>
+          </p:cNvPr>
+          <p:cNvPicPr>
+            <a:picLocks noChangeAspect="1"/>
+          </p:cNvPicPr>
+          <p:nvPr/>
+        </p:nvPicPr>
+        <p:blipFill>
+          <a:blip r:embed="rId6">
+            <a:extLst>
+              <a:ext uri="{28A0092B-C50C-407E-A947-70E740481C1C}">
+                <a14:useLocalDpi xmlns:a14="http://schemas.microsoft.com/office/drawing/2010/main" val="0"/>
+              </a:ext>
+            </a:extLst>
+          </a:blip>
+          <a:stretch>
+            <a:fillRect/>
+          </a:stretch>
+        </p:blipFill>
+        <p:spPr>
+          <a:xfrm>
+            <a:off x="6379217" y="5556853"/>
+            <a:ext cx="523220" cy="523220"/>
+          </a:xfrm>
+          <a:prstGeom prst="rect">
+            <a:avLst/>
+          </a:prstGeom>
+        </p:spPr>
+      </p:pic>
+      <p:sp>
+        <p:nvSpPr>
+          <p:cNvPr id="40" name="TextBox 39">
+            <a:extLst>
+              <a:ext uri="{FF2B5EF4-FFF2-40B4-BE49-F238E27FC236}">
+                <a16:creationId xmlns:a16="http://schemas.microsoft.com/office/drawing/2014/main" id="{79A9E114-B39D-4EA2-B489-4D7334AD1A23}"/>
+              </a:ext>
+            </a:extLst>
+          </p:cNvPr>
+          <p:cNvSpPr txBox="1"/>
+          <p:nvPr/>
+        </p:nvSpPr>
+        <p:spPr>
+          <a:xfrm>
+            <a:off x="5889168" y="5952979"/>
+            <a:ext cx="1249528" cy="523220"/>
+          </a:xfrm>
+          <a:prstGeom prst="rect">
+            <a:avLst/>
+          </a:prstGeom>
+          <a:noFill/>
+        </p:spPr>
+        <p:txBody>
+          <a:bodyPr wrap="square" rtlCol="0">
+            <a:spAutoFit/>
+          </a:bodyPr>
+          <a:lstStyle/>
+          <a:p>
+            <a:pPr algn="ctr"/>
+            <a:r>
+              <a:rPr lang="es-MX" sz="1400" b="1" dirty="0"/>
+              <a:t>Redimensión de imagen</a:t>
+            </a:r>
+          </a:p>
+        </p:txBody>
+      </p:sp>
+      <p:pic>
+        <p:nvPicPr>
+          <p:cNvPr id="15" name="Picture 14">
+            <a:extLst>
+              <a:ext uri="{FF2B5EF4-FFF2-40B4-BE49-F238E27FC236}">
+                <a16:creationId xmlns:a16="http://schemas.microsoft.com/office/drawing/2014/main" id="{D6239A37-728A-461D-B465-B65C251AD2DF}"/>
+              </a:ext>
+            </a:extLst>
+          </p:cNvPr>
+          <p:cNvPicPr>
+            <a:picLocks noChangeAspect="1"/>
+          </p:cNvPicPr>
+          <p:nvPr/>
+        </p:nvPicPr>
+        <p:blipFill>
+          <a:blip r:embed="rId7">
+            <a:extLst>
+              <a:ext uri="{28A0092B-C50C-407E-A947-70E740481C1C}">
+                <a14:useLocalDpi xmlns:a14="http://schemas.microsoft.com/office/drawing/2010/main" val="0"/>
+              </a:ext>
+            </a:extLst>
+          </a:blip>
+          <a:stretch>
+            <a:fillRect/>
+          </a:stretch>
+        </p:blipFill>
+        <p:spPr>
+          <a:xfrm>
+            <a:off x="8775035" y="5248195"/>
+            <a:ext cx="703560" cy="703560"/>
           </a:xfrm>
           <a:prstGeom prst="rect">
             <a:avLst/>

--- a/Proyecto Final/Uso de Redes Neuronales para medir el tráfico vehicular.pptx
+++ b/Proyecto Final/Uso de Redes Neuronales para medir el tráfico vehicular.pptx
@@ -280,7 +280,7 @@
           <a:p>
             <a:fld id="{565C6034-5465-4C1D-BEB5-96315F74DDF7}" type="datetimeFigureOut">
               <a:rPr lang="es-MX" smtClean="0"/>
-              <a:t>23/07/2022</a:t>
+              <a:t>24/07/2022</a:t>
             </a:fld>
             <a:endParaRPr lang="es-MX"/>
           </a:p>
@@ -480,7 +480,7 @@
           <a:p>
             <a:fld id="{565C6034-5465-4C1D-BEB5-96315F74DDF7}" type="datetimeFigureOut">
               <a:rPr lang="es-MX" smtClean="0"/>
-              <a:t>23/07/2022</a:t>
+              <a:t>24/07/2022</a:t>
             </a:fld>
             <a:endParaRPr lang="es-MX"/>
           </a:p>
@@ -690,7 +690,7 @@
           <a:p>
             <a:fld id="{565C6034-5465-4C1D-BEB5-96315F74DDF7}" type="datetimeFigureOut">
               <a:rPr lang="es-MX" smtClean="0"/>
-              <a:t>23/07/2022</a:t>
+              <a:t>24/07/2022</a:t>
             </a:fld>
             <a:endParaRPr lang="es-MX"/>
           </a:p>
@@ -890,7 +890,7 @@
           <a:p>
             <a:fld id="{565C6034-5465-4C1D-BEB5-96315F74DDF7}" type="datetimeFigureOut">
               <a:rPr lang="es-MX" smtClean="0"/>
-              <a:t>23/07/2022</a:t>
+              <a:t>24/07/2022</a:t>
             </a:fld>
             <a:endParaRPr lang="es-MX"/>
           </a:p>
@@ -1166,7 +1166,7 @@
           <a:p>
             <a:fld id="{565C6034-5465-4C1D-BEB5-96315F74DDF7}" type="datetimeFigureOut">
               <a:rPr lang="es-MX" smtClean="0"/>
-              <a:t>23/07/2022</a:t>
+              <a:t>24/07/2022</a:t>
             </a:fld>
             <a:endParaRPr lang="es-MX"/>
           </a:p>
@@ -1434,7 +1434,7 @@
           <a:p>
             <a:fld id="{565C6034-5465-4C1D-BEB5-96315F74DDF7}" type="datetimeFigureOut">
               <a:rPr lang="es-MX" smtClean="0"/>
-              <a:t>23/07/2022</a:t>
+              <a:t>24/07/2022</a:t>
             </a:fld>
             <a:endParaRPr lang="es-MX"/>
           </a:p>
@@ -1849,7 +1849,7 @@
           <a:p>
             <a:fld id="{565C6034-5465-4C1D-BEB5-96315F74DDF7}" type="datetimeFigureOut">
               <a:rPr lang="es-MX" smtClean="0"/>
-              <a:t>23/07/2022</a:t>
+              <a:t>24/07/2022</a:t>
             </a:fld>
             <a:endParaRPr lang="es-MX"/>
           </a:p>
@@ -1991,7 +1991,7 @@
           <a:p>
             <a:fld id="{565C6034-5465-4C1D-BEB5-96315F74DDF7}" type="datetimeFigureOut">
               <a:rPr lang="es-MX" smtClean="0"/>
-              <a:t>23/07/2022</a:t>
+              <a:t>24/07/2022</a:t>
             </a:fld>
             <a:endParaRPr lang="es-MX"/>
           </a:p>
@@ -2104,7 +2104,7 @@
           <a:p>
             <a:fld id="{565C6034-5465-4C1D-BEB5-96315F74DDF7}" type="datetimeFigureOut">
               <a:rPr lang="es-MX" smtClean="0"/>
-              <a:t>23/07/2022</a:t>
+              <a:t>24/07/2022</a:t>
             </a:fld>
             <a:endParaRPr lang="es-MX"/>
           </a:p>
@@ -2417,7 +2417,7 @@
           <a:p>
             <a:fld id="{565C6034-5465-4C1D-BEB5-96315F74DDF7}" type="datetimeFigureOut">
               <a:rPr lang="es-MX" smtClean="0"/>
-              <a:t>23/07/2022</a:t>
+              <a:t>24/07/2022</a:t>
             </a:fld>
             <a:endParaRPr lang="es-MX"/>
           </a:p>
@@ -2706,7 +2706,7 @@
           <a:p>
             <a:fld id="{565C6034-5465-4C1D-BEB5-96315F74DDF7}" type="datetimeFigureOut">
               <a:rPr lang="es-MX" smtClean="0"/>
-              <a:t>23/07/2022</a:t>
+              <a:t>24/07/2022</a:t>
             </a:fld>
             <a:endParaRPr lang="es-MX"/>
           </a:p>
@@ -2949,7 +2949,7 @@
           <a:p>
             <a:fld id="{565C6034-5465-4C1D-BEB5-96315F74DDF7}" type="datetimeFigureOut">
               <a:rPr lang="es-MX" smtClean="0"/>
-              <a:t>23/07/2022</a:t>
+              <a:t>24/07/2022</a:t>
             </a:fld>
             <a:endParaRPr lang="es-MX"/>
           </a:p>
@@ -4958,7 +4958,7 @@
         <p:spPr>
           <a:xfrm>
             <a:off x="838200" y="3149488"/>
-            <a:ext cx="2926080" cy="548640"/>
+            <a:ext cx="1838498" cy="548640"/>
           </a:xfrm>
           <a:prstGeom prst="rect">
             <a:avLst/>
@@ -5018,7 +5018,7 @@
                   <a:schemeClr val="tx1"/>
                 </a:solidFill>
               </a:rPr>
-              <a:t> (80%)</a:t>
+              <a:t> (50%)</a:t>
             </a:r>
           </a:p>
         </p:txBody>
@@ -5037,8 +5037,8 @@
         </p:nvSpPr>
         <p:spPr>
           <a:xfrm>
-            <a:off x="3764281" y="3149489"/>
-            <a:ext cx="731520" cy="548640"/>
+            <a:off x="3642361" y="3150582"/>
+            <a:ext cx="872837" cy="548640"/>
           </a:xfrm>
           <a:prstGeom prst="rect">
             <a:avLst/>
@@ -5098,17 +5098,17 @@
                   <a:schemeClr val="tx1"/>
                 </a:solidFill>
               </a:rPr>
-              <a:t> (20%)</a:t>
-            </a:r>
-          </a:p>
-        </p:txBody>
-      </p:sp>
-      <p:sp>
-        <p:nvSpPr>
-          <p:cNvPr id="6" name="Rectangle 5">
-            <a:extLst>
-              <a:ext uri="{FF2B5EF4-FFF2-40B4-BE49-F238E27FC236}">
-                <a16:creationId xmlns:a16="http://schemas.microsoft.com/office/drawing/2014/main" id="{6EB3D060-1205-4252-8251-A57BDF82EF78}"/>
+              <a:t> (25%)</a:t>
+            </a:r>
+          </a:p>
+        </p:txBody>
+      </p:sp>
+      <p:sp>
+        <p:nvSpPr>
+          <p:cNvPr id="9" name="Arrow: Right 8">
+            <a:extLst>
+              <a:ext uri="{FF2B5EF4-FFF2-40B4-BE49-F238E27FC236}">
+                <a16:creationId xmlns:a16="http://schemas.microsoft.com/office/drawing/2014/main" id="{56AB8482-1CC2-4D7D-A74C-04E4AD7E7E72}"/>
               </a:ext>
             </a:extLst>
           </p:cNvPr>
@@ -5116,17 +5116,16 @@
           <p:nvPr/>
         </p:nvSpPr>
         <p:spPr>
-          <a:xfrm>
-            <a:off x="838199" y="4314780"/>
-            <a:ext cx="2235926" cy="548640"/>
-          </a:xfrm>
-          <a:prstGeom prst="rect">
+          <a:xfrm rot="5400000">
+            <a:off x="2438400" y="2549934"/>
+            <a:ext cx="457200" cy="594360"/>
+          </a:xfrm>
+          <a:prstGeom prst="rightArrow">
             <a:avLst/>
           </a:prstGeom>
           <a:solidFill>
-            <a:schemeClr val="accent5">
-              <a:lumMod val="40000"/>
-              <a:lumOff val="60000"/>
+            <a:schemeClr val="bg2">
+              <a:lumMod val="25000"/>
             </a:schemeClr>
           </a:solidFill>
           <a:ln>
@@ -5156,39 +5155,840 @@
           <a:lstStyle/>
           <a:p>
             <a:pPr algn="ctr"/>
-            <a:r>
-              <a:rPr lang="es-MX" sz="1400" dirty="0">
+            <a:endParaRPr lang="es-MX"/>
+          </a:p>
+        </p:txBody>
+      </p:sp>
+      <p:pic>
+        <p:nvPicPr>
+          <p:cNvPr id="12" name="Picture 11">
+            <a:extLst>
+              <a:ext uri="{FF2B5EF4-FFF2-40B4-BE49-F238E27FC236}">
+                <a16:creationId xmlns:a16="http://schemas.microsoft.com/office/drawing/2014/main" id="{0A134F57-B112-48B4-8AF4-C8847169D4B4}"/>
+              </a:ext>
+            </a:extLst>
+          </p:cNvPr>
+          <p:cNvPicPr>
+            <a:picLocks noChangeAspect="1"/>
+          </p:cNvPicPr>
+          <p:nvPr/>
+        </p:nvPicPr>
+        <p:blipFill>
+          <a:blip r:embed="rId2">
+            <a:extLst>
+              <a:ext uri="{28A0092B-C50C-407E-A947-70E740481C1C}">
+                <a14:useLocalDpi xmlns:a14="http://schemas.microsoft.com/office/drawing/2010/main" val="0"/>
+              </a:ext>
+            </a:extLst>
+          </a:blip>
+          <a:stretch>
+            <a:fillRect/>
+          </a:stretch>
+        </p:blipFill>
+        <p:spPr>
+          <a:xfrm>
+            <a:off x="5014266" y="1994581"/>
+            <a:ext cx="403554" cy="403554"/>
+          </a:xfrm>
+          <a:prstGeom prst="rect">
+            <a:avLst/>
+          </a:prstGeom>
+        </p:spPr>
+      </p:pic>
+      <p:sp>
+        <p:nvSpPr>
+          <p:cNvPr id="13" name="TextBox 12">
+            <a:extLst>
+              <a:ext uri="{FF2B5EF4-FFF2-40B4-BE49-F238E27FC236}">
+                <a16:creationId xmlns:a16="http://schemas.microsoft.com/office/drawing/2014/main" id="{254000B1-B855-49D7-88C8-F80AD7F99953}"/>
+              </a:ext>
+            </a:extLst>
+          </p:cNvPr>
+          <p:cNvSpPr txBox="1"/>
+          <p:nvPr/>
+        </p:nvSpPr>
+        <p:spPr>
+          <a:xfrm>
+            <a:off x="5568998" y="2872071"/>
+            <a:ext cx="871537" cy="261610"/>
+          </a:xfrm>
+          <a:prstGeom prst="rect">
+            <a:avLst/>
+          </a:prstGeom>
+          <a:noFill/>
+        </p:spPr>
+        <p:txBody>
+          <a:bodyPr wrap="square" rtlCol="0">
+            <a:spAutoFit/>
+          </a:bodyPr>
+          <a:lstStyle/>
+          <a:p>
+            <a:pPr algn="ctr"/>
+            <a:r>
+              <a:rPr lang="es-MX" sz="1050" dirty="0"/>
+              <a:t>test</a:t>
+            </a:r>
+          </a:p>
+        </p:txBody>
+      </p:sp>
+      <p:sp>
+        <p:nvSpPr>
+          <p:cNvPr id="14" name="TextBox 13">
+            <a:extLst>
+              <a:ext uri="{FF2B5EF4-FFF2-40B4-BE49-F238E27FC236}">
+                <a16:creationId xmlns:a16="http://schemas.microsoft.com/office/drawing/2014/main" id="{0BD29A6F-4950-4BB4-9BC2-CA79B820C9A1}"/>
+              </a:ext>
+            </a:extLst>
+          </p:cNvPr>
+          <p:cNvSpPr txBox="1"/>
+          <p:nvPr/>
+        </p:nvSpPr>
+        <p:spPr>
+          <a:xfrm>
+            <a:off x="5559492" y="2180055"/>
+            <a:ext cx="871537" cy="261610"/>
+          </a:xfrm>
+          <a:prstGeom prst="rect">
+            <a:avLst/>
+          </a:prstGeom>
+          <a:noFill/>
+        </p:spPr>
+        <p:txBody>
+          <a:bodyPr wrap="square" rtlCol="0">
+            <a:spAutoFit/>
+          </a:bodyPr>
+          <a:lstStyle/>
+          <a:p>
+            <a:pPr algn="ctr"/>
+            <a:r>
+              <a:rPr lang="es-MX" sz="1050" dirty="0" err="1"/>
+              <a:t>train</a:t>
+            </a:r>
+            <a:endParaRPr lang="es-MX" sz="1050" dirty="0"/>
+          </a:p>
+        </p:txBody>
+      </p:sp>
+      <p:cxnSp>
+        <p:nvCxnSpPr>
+          <p:cNvPr id="16" name="Connector: Elbow 15">
+            <a:extLst>
+              <a:ext uri="{FF2B5EF4-FFF2-40B4-BE49-F238E27FC236}">
+                <a16:creationId xmlns:a16="http://schemas.microsoft.com/office/drawing/2014/main" id="{AB3D122B-73EC-4927-8D81-66A5C321ACE7}"/>
+              </a:ext>
+            </a:extLst>
+          </p:cNvPr>
+          <p:cNvCxnSpPr>
+            <a:cxnSpLocks/>
+            <a:stCxn id="12" idx="2"/>
+            <a:endCxn id="33" idx="1"/>
+          </p:cNvCxnSpPr>
+          <p:nvPr/>
+        </p:nvCxnSpPr>
+        <p:spPr>
+          <a:xfrm rot="16200000" flipH="1">
+            <a:off x="5034303" y="2579874"/>
+            <a:ext cx="976561" cy="613081"/>
+          </a:xfrm>
+          <a:prstGeom prst="bentConnector2">
+            <a:avLst/>
+          </a:prstGeom>
+          <a:ln w="19050">
+            <a:solidFill>
+              <a:schemeClr val="tx1"/>
+            </a:solidFill>
+          </a:ln>
+        </p:spPr>
+        <p:style>
+          <a:lnRef idx="1">
+            <a:schemeClr val="accent1"/>
+          </a:lnRef>
+          <a:fillRef idx="0">
+            <a:schemeClr val="accent1"/>
+          </a:fillRef>
+          <a:effectRef idx="0">
+            <a:schemeClr val="accent1"/>
+          </a:effectRef>
+          <a:fontRef idx="minor">
+            <a:schemeClr val="tx1"/>
+          </a:fontRef>
+        </p:style>
+      </p:cxnSp>
+      <p:cxnSp>
+        <p:nvCxnSpPr>
+          <p:cNvPr id="17" name="Connector: Elbow 16">
+            <a:extLst>
+              <a:ext uri="{FF2B5EF4-FFF2-40B4-BE49-F238E27FC236}">
+                <a16:creationId xmlns:a16="http://schemas.microsoft.com/office/drawing/2014/main" id="{94B2C53B-00B7-4C12-9EFE-F6C8A0232972}"/>
+              </a:ext>
+            </a:extLst>
+          </p:cNvPr>
+          <p:cNvCxnSpPr>
+            <a:cxnSpLocks/>
+            <a:stCxn id="12" idx="2"/>
+            <a:endCxn id="31" idx="1"/>
+          </p:cNvCxnSpPr>
+          <p:nvPr/>
+        </p:nvCxnSpPr>
+        <p:spPr>
+          <a:xfrm rot="16200000" flipH="1">
+            <a:off x="5399230" y="2214947"/>
+            <a:ext cx="236316" cy="602691"/>
+          </a:xfrm>
+          <a:prstGeom prst="bentConnector2">
+            <a:avLst/>
+          </a:prstGeom>
+          <a:ln w="19050">
+            <a:solidFill>
+              <a:schemeClr val="tx1"/>
+            </a:solidFill>
+          </a:ln>
+        </p:spPr>
+        <p:style>
+          <a:lnRef idx="1">
+            <a:schemeClr val="accent1"/>
+          </a:lnRef>
+          <a:fillRef idx="0">
+            <a:schemeClr val="accent1"/>
+          </a:fillRef>
+          <a:effectRef idx="0">
+            <a:schemeClr val="accent1"/>
+          </a:effectRef>
+          <a:fontRef idx="minor">
+            <a:schemeClr val="tx1"/>
+          </a:fontRef>
+        </p:style>
+      </p:cxnSp>
+      <p:sp>
+        <p:nvSpPr>
+          <p:cNvPr id="20" name="TextBox 19">
+            <a:extLst>
+              <a:ext uri="{FF2B5EF4-FFF2-40B4-BE49-F238E27FC236}">
+                <a16:creationId xmlns:a16="http://schemas.microsoft.com/office/drawing/2014/main" id="{3D8A9CA6-509C-4165-812D-639E97583342}"/>
+              </a:ext>
+            </a:extLst>
+          </p:cNvPr>
+          <p:cNvSpPr txBox="1"/>
+          <p:nvPr/>
+        </p:nvSpPr>
+        <p:spPr>
+          <a:xfrm>
+            <a:off x="4871831" y="1771011"/>
+            <a:ext cx="718949" cy="261610"/>
+          </a:xfrm>
+          <a:prstGeom prst="rect">
+            <a:avLst/>
+          </a:prstGeom>
+          <a:noFill/>
+        </p:spPr>
+        <p:txBody>
+          <a:bodyPr wrap="square" rtlCol="0">
+            <a:spAutoFit/>
+          </a:bodyPr>
+          <a:lstStyle/>
+          <a:p>
+            <a:pPr algn="ctr"/>
+            <a:r>
+              <a:rPr lang="es-MX" sz="1050" b="1" dirty="0" err="1"/>
+              <a:t>car_data</a:t>
+            </a:r>
+            <a:endParaRPr lang="es-MX" sz="1050" b="1" dirty="0"/>
+          </a:p>
+        </p:txBody>
+      </p:sp>
+      <p:pic>
+        <p:nvPicPr>
+          <p:cNvPr id="31" name="Picture 30">
+            <a:extLst>
+              <a:ext uri="{FF2B5EF4-FFF2-40B4-BE49-F238E27FC236}">
+                <a16:creationId xmlns:a16="http://schemas.microsoft.com/office/drawing/2014/main" id="{3FCD83DA-C39E-4115-9A61-382241AEA6D4}"/>
+              </a:ext>
+            </a:extLst>
+          </p:cNvPr>
+          <p:cNvPicPr>
+            <a:picLocks noChangeAspect="1"/>
+          </p:cNvPicPr>
+          <p:nvPr/>
+        </p:nvPicPr>
+        <p:blipFill>
+          <a:blip r:embed="rId2">
+            <a:extLst>
+              <a:ext uri="{28A0092B-C50C-407E-A947-70E740481C1C}">
+                <a14:useLocalDpi xmlns:a14="http://schemas.microsoft.com/office/drawing/2010/main" val="0"/>
+              </a:ext>
+            </a:extLst>
+          </a:blip>
+          <a:stretch>
+            <a:fillRect/>
+          </a:stretch>
+        </p:blipFill>
+        <p:spPr>
+          <a:xfrm>
+            <a:off x="5818734" y="2432674"/>
+            <a:ext cx="403554" cy="403554"/>
+          </a:xfrm>
+          <a:prstGeom prst="rect">
+            <a:avLst/>
+          </a:prstGeom>
+        </p:spPr>
+      </p:pic>
+      <p:pic>
+        <p:nvPicPr>
+          <p:cNvPr id="33" name="Picture 32">
+            <a:extLst>
+              <a:ext uri="{FF2B5EF4-FFF2-40B4-BE49-F238E27FC236}">
+                <a16:creationId xmlns:a16="http://schemas.microsoft.com/office/drawing/2014/main" id="{8B4646AA-3C74-40F5-A615-A0ABF666CEBF}"/>
+              </a:ext>
+            </a:extLst>
+          </p:cNvPr>
+          <p:cNvPicPr>
+            <a:picLocks noChangeAspect="1"/>
+          </p:cNvPicPr>
+          <p:nvPr/>
+        </p:nvPicPr>
+        <p:blipFill>
+          <a:blip r:embed="rId2">
+            <a:extLst>
+              <a:ext uri="{28A0092B-C50C-407E-A947-70E740481C1C}">
+                <a14:useLocalDpi xmlns:a14="http://schemas.microsoft.com/office/drawing/2010/main" val="0"/>
+              </a:ext>
+            </a:extLst>
+          </a:blip>
+          <a:stretch>
+            <a:fillRect/>
+          </a:stretch>
+        </p:blipFill>
+        <p:spPr>
+          <a:xfrm>
+            <a:off x="5829124" y="3172919"/>
+            <a:ext cx="403554" cy="403554"/>
+          </a:xfrm>
+          <a:prstGeom prst="rect">
+            <a:avLst/>
+          </a:prstGeom>
+        </p:spPr>
+      </p:pic>
+      <p:pic>
+        <p:nvPicPr>
+          <p:cNvPr id="21" name="Picture 4">
+            <a:extLst>
+              <a:ext uri="{FF2B5EF4-FFF2-40B4-BE49-F238E27FC236}">
+                <a16:creationId xmlns:a16="http://schemas.microsoft.com/office/drawing/2014/main" id="{A486947E-A06E-4401-B542-ECF8413829B7}"/>
+              </a:ext>
+            </a:extLst>
+          </p:cNvPr>
+          <p:cNvPicPr>
+            <a:picLocks noChangeAspect="1" noChangeArrowheads="1"/>
+          </p:cNvPicPr>
+          <p:nvPr/>
+        </p:nvPicPr>
+        <p:blipFill rotWithShape="1">
+          <a:blip r:embed="rId3">
+            <a:extLst>
+              <a:ext uri="{28A0092B-C50C-407E-A947-70E740481C1C}">
+                <a14:useLocalDpi xmlns:a14="http://schemas.microsoft.com/office/drawing/2010/main" val="0"/>
+              </a:ext>
+            </a:extLst>
+          </a:blip>
+          <a:srcRect b="20850"/>
+          <a:stretch/>
+        </p:blipFill>
+        <p:spPr bwMode="auto">
+          <a:xfrm>
+            <a:off x="7344123" y="5248195"/>
+            <a:ext cx="640080" cy="712439"/>
+          </a:xfrm>
+          <a:prstGeom prst="rect">
+            <a:avLst/>
+          </a:prstGeom>
+          <a:noFill/>
+          <a:extLst>
+            <a:ext uri="{909E8E84-426E-40DD-AFC4-6F175D3DCCD1}">
+              <a14:hiddenFill xmlns:a14="http://schemas.microsoft.com/office/drawing/2010/main">
                 <a:solidFill>
-                  <a:schemeClr val="tx1"/>
+                  <a:srgbClr val="FFFFFF"/>
                 </a:solidFill>
-              </a:rPr>
-              <a:t>CV Train </a:t>
-            </a:r>
-            <a:r>
-              <a:rPr lang="es-MX" sz="1400" dirty="0" err="1">
-                <a:solidFill>
-                  <a:schemeClr val="tx1"/>
-                </a:solidFill>
-              </a:rPr>
-              <a:t>dataset</a:t>
-            </a:r>
-            <a:r>
-              <a:rPr lang="es-MX" sz="1400" dirty="0">
-                <a:solidFill>
-                  <a:schemeClr val="tx1"/>
-                </a:solidFill>
-              </a:rPr>
-              <a:t> (64%)</a:t>
-            </a:r>
-          </a:p>
-        </p:txBody>
-      </p:sp>
-      <p:sp>
-        <p:nvSpPr>
-          <p:cNvPr id="7" name="Rectangle 6">
-            <a:extLst>
-              <a:ext uri="{FF2B5EF4-FFF2-40B4-BE49-F238E27FC236}">
-                <a16:creationId xmlns:a16="http://schemas.microsoft.com/office/drawing/2014/main" id="{6DE3E9B9-870E-4732-8684-157F0BC85C10}"/>
+              </a14:hiddenFill>
+            </a:ext>
+          </a:extLst>
+        </p:spPr>
+      </p:pic>
+      <p:pic>
+        <p:nvPicPr>
+          <p:cNvPr id="22" name="Picture 21">
+            <a:extLst>
+              <a:ext uri="{FF2B5EF4-FFF2-40B4-BE49-F238E27FC236}">
+                <a16:creationId xmlns:a16="http://schemas.microsoft.com/office/drawing/2014/main" id="{2395E36C-9B74-495C-885A-0EC2BC9A3E62}"/>
+              </a:ext>
+            </a:extLst>
+          </p:cNvPr>
+          <p:cNvPicPr>
+            <a:picLocks noChangeAspect="1"/>
+          </p:cNvPicPr>
+          <p:nvPr/>
+        </p:nvPicPr>
+        <p:blipFill>
+          <a:blip r:embed="rId4">
+            <a:extLst>
+              <a:ext uri="{28A0092B-C50C-407E-A947-70E740481C1C}">
+                <a14:useLocalDpi xmlns:a14="http://schemas.microsoft.com/office/drawing/2010/main" val="0"/>
+              </a:ext>
+            </a:extLst>
+          </a:blip>
+          <a:stretch>
+            <a:fillRect/>
+          </a:stretch>
+        </p:blipFill>
+        <p:spPr>
+          <a:xfrm>
+            <a:off x="4844297" y="5285718"/>
+            <a:ext cx="640080" cy="640080"/>
+          </a:xfrm>
+          <a:prstGeom prst="rect">
+            <a:avLst/>
+          </a:prstGeom>
+        </p:spPr>
+      </p:pic>
+      <p:sp>
+        <p:nvSpPr>
+          <p:cNvPr id="23" name="TextBox 22">
+            <a:extLst>
+              <a:ext uri="{FF2B5EF4-FFF2-40B4-BE49-F238E27FC236}">
+                <a16:creationId xmlns:a16="http://schemas.microsoft.com/office/drawing/2014/main" id="{3AB58F2C-CDFE-4169-B799-6EC3501C0AA3}"/>
+              </a:ext>
+            </a:extLst>
+          </p:cNvPr>
+          <p:cNvSpPr txBox="1"/>
+          <p:nvPr/>
+        </p:nvSpPr>
+        <p:spPr>
+          <a:xfrm>
+            <a:off x="4617720" y="5952979"/>
+            <a:ext cx="1093234" cy="307777"/>
+          </a:xfrm>
+          <a:prstGeom prst="rect">
+            <a:avLst/>
+          </a:prstGeom>
+          <a:noFill/>
+        </p:spPr>
+        <p:txBody>
+          <a:bodyPr wrap="square" rtlCol="0">
+            <a:spAutoFit/>
+          </a:bodyPr>
+          <a:lstStyle/>
+          <a:p>
+            <a:pPr algn="ctr"/>
+            <a:r>
+              <a:rPr lang="es-MX" sz="1400" b="1" dirty="0" err="1"/>
+              <a:t>ImageNet</a:t>
+            </a:r>
+            <a:endParaRPr lang="es-MX" sz="1400" b="1" dirty="0"/>
+          </a:p>
+        </p:txBody>
+      </p:sp>
+      <p:sp>
+        <p:nvSpPr>
+          <p:cNvPr id="24" name="TextBox 23">
+            <a:extLst>
+              <a:ext uri="{FF2B5EF4-FFF2-40B4-BE49-F238E27FC236}">
+                <a16:creationId xmlns:a16="http://schemas.microsoft.com/office/drawing/2014/main" id="{07D96786-449D-488E-9B98-D278C652C7FC}"/>
+              </a:ext>
+            </a:extLst>
+          </p:cNvPr>
+          <p:cNvSpPr txBox="1"/>
+          <p:nvPr/>
+        </p:nvSpPr>
+        <p:spPr>
+          <a:xfrm>
+            <a:off x="7138696" y="5952979"/>
+            <a:ext cx="1093234" cy="523220"/>
+          </a:xfrm>
+          <a:prstGeom prst="rect">
+            <a:avLst/>
+          </a:prstGeom>
+          <a:noFill/>
+        </p:spPr>
+        <p:txBody>
+          <a:bodyPr wrap="square" rtlCol="0">
+            <a:spAutoFit/>
+          </a:bodyPr>
+          <a:lstStyle/>
+          <a:p>
+            <a:pPr algn="ctr"/>
+            <a:r>
+              <a:rPr lang="es-MX" sz="1400" b="1" dirty="0" err="1"/>
+              <a:t>Numpy</a:t>
+            </a:r>
+            <a:r>
+              <a:rPr lang="es-MX" sz="1400" b="1" dirty="0"/>
+              <a:t> array</a:t>
+            </a:r>
+          </a:p>
+        </p:txBody>
+      </p:sp>
+      <p:cxnSp>
+        <p:nvCxnSpPr>
+          <p:cNvPr id="25" name="Straight Arrow Connector 24">
+            <a:extLst>
+              <a:ext uri="{FF2B5EF4-FFF2-40B4-BE49-F238E27FC236}">
+                <a16:creationId xmlns:a16="http://schemas.microsoft.com/office/drawing/2014/main" id="{2FAF1A9C-55DD-415C-B0C9-5BECF518158F}"/>
+              </a:ext>
+            </a:extLst>
+          </p:cNvPr>
+          <p:cNvCxnSpPr>
+            <a:cxnSpLocks/>
+            <a:stCxn id="22" idx="3"/>
+            <a:endCxn id="21" idx="1"/>
+          </p:cNvCxnSpPr>
+          <p:nvPr/>
+        </p:nvCxnSpPr>
+        <p:spPr>
+          <a:xfrm flipV="1">
+            <a:off x="5484377" y="5604415"/>
+            <a:ext cx="1859746" cy="1343"/>
+          </a:xfrm>
+          <a:prstGeom prst="straightConnector1">
+            <a:avLst/>
+          </a:prstGeom>
+          <a:ln w="38100">
+            <a:solidFill>
+              <a:schemeClr val="tx1"/>
+            </a:solidFill>
+            <a:tailEnd type="triangle"/>
+          </a:ln>
+        </p:spPr>
+        <p:style>
+          <a:lnRef idx="1">
+            <a:schemeClr val="accent1"/>
+          </a:lnRef>
+          <a:fillRef idx="0">
+            <a:schemeClr val="accent1"/>
+          </a:fillRef>
+          <a:effectRef idx="0">
+            <a:schemeClr val="accent1"/>
+          </a:effectRef>
+          <a:fontRef idx="minor">
+            <a:schemeClr val="tx1"/>
+          </a:fontRef>
+        </p:style>
+      </p:cxnSp>
+      <p:pic>
+        <p:nvPicPr>
+          <p:cNvPr id="26" name="Picture 25">
+            <a:extLst>
+              <a:ext uri="{FF2B5EF4-FFF2-40B4-BE49-F238E27FC236}">
+                <a16:creationId xmlns:a16="http://schemas.microsoft.com/office/drawing/2014/main" id="{04CB84FA-86D3-4420-AF0F-992B128907A7}"/>
+              </a:ext>
+            </a:extLst>
+          </p:cNvPr>
+          <p:cNvPicPr>
+            <a:picLocks noChangeAspect="1"/>
+          </p:cNvPicPr>
+          <p:nvPr/>
+        </p:nvPicPr>
+        <p:blipFill>
+          <a:blip r:embed="rId5">
+            <a:extLst>
+              <a:ext uri="{28A0092B-C50C-407E-A947-70E740481C1C}">
+                <a14:useLocalDpi xmlns:a14="http://schemas.microsoft.com/office/drawing/2010/main" val="0"/>
+              </a:ext>
+            </a:extLst>
+          </a:blip>
+          <a:stretch>
+            <a:fillRect/>
+          </a:stretch>
+        </p:blipFill>
+        <p:spPr>
+          <a:xfrm>
+            <a:off x="10560361" y="5285275"/>
+            <a:ext cx="640080" cy="640080"/>
+          </a:xfrm>
+          <a:prstGeom prst="rect">
+            <a:avLst/>
+          </a:prstGeom>
+        </p:spPr>
+      </p:pic>
+      <p:sp>
+        <p:nvSpPr>
+          <p:cNvPr id="27" name="TextBox 26">
+            <a:extLst>
+              <a:ext uri="{FF2B5EF4-FFF2-40B4-BE49-F238E27FC236}">
+                <a16:creationId xmlns:a16="http://schemas.microsoft.com/office/drawing/2014/main" id="{946376E3-2C15-4EED-8971-3D98D3074A1B}"/>
+              </a:ext>
+            </a:extLst>
+          </p:cNvPr>
+          <p:cNvSpPr txBox="1"/>
+          <p:nvPr/>
+        </p:nvSpPr>
+        <p:spPr>
+          <a:xfrm>
+            <a:off x="8463028" y="5960634"/>
+            <a:ext cx="1265225" cy="307777"/>
+          </a:xfrm>
+          <a:prstGeom prst="rect">
+            <a:avLst/>
+          </a:prstGeom>
+          <a:noFill/>
+        </p:spPr>
+        <p:txBody>
+          <a:bodyPr wrap="square" rtlCol="0">
+            <a:spAutoFit/>
+          </a:bodyPr>
+          <a:lstStyle/>
+          <a:p>
+            <a:pPr algn="ctr"/>
+            <a:r>
+              <a:rPr lang="es-MX" sz="1400" b="1" dirty="0"/>
+              <a:t>ML </a:t>
+            </a:r>
+            <a:r>
+              <a:rPr lang="es-MX" sz="1400" b="1" dirty="0" err="1"/>
+              <a:t>Model</a:t>
+            </a:r>
+            <a:endParaRPr lang="es-MX" sz="1400" b="1" dirty="0"/>
+          </a:p>
+        </p:txBody>
+      </p:sp>
+      <p:cxnSp>
+        <p:nvCxnSpPr>
+          <p:cNvPr id="28" name="Straight Arrow Connector 27">
+            <a:extLst>
+              <a:ext uri="{FF2B5EF4-FFF2-40B4-BE49-F238E27FC236}">
+                <a16:creationId xmlns:a16="http://schemas.microsoft.com/office/drawing/2014/main" id="{0DEEDFEA-A6E0-44EE-A0A1-BD55F97023E2}"/>
+              </a:ext>
+            </a:extLst>
+          </p:cNvPr>
+          <p:cNvCxnSpPr>
+            <a:cxnSpLocks/>
+            <a:endCxn id="26" idx="1"/>
+          </p:cNvCxnSpPr>
+          <p:nvPr/>
+        </p:nvCxnSpPr>
+        <p:spPr>
+          <a:xfrm>
+            <a:off x="9749477" y="5602283"/>
+            <a:ext cx="810884" cy="3032"/>
+          </a:xfrm>
+          <a:prstGeom prst="straightConnector1">
+            <a:avLst/>
+          </a:prstGeom>
+          <a:ln w="38100">
+            <a:solidFill>
+              <a:schemeClr val="tx1"/>
+            </a:solidFill>
+            <a:tailEnd type="triangle"/>
+          </a:ln>
+        </p:spPr>
+        <p:style>
+          <a:lnRef idx="1">
+            <a:schemeClr val="accent1"/>
+          </a:lnRef>
+          <a:fillRef idx="0">
+            <a:schemeClr val="accent1"/>
+          </a:fillRef>
+          <a:effectRef idx="0">
+            <a:schemeClr val="accent1"/>
+          </a:effectRef>
+          <a:fontRef idx="minor">
+            <a:schemeClr val="tx1"/>
+          </a:fontRef>
+        </p:style>
+      </p:cxnSp>
+      <p:cxnSp>
+        <p:nvCxnSpPr>
+          <p:cNvPr id="37" name="Straight Arrow Connector 36">
+            <a:extLst>
+              <a:ext uri="{FF2B5EF4-FFF2-40B4-BE49-F238E27FC236}">
+                <a16:creationId xmlns:a16="http://schemas.microsoft.com/office/drawing/2014/main" id="{0F461E99-DA10-43C4-9662-463E5A50E613}"/>
+              </a:ext>
+            </a:extLst>
+          </p:cNvPr>
+          <p:cNvCxnSpPr>
+            <a:cxnSpLocks/>
+            <a:stCxn id="21" idx="3"/>
+            <a:endCxn id="15" idx="1"/>
+          </p:cNvCxnSpPr>
+          <p:nvPr/>
+        </p:nvCxnSpPr>
+        <p:spPr>
+          <a:xfrm flipV="1">
+            <a:off x="7984203" y="5599975"/>
+            <a:ext cx="790832" cy="4440"/>
+          </a:xfrm>
+          <a:prstGeom prst="straightConnector1">
+            <a:avLst/>
+          </a:prstGeom>
+          <a:ln w="38100">
+            <a:solidFill>
+              <a:schemeClr val="tx1"/>
+            </a:solidFill>
+            <a:tailEnd type="triangle"/>
+          </a:ln>
+        </p:spPr>
+        <p:style>
+          <a:lnRef idx="1">
+            <a:schemeClr val="accent1"/>
+          </a:lnRef>
+          <a:fillRef idx="0">
+            <a:schemeClr val="accent1"/>
+          </a:fillRef>
+          <a:effectRef idx="0">
+            <a:schemeClr val="accent1"/>
+          </a:effectRef>
+          <a:fontRef idx="minor">
+            <a:schemeClr val="tx1"/>
+          </a:fontRef>
+        </p:style>
+      </p:cxnSp>
+      <p:pic>
+        <p:nvPicPr>
+          <p:cNvPr id="38" name="Picture 37">
+            <a:extLst>
+              <a:ext uri="{FF2B5EF4-FFF2-40B4-BE49-F238E27FC236}">
+                <a16:creationId xmlns:a16="http://schemas.microsoft.com/office/drawing/2014/main" id="{E4E90B32-5039-4A98-BDDA-824C3EB298F7}"/>
+              </a:ext>
+            </a:extLst>
+          </p:cNvPr>
+          <p:cNvPicPr>
+            <a:picLocks noChangeAspect="1"/>
+          </p:cNvPicPr>
+          <p:nvPr/>
+        </p:nvPicPr>
+        <p:blipFill>
+          <a:blip r:embed="rId6">
+            <a:extLst>
+              <a:ext uri="{28A0092B-C50C-407E-A947-70E740481C1C}">
+                <a14:useLocalDpi xmlns:a14="http://schemas.microsoft.com/office/drawing/2010/main" val="0"/>
+              </a:ext>
+            </a:extLst>
+          </a:blip>
+          <a:stretch>
+            <a:fillRect/>
+          </a:stretch>
+        </p:blipFill>
+        <p:spPr>
+          <a:xfrm>
+            <a:off x="5983685" y="5150940"/>
+            <a:ext cx="712439" cy="712439"/>
+          </a:xfrm>
+          <a:prstGeom prst="rect">
+            <a:avLst/>
+          </a:prstGeom>
+        </p:spPr>
+      </p:pic>
+      <p:pic>
+        <p:nvPicPr>
+          <p:cNvPr id="39" name="Picture 38">
+            <a:extLst>
+              <a:ext uri="{FF2B5EF4-FFF2-40B4-BE49-F238E27FC236}">
+                <a16:creationId xmlns:a16="http://schemas.microsoft.com/office/drawing/2014/main" id="{03B53FD6-62FE-4E68-AF49-6024618993FD}"/>
+              </a:ext>
+            </a:extLst>
+          </p:cNvPr>
+          <p:cNvPicPr>
+            <a:picLocks noChangeAspect="1"/>
+          </p:cNvPicPr>
+          <p:nvPr/>
+        </p:nvPicPr>
+        <p:blipFill>
+          <a:blip r:embed="rId6">
+            <a:extLst>
+              <a:ext uri="{28A0092B-C50C-407E-A947-70E740481C1C}">
+                <a14:useLocalDpi xmlns:a14="http://schemas.microsoft.com/office/drawing/2010/main" val="0"/>
+              </a:ext>
+            </a:extLst>
+          </a:blip>
+          <a:stretch>
+            <a:fillRect/>
+          </a:stretch>
+        </p:blipFill>
+        <p:spPr>
+          <a:xfrm>
+            <a:off x="6379217" y="5556853"/>
+            <a:ext cx="523220" cy="523220"/>
+          </a:xfrm>
+          <a:prstGeom prst="rect">
+            <a:avLst/>
+          </a:prstGeom>
+        </p:spPr>
+      </p:pic>
+      <p:sp>
+        <p:nvSpPr>
+          <p:cNvPr id="40" name="TextBox 39">
+            <a:extLst>
+              <a:ext uri="{FF2B5EF4-FFF2-40B4-BE49-F238E27FC236}">
+                <a16:creationId xmlns:a16="http://schemas.microsoft.com/office/drawing/2014/main" id="{79A9E114-B39D-4EA2-B489-4D7334AD1A23}"/>
+              </a:ext>
+            </a:extLst>
+          </p:cNvPr>
+          <p:cNvSpPr txBox="1"/>
+          <p:nvPr/>
+        </p:nvSpPr>
+        <p:spPr>
+          <a:xfrm>
+            <a:off x="5889168" y="5952979"/>
+            <a:ext cx="1249528" cy="523220"/>
+          </a:xfrm>
+          <a:prstGeom prst="rect">
+            <a:avLst/>
+          </a:prstGeom>
+          <a:noFill/>
+        </p:spPr>
+        <p:txBody>
+          <a:bodyPr wrap="square" rtlCol="0">
+            <a:spAutoFit/>
+          </a:bodyPr>
+          <a:lstStyle/>
+          <a:p>
+            <a:pPr algn="ctr"/>
+            <a:r>
+              <a:rPr lang="es-MX" sz="1400" b="1" dirty="0"/>
+              <a:t>Redimensión de imagen</a:t>
+            </a:r>
+          </a:p>
+        </p:txBody>
+      </p:sp>
+      <p:pic>
+        <p:nvPicPr>
+          <p:cNvPr id="15" name="Picture 14">
+            <a:extLst>
+              <a:ext uri="{FF2B5EF4-FFF2-40B4-BE49-F238E27FC236}">
+                <a16:creationId xmlns:a16="http://schemas.microsoft.com/office/drawing/2014/main" id="{D6239A37-728A-461D-B465-B65C251AD2DF}"/>
+              </a:ext>
+            </a:extLst>
+          </p:cNvPr>
+          <p:cNvPicPr>
+            <a:picLocks noChangeAspect="1"/>
+          </p:cNvPicPr>
+          <p:nvPr/>
+        </p:nvPicPr>
+        <p:blipFill>
+          <a:blip r:embed="rId7">
+            <a:extLst>
+              <a:ext uri="{28A0092B-C50C-407E-A947-70E740481C1C}">
+                <a14:useLocalDpi xmlns:a14="http://schemas.microsoft.com/office/drawing/2010/main" val="0"/>
+              </a:ext>
+            </a:extLst>
+          </a:blip>
+          <a:stretch>
+            <a:fillRect/>
+          </a:stretch>
+        </p:blipFill>
+        <p:spPr>
+          <a:xfrm>
+            <a:off x="8775035" y="5248195"/>
+            <a:ext cx="703560" cy="703560"/>
+          </a:xfrm>
+          <a:prstGeom prst="rect">
+            <a:avLst/>
+          </a:prstGeom>
+        </p:spPr>
+      </p:pic>
+      <p:sp>
+        <p:nvSpPr>
+          <p:cNvPr id="34" name="Rectangle 33">
+            <a:extLst>
+              <a:ext uri="{FF2B5EF4-FFF2-40B4-BE49-F238E27FC236}">
+                <a16:creationId xmlns:a16="http://schemas.microsoft.com/office/drawing/2014/main" id="{ABA147B4-366A-41A4-9C97-DBBB6BFD7A51}"/>
               </a:ext>
             </a:extLst>
           </p:cNvPr>
@@ -5197,8 +5997,8 @@
         </p:nvSpPr>
         <p:spPr>
           <a:xfrm>
-            <a:off x="3074125" y="4314780"/>
-            <a:ext cx="690154" cy="548640"/>
+            <a:off x="2676698" y="3149542"/>
+            <a:ext cx="965663" cy="548640"/>
           </a:xfrm>
           <a:prstGeom prst="rect">
             <a:avLst/>
@@ -5258,209 +6058,17 @@
                   <a:schemeClr val="tx1"/>
                 </a:solidFill>
               </a:rPr>
-              <a:t> (16%)</a:t>
-            </a:r>
-          </a:p>
-        </p:txBody>
-      </p:sp>
-      <p:sp>
-        <p:nvSpPr>
-          <p:cNvPr id="8" name="Arrow: Right 7">
-            <a:extLst>
-              <a:ext uri="{FF2B5EF4-FFF2-40B4-BE49-F238E27FC236}">
-                <a16:creationId xmlns:a16="http://schemas.microsoft.com/office/drawing/2014/main" id="{55D56978-D548-4117-BE18-D9557F24694E}"/>
-              </a:ext>
-            </a:extLst>
-          </p:cNvPr>
-          <p:cNvSpPr/>
-          <p:nvPr/>
-        </p:nvSpPr>
-        <p:spPr>
-          <a:xfrm rot="5400000">
-            <a:off x="2438400" y="3703322"/>
-            <a:ext cx="457200" cy="594360"/>
-          </a:xfrm>
-          <a:prstGeom prst="rightArrow">
-            <a:avLst/>
-          </a:prstGeom>
-          <a:solidFill>
-            <a:schemeClr val="bg2">
-              <a:lumMod val="25000"/>
-            </a:schemeClr>
-          </a:solidFill>
-          <a:ln>
-            <a:solidFill>
-              <a:schemeClr val="tx1"/>
-            </a:solidFill>
-          </a:ln>
-        </p:spPr>
-        <p:style>
-          <a:lnRef idx="2">
-            <a:schemeClr val="accent1">
-              <a:shade val="50000"/>
-            </a:schemeClr>
-          </a:lnRef>
-          <a:fillRef idx="1">
-            <a:schemeClr val="accent1"/>
-          </a:fillRef>
-          <a:effectRef idx="0">
-            <a:schemeClr val="accent1"/>
-          </a:effectRef>
-          <a:fontRef idx="minor">
-            <a:schemeClr val="lt1"/>
-          </a:fontRef>
-        </p:style>
-        <p:txBody>
-          <a:bodyPr rtlCol="0" anchor="ctr"/>
-          <a:lstStyle/>
-          <a:p>
-            <a:pPr algn="ctr"/>
-            <a:endParaRPr lang="es-MX"/>
-          </a:p>
-        </p:txBody>
-      </p:sp>
-      <p:sp>
-        <p:nvSpPr>
-          <p:cNvPr id="9" name="Arrow: Right 8">
-            <a:extLst>
-              <a:ext uri="{FF2B5EF4-FFF2-40B4-BE49-F238E27FC236}">
-                <a16:creationId xmlns:a16="http://schemas.microsoft.com/office/drawing/2014/main" id="{56AB8482-1CC2-4D7D-A74C-04E4AD7E7E72}"/>
-              </a:ext>
-            </a:extLst>
-          </p:cNvPr>
-          <p:cNvSpPr/>
-          <p:nvPr/>
-        </p:nvSpPr>
-        <p:spPr>
-          <a:xfrm rot="5400000">
-            <a:off x="2438400" y="2549934"/>
-            <a:ext cx="457200" cy="594360"/>
-          </a:xfrm>
-          <a:prstGeom prst="rightArrow">
-            <a:avLst/>
-          </a:prstGeom>
-          <a:solidFill>
-            <a:schemeClr val="bg2">
-              <a:lumMod val="25000"/>
-            </a:schemeClr>
-          </a:solidFill>
-          <a:ln>
-            <a:solidFill>
-              <a:schemeClr val="tx1"/>
-            </a:solidFill>
-          </a:ln>
-        </p:spPr>
-        <p:style>
-          <a:lnRef idx="2">
-            <a:schemeClr val="accent1">
-              <a:shade val="50000"/>
-            </a:schemeClr>
-          </a:lnRef>
-          <a:fillRef idx="1">
-            <a:schemeClr val="accent1"/>
-          </a:fillRef>
-          <a:effectRef idx="0">
-            <a:schemeClr val="accent1"/>
-          </a:effectRef>
-          <a:fontRef idx="minor">
-            <a:schemeClr val="lt1"/>
-          </a:fontRef>
-        </p:style>
-        <p:txBody>
-          <a:bodyPr rtlCol="0" anchor="ctr"/>
-          <a:lstStyle/>
-          <a:p>
-            <a:pPr algn="ctr"/>
-            <a:endParaRPr lang="es-MX"/>
-          </a:p>
-        </p:txBody>
-      </p:sp>
-      <p:sp>
-        <p:nvSpPr>
-          <p:cNvPr id="10" name="Rectangle 9">
-            <a:extLst>
-              <a:ext uri="{FF2B5EF4-FFF2-40B4-BE49-F238E27FC236}">
-                <a16:creationId xmlns:a16="http://schemas.microsoft.com/office/drawing/2014/main" id="{BA928598-5660-4C85-9FFC-A788D6FCF313}"/>
-              </a:ext>
-            </a:extLst>
-          </p:cNvPr>
-          <p:cNvSpPr/>
-          <p:nvPr/>
-        </p:nvSpPr>
-        <p:spPr>
-          <a:xfrm>
-            <a:off x="3764280" y="4314779"/>
-            <a:ext cx="731520" cy="548640"/>
-          </a:xfrm>
-          <a:prstGeom prst="rect">
-            <a:avLst/>
-          </a:prstGeom>
-          <a:solidFill>
-            <a:schemeClr val="accent2">
-              <a:lumMod val="60000"/>
-              <a:lumOff val="40000"/>
-            </a:schemeClr>
-          </a:solidFill>
-          <a:ln>
-            <a:solidFill>
-              <a:schemeClr val="tx1"/>
-            </a:solidFill>
-          </a:ln>
-        </p:spPr>
-        <p:style>
-          <a:lnRef idx="2">
-            <a:schemeClr val="accent1">
-              <a:shade val="50000"/>
-            </a:schemeClr>
-          </a:lnRef>
-          <a:fillRef idx="1">
-            <a:schemeClr val="accent1"/>
-          </a:fillRef>
-          <a:effectRef idx="0">
-            <a:schemeClr val="accent1"/>
-          </a:effectRef>
-          <a:fontRef idx="minor">
-            <a:schemeClr val="lt1"/>
-          </a:fontRef>
-        </p:style>
-        <p:txBody>
-          <a:bodyPr rtlCol="0" anchor="ctr"/>
-          <a:lstStyle/>
-          <a:p>
-            <a:pPr algn="ctr"/>
-            <a:r>
-              <a:rPr lang="es-MX" sz="1200" dirty="0">
-                <a:solidFill>
-                  <a:schemeClr val="tx1"/>
-                </a:solidFill>
-              </a:rPr>
-              <a:t>Test </a:t>
-            </a:r>
-            <a:r>
-              <a:rPr lang="es-MX" sz="1200" dirty="0" err="1">
-                <a:solidFill>
-                  <a:schemeClr val="tx1"/>
-                </a:solidFill>
-              </a:rPr>
-              <a:t>dataset</a:t>
-            </a:r>
-            <a:r>
-              <a:rPr lang="es-MX" sz="1200" dirty="0">
-                <a:solidFill>
-                  <a:schemeClr val="tx1"/>
-                </a:solidFill>
-              </a:rPr>
-              <a:t> (20%)</a:t>
+              <a:t> (25%)</a:t>
             </a:r>
           </a:p>
         </p:txBody>
       </p:sp>
       <p:pic>
         <p:nvPicPr>
-          <p:cNvPr id="12" name="Picture 11">
-            <a:extLst>
-              <a:ext uri="{FF2B5EF4-FFF2-40B4-BE49-F238E27FC236}">
-                <a16:creationId xmlns:a16="http://schemas.microsoft.com/office/drawing/2014/main" id="{0A134F57-B112-48B4-8AF4-C8847169D4B4}"/>
+          <p:cNvPr id="41" name="Picture 40">
+            <a:extLst>
+              <a:ext uri="{FF2B5EF4-FFF2-40B4-BE49-F238E27FC236}">
+                <a16:creationId xmlns:a16="http://schemas.microsoft.com/office/drawing/2014/main" id="{7B242B1A-2C4D-4304-8C9C-FDD277238B30}"/>
               </a:ext>
             </a:extLst>
           </p:cNvPr>
@@ -5483,20 +6091,92 @@
         </p:blipFill>
         <p:spPr>
           <a:xfrm>
-            <a:off x="5014266" y="1994581"/>
-            <a:ext cx="403554" cy="403554"/>
+            <a:off x="6435395" y="2478317"/>
+            <a:ext cx="312268" cy="312268"/>
           </a:xfrm>
           <a:prstGeom prst="rect">
             <a:avLst/>
           </a:prstGeom>
         </p:spPr>
       </p:pic>
-      <p:sp>
-        <p:nvSpPr>
-          <p:cNvPr id="13" name="TextBox 12">
-            <a:extLst>
-              <a:ext uri="{FF2B5EF4-FFF2-40B4-BE49-F238E27FC236}">
-                <a16:creationId xmlns:a16="http://schemas.microsoft.com/office/drawing/2014/main" id="{254000B1-B855-49D7-88C8-F80AD7F99953}"/>
+      <p:pic>
+        <p:nvPicPr>
+          <p:cNvPr id="1193" name="Picture 1192">
+            <a:extLst>
+              <a:ext uri="{FF2B5EF4-FFF2-40B4-BE49-F238E27FC236}">
+                <a16:creationId xmlns:a16="http://schemas.microsoft.com/office/drawing/2014/main" id="{277C91C4-9414-45CC-9277-012822BADE8F}"/>
+              </a:ext>
+            </a:extLst>
+          </p:cNvPr>
+          <p:cNvPicPr>
+            <a:picLocks noChangeAspect="1"/>
+          </p:cNvPicPr>
+          <p:nvPr/>
+        </p:nvPicPr>
+        <p:blipFill>
+          <a:blip r:embed="rId2">
+            <a:extLst>
+              <a:ext uri="{28A0092B-C50C-407E-A947-70E740481C1C}">
+                <a14:useLocalDpi xmlns:a14="http://schemas.microsoft.com/office/drawing/2010/main" val="0"/>
+              </a:ext>
+            </a:extLst>
+          </a:blip>
+          <a:stretch>
+            <a:fillRect/>
+          </a:stretch>
+        </p:blipFill>
+        <p:spPr>
+          <a:xfrm>
+            <a:off x="6982996" y="2502029"/>
+            <a:ext cx="259702" cy="259702"/>
+          </a:xfrm>
+          <a:prstGeom prst="rect">
+            <a:avLst/>
+          </a:prstGeom>
+        </p:spPr>
+      </p:pic>
+      <p:pic>
+        <p:nvPicPr>
+          <p:cNvPr id="42" name="Picture 41">
+            <a:extLst>
+              <a:ext uri="{FF2B5EF4-FFF2-40B4-BE49-F238E27FC236}">
+                <a16:creationId xmlns:a16="http://schemas.microsoft.com/office/drawing/2014/main" id="{DB6CFCE8-1FD3-4B6C-9E6C-28D66409369C}"/>
+              </a:ext>
+            </a:extLst>
+          </p:cNvPr>
+          <p:cNvPicPr>
+            <a:picLocks noChangeAspect="1"/>
+          </p:cNvPicPr>
+          <p:nvPr/>
+        </p:nvPicPr>
+        <p:blipFill>
+          <a:blip r:embed="rId4">
+            <a:extLst>
+              <a:ext uri="{28A0092B-C50C-407E-A947-70E740481C1C}">
+                <a14:useLocalDpi xmlns:a14="http://schemas.microsoft.com/office/drawing/2010/main" val="0"/>
+              </a:ext>
+            </a:extLst>
+          </a:blip>
+          <a:stretch>
+            <a:fillRect/>
+          </a:stretch>
+        </p:blipFill>
+        <p:spPr>
+          <a:xfrm>
+            <a:off x="7033999" y="2594253"/>
+            <a:ext cx="157695" cy="157695"/>
+          </a:xfrm>
+          <a:prstGeom prst="rect">
+            <a:avLst/>
+          </a:prstGeom>
+        </p:spPr>
+      </p:pic>
+      <p:sp>
+        <p:nvSpPr>
+          <p:cNvPr id="1194" name="TextBox 1193">
+            <a:extLst>
+              <a:ext uri="{FF2B5EF4-FFF2-40B4-BE49-F238E27FC236}">
+                <a16:creationId xmlns:a16="http://schemas.microsoft.com/office/drawing/2014/main" id="{AAB42C51-6091-4032-BA2F-FC86935DF565}"/>
               </a:ext>
             </a:extLst>
           </p:cNvPr>
@@ -5505,7 +6185,7 @@
         </p:nvSpPr>
         <p:spPr>
           <a:xfrm>
-            <a:off x="6199428" y="3018102"/>
+            <a:off x="6133696" y="2184971"/>
             <a:ext cx="871537" cy="261610"/>
           </a:xfrm>
           <a:prstGeom prst="rect">
@@ -5521,23 +6201,98 @@
           <a:p>
             <a:pPr algn="ctr"/>
             <a:r>
-              <a:rPr lang="es-MX" sz="1050" dirty="0"/>
-              <a:t>non-</a:t>
-            </a:r>
-            <a:r>
               <a:rPr lang="es-MX" sz="1050" dirty="0" err="1"/>
-              <a:t>vehicles</a:t>
+              <a:t>label</a:t>
             </a:r>
             <a:endParaRPr lang="es-MX" sz="1050" dirty="0"/>
           </a:p>
         </p:txBody>
       </p:sp>
-      <p:sp>
-        <p:nvSpPr>
-          <p:cNvPr id="14" name="TextBox 13">
-            <a:extLst>
-              <a:ext uri="{FF2B5EF4-FFF2-40B4-BE49-F238E27FC236}">
-                <a16:creationId xmlns:a16="http://schemas.microsoft.com/office/drawing/2014/main" id="{0BD29A6F-4950-4BB4-9BC2-CA79B820C9A1}"/>
+      <p:cxnSp>
+        <p:nvCxnSpPr>
+          <p:cNvPr id="1195" name="Connector: Elbow 1194">
+            <a:extLst>
+              <a:ext uri="{FF2B5EF4-FFF2-40B4-BE49-F238E27FC236}">
+                <a16:creationId xmlns:a16="http://schemas.microsoft.com/office/drawing/2014/main" id="{99B66122-3EC9-427B-A9D0-7A8FAE37F5A9}"/>
+              </a:ext>
+            </a:extLst>
+          </p:cNvPr>
+          <p:cNvCxnSpPr>
+            <a:cxnSpLocks/>
+          </p:cNvCxnSpPr>
+          <p:nvPr/>
+        </p:nvCxnSpPr>
+        <p:spPr>
+          <a:xfrm rot="16200000" flipH="1">
+            <a:off x="6095622" y="3947542"/>
+            <a:ext cx="236316" cy="365760"/>
+          </a:xfrm>
+          <a:prstGeom prst="bentConnector2">
+            <a:avLst/>
+          </a:prstGeom>
+          <a:ln w="19050">
+            <a:solidFill>
+              <a:schemeClr val="tx1"/>
+            </a:solidFill>
+          </a:ln>
+        </p:spPr>
+        <p:style>
+          <a:lnRef idx="1">
+            <a:schemeClr val="accent1"/>
+          </a:lnRef>
+          <a:fillRef idx="0">
+            <a:schemeClr val="accent1"/>
+          </a:fillRef>
+          <a:effectRef idx="0">
+            <a:schemeClr val="accent1"/>
+          </a:effectRef>
+          <a:fontRef idx="minor">
+            <a:schemeClr val="tx1"/>
+          </a:fontRef>
+        </p:style>
+      </p:cxnSp>
+      <p:pic>
+        <p:nvPicPr>
+          <p:cNvPr id="1196" name="Picture 1195">
+            <a:extLst>
+              <a:ext uri="{FF2B5EF4-FFF2-40B4-BE49-F238E27FC236}">
+                <a16:creationId xmlns:a16="http://schemas.microsoft.com/office/drawing/2014/main" id="{2B15046E-03F1-41D0-9D58-730743181035}"/>
+              </a:ext>
+            </a:extLst>
+          </p:cNvPr>
+          <p:cNvPicPr>
+            <a:picLocks noChangeAspect="1"/>
+          </p:cNvPicPr>
+          <p:nvPr/>
+        </p:nvPicPr>
+        <p:blipFill>
+          <a:blip r:embed="rId2">
+            <a:extLst>
+              <a:ext uri="{28A0092B-C50C-407E-A947-70E740481C1C}">
+                <a14:useLocalDpi xmlns:a14="http://schemas.microsoft.com/office/drawing/2010/main" val="0"/>
+              </a:ext>
+            </a:extLst>
+          </a:blip>
+          <a:stretch>
+            <a:fillRect/>
+          </a:stretch>
+        </p:blipFill>
+        <p:spPr>
+          <a:xfrm>
+            <a:off x="6396661" y="4022370"/>
+            <a:ext cx="312268" cy="312268"/>
+          </a:xfrm>
+          <a:prstGeom prst="rect">
+            <a:avLst/>
+          </a:prstGeom>
+        </p:spPr>
+      </p:pic>
+      <p:sp>
+        <p:nvSpPr>
+          <p:cNvPr id="1197" name="TextBox 1196">
+            <a:extLst>
+              <a:ext uri="{FF2B5EF4-FFF2-40B4-BE49-F238E27FC236}">
+                <a16:creationId xmlns:a16="http://schemas.microsoft.com/office/drawing/2014/main" id="{F9D8E43F-8389-49E0-A0D2-FE4E5018C2C5}"/>
               </a:ext>
             </a:extLst>
           </p:cNvPr>
@@ -5546,7 +6301,7 @@
         </p:nvSpPr>
         <p:spPr>
           <a:xfrm>
-            <a:off x="6199428" y="2540092"/>
+            <a:off x="6117027" y="3809631"/>
             <a:ext cx="871537" cy="261610"/>
           </a:xfrm>
           <a:prstGeom prst="rect">
@@ -5563,34 +6318,223 @@
             <a:pPr algn="ctr"/>
             <a:r>
               <a:rPr lang="es-MX" sz="1050" dirty="0" err="1"/>
-              <a:t>vehicles</a:t>
+              <a:t>label</a:t>
             </a:r>
             <a:endParaRPr lang="es-MX" sz="1050" dirty="0"/>
           </a:p>
         </p:txBody>
       </p:sp>
+      <p:pic>
+        <p:nvPicPr>
+          <p:cNvPr id="1199" name="Picture 1198">
+            <a:extLst>
+              <a:ext uri="{FF2B5EF4-FFF2-40B4-BE49-F238E27FC236}">
+                <a16:creationId xmlns:a16="http://schemas.microsoft.com/office/drawing/2014/main" id="{89A1EA8F-52D6-40CF-AF0D-EDACDC51F983}"/>
+              </a:ext>
+            </a:extLst>
+          </p:cNvPr>
+          <p:cNvPicPr>
+            <a:picLocks noChangeAspect="1"/>
+          </p:cNvPicPr>
+          <p:nvPr/>
+        </p:nvPicPr>
+        <p:blipFill>
+          <a:blip r:embed="rId2">
+            <a:extLst>
+              <a:ext uri="{28A0092B-C50C-407E-A947-70E740481C1C}">
+                <a14:useLocalDpi xmlns:a14="http://schemas.microsoft.com/office/drawing/2010/main" val="0"/>
+              </a:ext>
+            </a:extLst>
+          </a:blip>
+          <a:stretch>
+            <a:fillRect/>
+          </a:stretch>
+        </p:blipFill>
+        <p:spPr>
+          <a:xfrm>
+            <a:off x="6823707" y="4368353"/>
+            <a:ext cx="259702" cy="259702"/>
+          </a:xfrm>
+          <a:prstGeom prst="rect">
+            <a:avLst/>
+          </a:prstGeom>
+        </p:spPr>
+      </p:pic>
+      <p:pic>
+        <p:nvPicPr>
+          <p:cNvPr id="1200" name="Picture 1199">
+            <a:extLst>
+              <a:ext uri="{FF2B5EF4-FFF2-40B4-BE49-F238E27FC236}">
+                <a16:creationId xmlns:a16="http://schemas.microsoft.com/office/drawing/2014/main" id="{FBC5B4C9-5990-49C5-BB7D-D27EFD96342D}"/>
+              </a:ext>
+            </a:extLst>
+          </p:cNvPr>
+          <p:cNvPicPr>
+            <a:picLocks noChangeAspect="1"/>
+          </p:cNvPicPr>
+          <p:nvPr/>
+        </p:nvPicPr>
+        <p:blipFill>
+          <a:blip r:embed="rId4">
+            <a:extLst>
+              <a:ext uri="{28A0092B-C50C-407E-A947-70E740481C1C}">
+                <a14:useLocalDpi xmlns:a14="http://schemas.microsoft.com/office/drawing/2010/main" val="0"/>
+              </a:ext>
+            </a:extLst>
+          </a:blip>
+          <a:stretch>
+            <a:fillRect/>
+          </a:stretch>
+        </p:blipFill>
+        <p:spPr>
+          <a:xfrm>
+            <a:off x="6874710" y="4460577"/>
+            <a:ext cx="157695" cy="157695"/>
+          </a:xfrm>
+          <a:prstGeom prst="rect">
+            <a:avLst/>
+          </a:prstGeom>
+        </p:spPr>
+      </p:pic>
       <p:cxnSp>
         <p:nvCxnSpPr>
-          <p:cNvPr id="16" name="Connector: Elbow 15">
-            <a:extLst>
-              <a:ext uri="{FF2B5EF4-FFF2-40B4-BE49-F238E27FC236}">
-                <a16:creationId xmlns:a16="http://schemas.microsoft.com/office/drawing/2014/main" id="{AB3D122B-73EC-4927-8D81-66A5C321ACE7}"/>
+          <p:cNvPr id="1201" name="Connector: Elbow 1200">
+            <a:extLst>
+              <a:ext uri="{FF2B5EF4-FFF2-40B4-BE49-F238E27FC236}">
+                <a16:creationId xmlns:a16="http://schemas.microsoft.com/office/drawing/2014/main" id="{E555F258-707B-4449-8F38-1CF27C807FB6}"/>
               </a:ext>
             </a:extLst>
           </p:cNvPr>
           <p:cNvCxnSpPr>
             <a:cxnSpLocks/>
-            <a:stCxn id="12" idx="2"/>
-            <a:endCxn id="33" idx="1"/>
           </p:cNvCxnSpPr>
           <p:nvPr/>
         </p:nvCxnSpPr>
         <p:spPr>
           <a:xfrm rot="16200000" flipH="1">
-            <a:off x="5142002" y="2472175"/>
-            <a:ext cx="750772" cy="602691"/>
+            <a:off x="6595107" y="4282663"/>
+            <a:ext cx="182880" cy="274320"/>
           </a:xfrm>
           <a:prstGeom prst="bentConnector2">
+            <a:avLst/>
+          </a:prstGeom>
+          <a:ln w="19050">
+            <a:solidFill>
+              <a:schemeClr val="tx1"/>
+            </a:solidFill>
+          </a:ln>
+        </p:spPr>
+        <p:style>
+          <a:lnRef idx="1">
+            <a:schemeClr val="accent1"/>
+          </a:lnRef>
+          <a:fillRef idx="0">
+            <a:schemeClr val="accent1"/>
+          </a:fillRef>
+          <a:effectRef idx="0">
+            <a:schemeClr val="accent1"/>
+          </a:effectRef>
+          <a:fontRef idx="minor">
+            <a:schemeClr val="tx1"/>
+          </a:fontRef>
+        </p:style>
+      </p:cxnSp>
+      <p:sp>
+        <p:nvSpPr>
+          <p:cNvPr id="1202" name="TextBox 1201">
+            <a:extLst>
+              <a:ext uri="{FF2B5EF4-FFF2-40B4-BE49-F238E27FC236}">
+                <a16:creationId xmlns:a16="http://schemas.microsoft.com/office/drawing/2014/main" id="{6501A37C-B84B-449C-BF8B-17A3A3B41263}"/>
+              </a:ext>
+            </a:extLst>
+          </p:cNvPr>
+          <p:cNvSpPr txBox="1"/>
+          <p:nvPr/>
+        </p:nvSpPr>
+        <p:spPr>
+          <a:xfrm>
+            <a:off x="6698999" y="4143717"/>
+            <a:ext cx="523220" cy="246221"/>
+          </a:xfrm>
+          <a:prstGeom prst="rect">
+            <a:avLst/>
+          </a:prstGeom>
+          <a:noFill/>
+        </p:spPr>
+        <p:txBody>
+          <a:bodyPr wrap="square" rtlCol="0">
+            <a:spAutoFit/>
+          </a:bodyPr>
+          <a:lstStyle/>
+          <a:p>
+            <a:pPr algn="ctr"/>
+            <a:r>
+              <a:rPr lang="es-MX" sz="1000" dirty="0" err="1"/>
+              <a:t>model</a:t>
+            </a:r>
+            <a:endParaRPr lang="es-MX" sz="1000" dirty="0"/>
+          </a:p>
+        </p:txBody>
+      </p:sp>
+      <p:sp>
+        <p:nvSpPr>
+          <p:cNvPr id="1203" name="TextBox 1202">
+            <a:extLst>
+              <a:ext uri="{FF2B5EF4-FFF2-40B4-BE49-F238E27FC236}">
+                <a16:creationId xmlns:a16="http://schemas.microsoft.com/office/drawing/2014/main" id="{80F556E7-A0A4-42F4-8246-2550D7AE7A3B}"/>
+              </a:ext>
+            </a:extLst>
+          </p:cNvPr>
+          <p:cNvSpPr txBox="1"/>
+          <p:nvPr/>
+        </p:nvSpPr>
+        <p:spPr>
+          <a:xfrm>
+            <a:off x="6865329" y="2187174"/>
+            <a:ext cx="523220" cy="246221"/>
+          </a:xfrm>
+          <a:prstGeom prst="rect">
+            <a:avLst/>
+          </a:prstGeom>
+          <a:noFill/>
+        </p:spPr>
+        <p:txBody>
+          <a:bodyPr wrap="square" rtlCol="0">
+            <a:spAutoFit/>
+          </a:bodyPr>
+          <a:lstStyle/>
+          <a:p>
+            <a:pPr algn="ctr"/>
+            <a:r>
+              <a:rPr lang="es-MX" sz="1000" dirty="0" err="1"/>
+              <a:t>model</a:t>
+            </a:r>
+            <a:endParaRPr lang="es-MX" sz="1000" dirty="0"/>
+          </a:p>
+        </p:txBody>
+      </p:sp>
+      <p:cxnSp>
+        <p:nvCxnSpPr>
+          <p:cNvPr id="1205" name="Straight Connector 1204">
+            <a:extLst>
+              <a:ext uri="{FF2B5EF4-FFF2-40B4-BE49-F238E27FC236}">
+                <a16:creationId xmlns:a16="http://schemas.microsoft.com/office/drawing/2014/main" id="{EB2DB438-0447-466B-91FF-EA3E811C3C4B}"/>
+              </a:ext>
+            </a:extLst>
+          </p:cNvPr>
+          <p:cNvCxnSpPr>
+            <a:cxnSpLocks/>
+            <a:stCxn id="41" idx="1"/>
+            <a:endCxn id="31" idx="3"/>
+          </p:cNvCxnSpPr>
+          <p:nvPr/>
+        </p:nvCxnSpPr>
+        <p:spPr>
+          <a:xfrm flipH="1">
+            <a:off x="6222288" y="2634451"/>
+            <a:ext cx="213107" cy="0"/>
+          </a:xfrm>
+          <a:prstGeom prst="line">
             <a:avLst/>
           </a:prstGeom>
           <a:ln w="19050">
@@ -5616,417 +6560,32 @@
       </p:cxnSp>
       <p:cxnSp>
         <p:nvCxnSpPr>
-          <p:cNvPr id="17" name="Connector: Elbow 16">
-            <a:extLst>
-              <a:ext uri="{FF2B5EF4-FFF2-40B4-BE49-F238E27FC236}">
-                <a16:creationId xmlns:a16="http://schemas.microsoft.com/office/drawing/2014/main" id="{94B2C53B-00B7-4C12-9EFE-F6C8A0232972}"/>
+          <p:cNvPr id="1208" name="Straight Connector 1207">
+            <a:extLst>
+              <a:ext uri="{FF2B5EF4-FFF2-40B4-BE49-F238E27FC236}">
+                <a16:creationId xmlns:a16="http://schemas.microsoft.com/office/drawing/2014/main" id="{7D22FA56-2AFC-43E8-BA2C-BDD4DC98D0B0}"/>
               </a:ext>
             </a:extLst>
           </p:cNvPr>
           <p:cNvCxnSpPr>
             <a:cxnSpLocks/>
-            <a:stCxn id="12" idx="2"/>
-            <a:endCxn id="31" idx="1"/>
+            <a:stCxn id="1193" idx="1"/>
+            <a:endCxn id="41" idx="3"/>
           </p:cNvCxnSpPr>
           <p:nvPr/>
         </p:nvCxnSpPr>
         <p:spPr>
-          <a:xfrm rot="16200000" flipH="1">
-            <a:off x="5399230" y="2214947"/>
-            <a:ext cx="236316" cy="602691"/>
-          </a:xfrm>
-          <a:prstGeom prst="bentConnector2">
+          <a:xfrm flipH="1">
+            <a:off x="6747663" y="2631880"/>
+            <a:ext cx="235333" cy="2571"/>
+          </a:xfrm>
+          <a:prstGeom prst="line">
             <a:avLst/>
           </a:prstGeom>
           <a:ln w="19050">
             <a:solidFill>
               <a:schemeClr val="tx1"/>
             </a:solidFill>
-          </a:ln>
-        </p:spPr>
-        <p:style>
-          <a:lnRef idx="1">
-            <a:schemeClr val="accent1"/>
-          </a:lnRef>
-          <a:fillRef idx="0">
-            <a:schemeClr val="accent1"/>
-          </a:fillRef>
-          <a:effectRef idx="0">
-            <a:schemeClr val="accent1"/>
-          </a:effectRef>
-          <a:fontRef idx="minor">
-            <a:schemeClr val="tx1"/>
-          </a:fontRef>
-        </p:style>
-      </p:cxnSp>
-      <p:sp>
-        <p:nvSpPr>
-          <p:cNvPr id="20" name="TextBox 19">
-            <a:extLst>
-              <a:ext uri="{FF2B5EF4-FFF2-40B4-BE49-F238E27FC236}">
-                <a16:creationId xmlns:a16="http://schemas.microsoft.com/office/drawing/2014/main" id="{3D8A9CA6-509C-4165-812D-639E97583342}"/>
-              </a:ext>
-            </a:extLst>
-          </p:cNvPr>
-          <p:cNvSpPr txBox="1"/>
-          <p:nvPr/>
-        </p:nvSpPr>
-        <p:spPr>
-          <a:xfrm>
-            <a:off x="5293199" y="2026894"/>
-            <a:ext cx="871537" cy="261610"/>
-          </a:xfrm>
-          <a:prstGeom prst="rect">
-            <a:avLst/>
-          </a:prstGeom>
-          <a:noFill/>
-        </p:spPr>
-        <p:txBody>
-          <a:bodyPr wrap="square" rtlCol="0">
-            <a:spAutoFit/>
-          </a:bodyPr>
-          <a:lstStyle/>
-          <a:p>
-            <a:pPr algn="ctr"/>
-            <a:r>
-              <a:rPr lang="es-MX" sz="1050" b="1" dirty="0" err="1"/>
-              <a:t>dataset</a:t>
-            </a:r>
-            <a:endParaRPr lang="es-MX" sz="1050" b="1" dirty="0"/>
-          </a:p>
-        </p:txBody>
-      </p:sp>
-      <p:pic>
-        <p:nvPicPr>
-          <p:cNvPr id="31" name="Picture 30">
-            <a:extLst>
-              <a:ext uri="{FF2B5EF4-FFF2-40B4-BE49-F238E27FC236}">
-                <a16:creationId xmlns:a16="http://schemas.microsoft.com/office/drawing/2014/main" id="{3FCD83DA-C39E-4115-9A61-382241AEA6D4}"/>
-              </a:ext>
-            </a:extLst>
-          </p:cNvPr>
-          <p:cNvPicPr>
-            <a:picLocks noChangeAspect="1"/>
-          </p:cNvPicPr>
-          <p:nvPr/>
-        </p:nvPicPr>
-        <p:blipFill>
-          <a:blip r:embed="rId2">
-            <a:extLst>
-              <a:ext uri="{28A0092B-C50C-407E-A947-70E740481C1C}">
-                <a14:useLocalDpi xmlns:a14="http://schemas.microsoft.com/office/drawing/2010/main" val="0"/>
-              </a:ext>
-            </a:extLst>
-          </a:blip>
-          <a:stretch>
-            <a:fillRect/>
-          </a:stretch>
-        </p:blipFill>
-        <p:spPr>
-          <a:xfrm>
-            <a:off x="5818734" y="2432674"/>
-            <a:ext cx="403554" cy="403554"/>
-          </a:xfrm>
-          <a:prstGeom prst="rect">
-            <a:avLst/>
-          </a:prstGeom>
-        </p:spPr>
-      </p:pic>
-      <p:pic>
-        <p:nvPicPr>
-          <p:cNvPr id="33" name="Picture 32">
-            <a:extLst>
-              <a:ext uri="{FF2B5EF4-FFF2-40B4-BE49-F238E27FC236}">
-                <a16:creationId xmlns:a16="http://schemas.microsoft.com/office/drawing/2014/main" id="{8B4646AA-3C74-40F5-A615-A0ABF666CEBF}"/>
-              </a:ext>
-            </a:extLst>
-          </p:cNvPr>
-          <p:cNvPicPr>
-            <a:picLocks noChangeAspect="1"/>
-          </p:cNvPicPr>
-          <p:nvPr/>
-        </p:nvPicPr>
-        <p:blipFill>
-          <a:blip r:embed="rId2">
-            <a:extLst>
-              <a:ext uri="{28A0092B-C50C-407E-A947-70E740481C1C}">
-                <a14:useLocalDpi xmlns:a14="http://schemas.microsoft.com/office/drawing/2010/main" val="0"/>
-              </a:ext>
-            </a:extLst>
-          </a:blip>
-          <a:stretch>
-            <a:fillRect/>
-          </a:stretch>
-        </p:blipFill>
-        <p:spPr>
-          <a:xfrm>
-            <a:off x="5818734" y="2947130"/>
-            <a:ext cx="403554" cy="403554"/>
-          </a:xfrm>
-          <a:prstGeom prst="rect">
-            <a:avLst/>
-          </a:prstGeom>
-        </p:spPr>
-      </p:pic>
-      <p:pic>
-        <p:nvPicPr>
-          <p:cNvPr id="30" name="Picture 29">
-            <a:extLst>
-              <a:ext uri="{FF2B5EF4-FFF2-40B4-BE49-F238E27FC236}">
-                <a16:creationId xmlns:a16="http://schemas.microsoft.com/office/drawing/2014/main" id="{81024CCA-2999-4B14-81EE-CB6D3B1C486E}"/>
-              </a:ext>
-            </a:extLst>
-          </p:cNvPr>
-          <p:cNvPicPr>
-            <a:picLocks noChangeAspect="1"/>
-          </p:cNvPicPr>
-          <p:nvPr/>
-        </p:nvPicPr>
-        <p:blipFill>
-          <a:blip r:embed="rId3">
-            <a:extLst>
-              <a:ext uri="{28A0092B-C50C-407E-A947-70E740481C1C}">
-                <a14:useLocalDpi xmlns:a14="http://schemas.microsoft.com/office/drawing/2010/main" val="0"/>
-              </a:ext>
-            </a:extLst>
-          </a:blip>
-          <a:stretch>
-            <a:fillRect/>
-          </a:stretch>
-        </p:blipFill>
-        <p:spPr>
-          <a:xfrm>
-            <a:off x="5914244" y="3121363"/>
-            <a:ext cx="203795" cy="203795"/>
-          </a:xfrm>
-          <a:prstGeom prst="rect">
-            <a:avLst/>
-          </a:prstGeom>
-        </p:spPr>
-      </p:pic>
-      <p:pic>
-        <p:nvPicPr>
-          <p:cNvPr id="35" name="Picture 34">
-            <a:extLst>
-              <a:ext uri="{FF2B5EF4-FFF2-40B4-BE49-F238E27FC236}">
-                <a16:creationId xmlns:a16="http://schemas.microsoft.com/office/drawing/2014/main" id="{54C9C785-6C67-460C-944F-06E14536A7C3}"/>
-              </a:ext>
-            </a:extLst>
-          </p:cNvPr>
-          <p:cNvPicPr>
-            <a:picLocks noChangeAspect="1"/>
-          </p:cNvPicPr>
-          <p:nvPr/>
-        </p:nvPicPr>
-        <p:blipFill>
-          <a:blip r:embed="rId3">
-            <a:extLst>
-              <a:ext uri="{28A0092B-C50C-407E-A947-70E740481C1C}">
-                <a14:useLocalDpi xmlns:a14="http://schemas.microsoft.com/office/drawing/2010/main" val="0"/>
-              </a:ext>
-            </a:extLst>
-          </a:blip>
-          <a:stretch>
-            <a:fillRect/>
-          </a:stretch>
-        </p:blipFill>
-        <p:spPr>
-          <a:xfrm>
-            <a:off x="5914243" y="2600848"/>
-            <a:ext cx="203795" cy="203795"/>
-          </a:xfrm>
-          <a:prstGeom prst="rect">
-            <a:avLst/>
-          </a:prstGeom>
-        </p:spPr>
-      </p:pic>
-      <p:pic>
-        <p:nvPicPr>
-          <p:cNvPr id="21" name="Picture 4">
-            <a:extLst>
-              <a:ext uri="{FF2B5EF4-FFF2-40B4-BE49-F238E27FC236}">
-                <a16:creationId xmlns:a16="http://schemas.microsoft.com/office/drawing/2014/main" id="{A486947E-A06E-4401-B542-ECF8413829B7}"/>
-              </a:ext>
-            </a:extLst>
-          </p:cNvPr>
-          <p:cNvPicPr>
-            <a:picLocks noChangeAspect="1" noChangeArrowheads="1"/>
-          </p:cNvPicPr>
-          <p:nvPr/>
-        </p:nvPicPr>
-        <p:blipFill rotWithShape="1">
-          <a:blip r:embed="rId4">
-            <a:extLst>
-              <a:ext uri="{28A0092B-C50C-407E-A947-70E740481C1C}">
-                <a14:useLocalDpi xmlns:a14="http://schemas.microsoft.com/office/drawing/2010/main" val="0"/>
-              </a:ext>
-            </a:extLst>
-          </a:blip>
-          <a:srcRect b="20850"/>
-          <a:stretch/>
-        </p:blipFill>
-        <p:spPr bwMode="auto">
-          <a:xfrm>
-            <a:off x="7344123" y="5248195"/>
-            <a:ext cx="640080" cy="712439"/>
-          </a:xfrm>
-          <a:prstGeom prst="rect">
-            <a:avLst/>
-          </a:prstGeom>
-          <a:noFill/>
-          <a:extLst>
-            <a:ext uri="{909E8E84-426E-40DD-AFC4-6F175D3DCCD1}">
-              <a14:hiddenFill xmlns:a14="http://schemas.microsoft.com/office/drawing/2010/main">
-                <a:solidFill>
-                  <a:srgbClr val="FFFFFF"/>
-                </a:solidFill>
-              </a14:hiddenFill>
-            </a:ext>
-          </a:extLst>
-        </p:spPr>
-      </p:pic>
-      <p:pic>
-        <p:nvPicPr>
-          <p:cNvPr id="22" name="Picture 21">
-            <a:extLst>
-              <a:ext uri="{FF2B5EF4-FFF2-40B4-BE49-F238E27FC236}">
-                <a16:creationId xmlns:a16="http://schemas.microsoft.com/office/drawing/2014/main" id="{2395E36C-9B74-495C-885A-0EC2BC9A3E62}"/>
-              </a:ext>
-            </a:extLst>
-          </p:cNvPr>
-          <p:cNvPicPr>
-            <a:picLocks noChangeAspect="1"/>
-          </p:cNvPicPr>
-          <p:nvPr/>
-        </p:nvPicPr>
-        <p:blipFill>
-          <a:blip r:embed="rId3">
-            <a:extLst>
-              <a:ext uri="{28A0092B-C50C-407E-A947-70E740481C1C}">
-                <a14:useLocalDpi xmlns:a14="http://schemas.microsoft.com/office/drawing/2010/main" val="0"/>
-              </a:ext>
-            </a:extLst>
-          </a:blip>
-          <a:stretch>
-            <a:fillRect/>
-          </a:stretch>
-        </p:blipFill>
-        <p:spPr>
-          <a:xfrm>
-            <a:off x="4844297" y="5285718"/>
-            <a:ext cx="640080" cy="640080"/>
-          </a:xfrm>
-          <a:prstGeom prst="rect">
-            <a:avLst/>
-          </a:prstGeom>
-        </p:spPr>
-      </p:pic>
-      <p:sp>
-        <p:nvSpPr>
-          <p:cNvPr id="23" name="TextBox 22">
-            <a:extLst>
-              <a:ext uri="{FF2B5EF4-FFF2-40B4-BE49-F238E27FC236}">
-                <a16:creationId xmlns:a16="http://schemas.microsoft.com/office/drawing/2014/main" id="{3AB58F2C-CDFE-4169-B799-6EC3501C0AA3}"/>
-              </a:ext>
-            </a:extLst>
-          </p:cNvPr>
-          <p:cNvSpPr txBox="1"/>
-          <p:nvPr/>
-        </p:nvSpPr>
-        <p:spPr>
-          <a:xfrm>
-            <a:off x="4617720" y="5952979"/>
-            <a:ext cx="1093234" cy="307777"/>
-          </a:xfrm>
-          <a:prstGeom prst="rect">
-            <a:avLst/>
-          </a:prstGeom>
-          <a:noFill/>
-        </p:spPr>
-        <p:txBody>
-          <a:bodyPr wrap="square" rtlCol="0">
-            <a:spAutoFit/>
-          </a:bodyPr>
-          <a:lstStyle/>
-          <a:p>
-            <a:pPr algn="ctr"/>
-            <a:r>
-              <a:rPr lang="es-MX" sz="1400" b="1" dirty="0" err="1"/>
-              <a:t>ImageNet</a:t>
-            </a:r>
-            <a:endParaRPr lang="es-MX" sz="1400" b="1" dirty="0"/>
-          </a:p>
-        </p:txBody>
-      </p:sp>
-      <p:sp>
-        <p:nvSpPr>
-          <p:cNvPr id="24" name="TextBox 23">
-            <a:extLst>
-              <a:ext uri="{FF2B5EF4-FFF2-40B4-BE49-F238E27FC236}">
-                <a16:creationId xmlns:a16="http://schemas.microsoft.com/office/drawing/2014/main" id="{07D96786-449D-488E-9B98-D278C652C7FC}"/>
-              </a:ext>
-            </a:extLst>
-          </p:cNvPr>
-          <p:cNvSpPr txBox="1"/>
-          <p:nvPr/>
-        </p:nvSpPr>
-        <p:spPr>
-          <a:xfrm>
-            <a:off x="7138696" y="5952979"/>
-            <a:ext cx="1093234" cy="523220"/>
-          </a:xfrm>
-          <a:prstGeom prst="rect">
-            <a:avLst/>
-          </a:prstGeom>
-          <a:noFill/>
-        </p:spPr>
-        <p:txBody>
-          <a:bodyPr wrap="square" rtlCol="0">
-            <a:spAutoFit/>
-          </a:bodyPr>
-          <a:lstStyle/>
-          <a:p>
-            <a:pPr algn="ctr"/>
-            <a:r>
-              <a:rPr lang="es-MX" sz="1400" b="1" dirty="0" err="1"/>
-              <a:t>Numpy</a:t>
-            </a:r>
-            <a:r>
-              <a:rPr lang="es-MX" sz="1400" b="1" dirty="0"/>
-              <a:t> array</a:t>
-            </a:r>
-          </a:p>
-        </p:txBody>
-      </p:sp>
-      <p:cxnSp>
-        <p:nvCxnSpPr>
-          <p:cNvPr id="25" name="Straight Arrow Connector 24">
-            <a:extLst>
-              <a:ext uri="{FF2B5EF4-FFF2-40B4-BE49-F238E27FC236}">
-                <a16:creationId xmlns:a16="http://schemas.microsoft.com/office/drawing/2014/main" id="{2FAF1A9C-55DD-415C-B0C9-5BECF518158F}"/>
-              </a:ext>
-            </a:extLst>
-          </p:cNvPr>
-          <p:cNvCxnSpPr>
-            <a:cxnSpLocks/>
-            <a:stCxn id="22" idx="3"/>
-            <a:endCxn id="21" idx="1"/>
-          </p:cNvCxnSpPr>
-          <p:nvPr/>
-        </p:nvCxnSpPr>
-        <p:spPr>
-          <a:xfrm flipV="1">
-            <a:off x="5484377" y="5604415"/>
-            <a:ext cx="1859746" cy="1343"/>
-          </a:xfrm>
-          <a:prstGeom prst="straightConnector1">
-            <a:avLst/>
-          </a:prstGeom>
-          <a:ln w="38100">
-            <a:solidFill>
-              <a:schemeClr val="tx1"/>
-            </a:solidFill>
-            <a:tailEnd type="triangle"/>
           </a:ln>
         </p:spPr>
         <p:style>
@@ -6046,10 +6605,10 @@
       </p:cxnSp>
       <p:pic>
         <p:nvPicPr>
-          <p:cNvPr id="26" name="Picture 25">
-            <a:extLst>
-              <a:ext uri="{FF2B5EF4-FFF2-40B4-BE49-F238E27FC236}">
-                <a16:creationId xmlns:a16="http://schemas.microsoft.com/office/drawing/2014/main" id="{04CB84FA-86D3-4420-AF0F-992B128907A7}"/>
+          <p:cNvPr id="1213" name="Picture 1212">
+            <a:extLst>
+              <a:ext uri="{FF2B5EF4-FFF2-40B4-BE49-F238E27FC236}">
+                <a16:creationId xmlns:a16="http://schemas.microsoft.com/office/drawing/2014/main" id="{797EE6C1-7EBA-4370-8BDB-25DA8C026732}"/>
               </a:ext>
             </a:extLst>
           </p:cNvPr>
@@ -6059,7 +6618,7 @@
           <p:nvPr/>
         </p:nvPicPr>
         <p:blipFill>
-          <a:blip r:embed="rId5">
+          <a:blip r:embed="rId2">
             <a:extLst>
               <a:ext uri="{28A0092B-C50C-407E-A947-70E740481C1C}">
                 <a14:useLocalDpi xmlns:a14="http://schemas.microsoft.com/office/drawing/2010/main" val="0"/>
@@ -6072,20 +6631,92 @@
         </p:blipFill>
         <p:spPr>
           <a:xfrm>
-            <a:off x="10560361" y="5285275"/>
-            <a:ext cx="640080" cy="640080"/>
+            <a:off x="6435395" y="3200826"/>
+            <a:ext cx="312268" cy="312268"/>
           </a:xfrm>
           <a:prstGeom prst="rect">
             <a:avLst/>
           </a:prstGeom>
         </p:spPr>
       </p:pic>
-      <p:sp>
-        <p:nvSpPr>
-          <p:cNvPr id="27" name="TextBox 26">
-            <a:extLst>
-              <a:ext uri="{FF2B5EF4-FFF2-40B4-BE49-F238E27FC236}">
-                <a16:creationId xmlns:a16="http://schemas.microsoft.com/office/drawing/2014/main" id="{946376E3-2C15-4EED-8971-3D98D3074A1B}"/>
+      <p:pic>
+        <p:nvPicPr>
+          <p:cNvPr id="1214" name="Picture 1213">
+            <a:extLst>
+              <a:ext uri="{FF2B5EF4-FFF2-40B4-BE49-F238E27FC236}">
+                <a16:creationId xmlns:a16="http://schemas.microsoft.com/office/drawing/2014/main" id="{E55586CB-A2F6-4BF2-A722-9C0DE1F2FD34}"/>
+              </a:ext>
+            </a:extLst>
+          </p:cNvPr>
+          <p:cNvPicPr>
+            <a:picLocks noChangeAspect="1"/>
+          </p:cNvPicPr>
+          <p:nvPr/>
+        </p:nvPicPr>
+        <p:blipFill>
+          <a:blip r:embed="rId2">
+            <a:extLst>
+              <a:ext uri="{28A0092B-C50C-407E-A947-70E740481C1C}">
+                <a14:useLocalDpi xmlns:a14="http://schemas.microsoft.com/office/drawing/2010/main" val="0"/>
+              </a:ext>
+            </a:extLst>
+          </a:blip>
+          <a:stretch>
+            <a:fillRect/>
+          </a:stretch>
+        </p:blipFill>
+        <p:spPr>
+          <a:xfrm>
+            <a:off x="6982996" y="3224538"/>
+            <a:ext cx="259702" cy="259702"/>
+          </a:xfrm>
+          <a:prstGeom prst="rect">
+            <a:avLst/>
+          </a:prstGeom>
+        </p:spPr>
+      </p:pic>
+      <p:pic>
+        <p:nvPicPr>
+          <p:cNvPr id="1215" name="Picture 1214">
+            <a:extLst>
+              <a:ext uri="{FF2B5EF4-FFF2-40B4-BE49-F238E27FC236}">
+                <a16:creationId xmlns:a16="http://schemas.microsoft.com/office/drawing/2014/main" id="{09C1AECF-B287-4028-8BB5-260A41F676AF}"/>
+              </a:ext>
+            </a:extLst>
+          </p:cNvPr>
+          <p:cNvPicPr>
+            <a:picLocks noChangeAspect="1"/>
+          </p:cNvPicPr>
+          <p:nvPr/>
+        </p:nvPicPr>
+        <p:blipFill>
+          <a:blip r:embed="rId4">
+            <a:extLst>
+              <a:ext uri="{28A0092B-C50C-407E-A947-70E740481C1C}">
+                <a14:useLocalDpi xmlns:a14="http://schemas.microsoft.com/office/drawing/2010/main" val="0"/>
+              </a:ext>
+            </a:extLst>
+          </a:blip>
+          <a:stretch>
+            <a:fillRect/>
+          </a:stretch>
+        </p:blipFill>
+        <p:spPr>
+          <a:xfrm>
+            <a:off x="7033999" y="3316762"/>
+            <a:ext cx="157695" cy="157695"/>
+          </a:xfrm>
+          <a:prstGeom prst="rect">
+            <a:avLst/>
+          </a:prstGeom>
+        </p:spPr>
+      </p:pic>
+      <p:sp>
+        <p:nvSpPr>
+          <p:cNvPr id="1216" name="TextBox 1215">
+            <a:extLst>
+              <a:ext uri="{FF2B5EF4-FFF2-40B4-BE49-F238E27FC236}">
+                <a16:creationId xmlns:a16="http://schemas.microsoft.com/office/drawing/2014/main" id="{66019030-E92F-4E3C-9939-8CFB4A5FBDE2}"/>
               </a:ext>
             </a:extLst>
           </p:cNvPr>
@@ -6094,8 +6725,8 @@
         </p:nvSpPr>
         <p:spPr>
           <a:xfrm>
-            <a:off x="8463028" y="5960634"/>
-            <a:ext cx="1265225" cy="307777"/>
+            <a:off x="6865329" y="2909683"/>
+            <a:ext cx="523220" cy="246221"/>
           </a:xfrm>
           <a:prstGeom prst="rect">
             <a:avLst/>
@@ -6110,46 +6741,40 @@
           <a:p>
             <a:pPr algn="ctr"/>
             <a:r>
-              <a:rPr lang="es-MX" sz="1400" b="1" dirty="0"/>
-              <a:t>ML </a:t>
-            </a:r>
-            <a:r>
-              <a:rPr lang="es-MX" sz="1400" b="1" dirty="0" err="1"/>
-              <a:t>Model</a:t>
-            </a:r>
-            <a:endParaRPr lang="es-MX" sz="1400" b="1" dirty="0"/>
+              <a:rPr lang="es-MX" sz="1000" dirty="0" err="1"/>
+              <a:t>model</a:t>
+            </a:r>
+            <a:endParaRPr lang="es-MX" sz="1000" dirty="0"/>
           </a:p>
         </p:txBody>
       </p:sp>
       <p:cxnSp>
         <p:nvCxnSpPr>
-          <p:cNvPr id="28" name="Straight Arrow Connector 27">
-            <a:extLst>
-              <a:ext uri="{FF2B5EF4-FFF2-40B4-BE49-F238E27FC236}">
-                <a16:creationId xmlns:a16="http://schemas.microsoft.com/office/drawing/2014/main" id="{0DEEDFEA-A6E0-44EE-A0A1-BD55F97023E2}"/>
+          <p:cNvPr id="1217" name="Straight Connector 1216">
+            <a:extLst>
+              <a:ext uri="{FF2B5EF4-FFF2-40B4-BE49-F238E27FC236}">
+                <a16:creationId xmlns:a16="http://schemas.microsoft.com/office/drawing/2014/main" id="{03748089-0BEC-4E8F-A35E-72D3140BB375}"/>
               </a:ext>
             </a:extLst>
           </p:cNvPr>
           <p:cNvCxnSpPr>
             <a:cxnSpLocks/>
-            <a:stCxn id="36" idx="1"/>
-            <a:endCxn id="26" idx="1"/>
+            <a:stCxn id="1213" idx="1"/>
           </p:cNvCxnSpPr>
           <p:nvPr/>
         </p:nvCxnSpPr>
         <p:spPr>
-          <a:xfrm>
-            <a:off x="9749477" y="5602283"/>
-            <a:ext cx="810884" cy="3032"/>
-          </a:xfrm>
-          <a:prstGeom prst="straightConnector1">
-            <a:avLst/>
-          </a:prstGeom>
-          <a:ln w="38100">
+          <a:xfrm flipH="1">
+            <a:off x="6222288" y="3356960"/>
+            <a:ext cx="213107" cy="0"/>
+          </a:xfrm>
+          <a:prstGeom prst="line">
+            <a:avLst/>
+          </a:prstGeom>
+          <a:ln w="19050">
             <a:solidFill>
               <a:schemeClr val="tx1"/>
             </a:solidFill>
-            <a:tailEnd type="triangle"/>
           </a:ln>
         </p:spPr>
         <p:style>
@@ -6169,33 +6794,32 @@
       </p:cxnSp>
       <p:cxnSp>
         <p:nvCxnSpPr>
-          <p:cNvPr id="37" name="Straight Arrow Connector 36">
-            <a:extLst>
-              <a:ext uri="{FF2B5EF4-FFF2-40B4-BE49-F238E27FC236}">
-                <a16:creationId xmlns:a16="http://schemas.microsoft.com/office/drawing/2014/main" id="{0F461E99-DA10-43C4-9662-463E5A50E613}"/>
+          <p:cNvPr id="1218" name="Straight Connector 1217">
+            <a:extLst>
+              <a:ext uri="{FF2B5EF4-FFF2-40B4-BE49-F238E27FC236}">
+                <a16:creationId xmlns:a16="http://schemas.microsoft.com/office/drawing/2014/main" id="{5D4D3F9A-BDFC-4160-98E2-D7FDCF75C5CB}"/>
               </a:ext>
             </a:extLst>
           </p:cNvPr>
           <p:cNvCxnSpPr>
             <a:cxnSpLocks/>
-            <a:stCxn id="21" idx="3"/>
-            <a:endCxn id="15" idx="1"/>
+            <a:stCxn id="1214" idx="1"/>
+            <a:endCxn id="1213" idx="3"/>
           </p:cNvCxnSpPr>
           <p:nvPr/>
         </p:nvCxnSpPr>
         <p:spPr>
-          <a:xfrm flipV="1">
-            <a:off x="7984203" y="5599975"/>
-            <a:ext cx="790832" cy="4440"/>
-          </a:xfrm>
-          <a:prstGeom prst="straightConnector1">
-            <a:avLst/>
-          </a:prstGeom>
-          <a:ln w="38100">
+          <a:xfrm flipH="1">
+            <a:off x="6747663" y="3354389"/>
+            <a:ext cx="235333" cy="2571"/>
+          </a:xfrm>
+          <a:prstGeom prst="line">
+            <a:avLst/>
+          </a:prstGeom>
+          <a:ln w="19050">
             <a:solidFill>
               <a:schemeClr val="tx1"/>
             </a:solidFill>
-            <a:tailEnd type="triangle"/>
           </a:ln>
         </p:spPr>
         <p:style>
@@ -6213,150 +6837,6 @@
           </a:fontRef>
         </p:style>
       </p:cxnSp>
-      <p:pic>
-        <p:nvPicPr>
-          <p:cNvPr id="38" name="Picture 37">
-            <a:extLst>
-              <a:ext uri="{FF2B5EF4-FFF2-40B4-BE49-F238E27FC236}">
-                <a16:creationId xmlns:a16="http://schemas.microsoft.com/office/drawing/2014/main" id="{E4E90B32-5039-4A98-BDDA-824C3EB298F7}"/>
-              </a:ext>
-            </a:extLst>
-          </p:cNvPr>
-          <p:cNvPicPr>
-            <a:picLocks noChangeAspect="1"/>
-          </p:cNvPicPr>
-          <p:nvPr/>
-        </p:nvPicPr>
-        <p:blipFill>
-          <a:blip r:embed="rId6">
-            <a:extLst>
-              <a:ext uri="{28A0092B-C50C-407E-A947-70E740481C1C}">
-                <a14:useLocalDpi xmlns:a14="http://schemas.microsoft.com/office/drawing/2010/main" val="0"/>
-              </a:ext>
-            </a:extLst>
-          </a:blip>
-          <a:stretch>
-            <a:fillRect/>
-          </a:stretch>
-        </p:blipFill>
-        <p:spPr>
-          <a:xfrm>
-            <a:off x="5983685" y="5150940"/>
-            <a:ext cx="712439" cy="712439"/>
-          </a:xfrm>
-          <a:prstGeom prst="rect">
-            <a:avLst/>
-          </a:prstGeom>
-        </p:spPr>
-      </p:pic>
-      <p:pic>
-        <p:nvPicPr>
-          <p:cNvPr id="39" name="Picture 38">
-            <a:extLst>
-              <a:ext uri="{FF2B5EF4-FFF2-40B4-BE49-F238E27FC236}">
-                <a16:creationId xmlns:a16="http://schemas.microsoft.com/office/drawing/2014/main" id="{03B53FD6-62FE-4E68-AF49-6024618993FD}"/>
-              </a:ext>
-            </a:extLst>
-          </p:cNvPr>
-          <p:cNvPicPr>
-            <a:picLocks noChangeAspect="1"/>
-          </p:cNvPicPr>
-          <p:nvPr/>
-        </p:nvPicPr>
-        <p:blipFill>
-          <a:blip r:embed="rId6">
-            <a:extLst>
-              <a:ext uri="{28A0092B-C50C-407E-A947-70E740481C1C}">
-                <a14:useLocalDpi xmlns:a14="http://schemas.microsoft.com/office/drawing/2010/main" val="0"/>
-              </a:ext>
-            </a:extLst>
-          </a:blip>
-          <a:stretch>
-            <a:fillRect/>
-          </a:stretch>
-        </p:blipFill>
-        <p:spPr>
-          <a:xfrm>
-            <a:off x="6379217" y="5556853"/>
-            <a:ext cx="523220" cy="523220"/>
-          </a:xfrm>
-          <a:prstGeom prst="rect">
-            <a:avLst/>
-          </a:prstGeom>
-        </p:spPr>
-      </p:pic>
-      <p:sp>
-        <p:nvSpPr>
-          <p:cNvPr id="40" name="TextBox 39">
-            <a:extLst>
-              <a:ext uri="{FF2B5EF4-FFF2-40B4-BE49-F238E27FC236}">
-                <a16:creationId xmlns:a16="http://schemas.microsoft.com/office/drawing/2014/main" id="{79A9E114-B39D-4EA2-B489-4D7334AD1A23}"/>
-              </a:ext>
-            </a:extLst>
-          </p:cNvPr>
-          <p:cNvSpPr txBox="1"/>
-          <p:nvPr/>
-        </p:nvSpPr>
-        <p:spPr>
-          <a:xfrm>
-            <a:off x="5889168" y="5952979"/>
-            <a:ext cx="1249528" cy="523220"/>
-          </a:xfrm>
-          <a:prstGeom prst="rect">
-            <a:avLst/>
-          </a:prstGeom>
-          <a:noFill/>
-        </p:spPr>
-        <p:txBody>
-          <a:bodyPr wrap="square" rtlCol="0">
-            <a:spAutoFit/>
-          </a:bodyPr>
-          <a:lstStyle/>
-          <a:p>
-            <a:pPr algn="ctr"/>
-            <a:r>
-              <a:rPr lang="es-MX" sz="1400" b="1" dirty="0"/>
-              <a:t>Redimensión de imagen</a:t>
-            </a:r>
-          </a:p>
-        </p:txBody>
-      </p:sp>
-      <p:pic>
-        <p:nvPicPr>
-          <p:cNvPr id="15" name="Picture 14">
-            <a:extLst>
-              <a:ext uri="{FF2B5EF4-FFF2-40B4-BE49-F238E27FC236}">
-                <a16:creationId xmlns:a16="http://schemas.microsoft.com/office/drawing/2014/main" id="{D6239A37-728A-461D-B465-B65C251AD2DF}"/>
-              </a:ext>
-            </a:extLst>
-          </p:cNvPr>
-          <p:cNvPicPr>
-            <a:picLocks noChangeAspect="1"/>
-          </p:cNvPicPr>
-          <p:nvPr/>
-        </p:nvPicPr>
-        <p:blipFill>
-          <a:blip r:embed="rId7">
-            <a:extLst>
-              <a:ext uri="{28A0092B-C50C-407E-A947-70E740481C1C}">
-                <a14:useLocalDpi xmlns:a14="http://schemas.microsoft.com/office/drawing/2010/main" val="0"/>
-              </a:ext>
-            </a:extLst>
-          </a:blip>
-          <a:stretch>
-            <a:fillRect/>
-          </a:stretch>
-        </p:blipFill>
-        <p:spPr>
-          <a:xfrm>
-            <a:off x="8775035" y="5248195"/>
-            <a:ext cx="703560" cy="703560"/>
-          </a:xfrm>
-          <a:prstGeom prst="rect">
-            <a:avLst/>
-          </a:prstGeom>
-        </p:spPr>
-      </p:pic>
     </p:spTree>
     <p:extLst>
       <p:ext uri="{BB962C8B-B14F-4D97-AF65-F5344CB8AC3E}">
